--- a/FisherJ_ANA500_Micro-Project_template.pptx
+++ b/FisherJ_ANA500_Micro-Project_template.pptx
@@ -9,11 +9,14 @@
     <p:sldId id="257" r:id="rId3"/>
     <p:sldId id="258" r:id="rId4"/>
     <p:sldId id="259" r:id="rId5"/>
-    <p:sldId id="260" r:id="rId6"/>
-    <p:sldId id="261" r:id="rId7"/>
-    <p:sldId id="262" r:id="rId8"/>
-    <p:sldId id="263" r:id="rId9"/>
-    <p:sldId id="265" r:id="rId10"/>
+    <p:sldId id="270" r:id="rId6"/>
+    <p:sldId id="260" r:id="rId7"/>
+    <p:sldId id="267" r:id="rId8"/>
+    <p:sldId id="268" r:id="rId9"/>
+    <p:sldId id="269" r:id="rId10"/>
+    <p:sldId id="262" r:id="rId11"/>
+    <p:sldId id="263" r:id="rId12"/>
+    <p:sldId id="265" r:id="rId13"/>
   </p:sldIdLst>
   <p:sldSz cx="12192000" cy="6858000"/>
   <p:notesSz cx="6858000" cy="9144000"/>
@@ -267,7 +270,7 @@
           <a:p>
             <a:fld id="{3F52AFC1-4F45-459D-BC95-0F8F5E3A4294}" type="datetimeFigureOut">
               <a:rPr lang="en-US" smtClean="0"/>
-              <a:t>5/12/2024</a:t>
+              <a:t>5/19/2024</a:t>
             </a:fld>
             <a:endParaRPr lang="en-US"/>
           </a:p>
@@ -465,7 +468,7 @@
           <a:p>
             <a:fld id="{3F52AFC1-4F45-459D-BC95-0F8F5E3A4294}" type="datetimeFigureOut">
               <a:rPr lang="en-US" smtClean="0"/>
-              <a:t>5/12/2024</a:t>
+              <a:t>5/19/2024</a:t>
             </a:fld>
             <a:endParaRPr lang="en-US"/>
           </a:p>
@@ -673,7 +676,7 @@
           <a:p>
             <a:fld id="{3F52AFC1-4F45-459D-BC95-0F8F5E3A4294}" type="datetimeFigureOut">
               <a:rPr lang="en-US" smtClean="0"/>
-              <a:t>5/12/2024</a:t>
+              <a:t>5/19/2024</a:t>
             </a:fld>
             <a:endParaRPr lang="en-US"/>
           </a:p>
@@ -871,7 +874,7 @@
           <a:p>
             <a:fld id="{3F52AFC1-4F45-459D-BC95-0F8F5E3A4294}" type="datetimeFigureOut">
               <a:rPr lang="en-US" smtClean="0"/>
-              <a:t>5/12/2024</a:t>
+              <a:t>5/19/2024</a:t>
             </a:fld>
             <a:endParaRPr lang="en-US"/>
           </a:p>
@@ -1146,7 +1149,7 @@
           <a:p>
             <a:fld id="{3F52AFC1-4F45-459D-BC95-0F8F5E3A4294}" type="datetimeFigureOut">
               <a:rPr lang="en-US" smtClean="0"/>
-              <a:t>5/12/2024</a:t>
+              <a:t>5/19/2024</a:t>
             </a:fld>
             <a:endParaRPr lang="en-US"/>
           </a:p>
@@ -1411,7 +1414,7 @@
           <a:p>
             <a:fld id="{3F52AFC1-4F45-459D-BC95-0F8F5E3A4294}" type="datetimeFigureOut">
               <a:rPr lang="en-US" smtClean="0"/>
-              <a:t>5/12/2024</a:t>
+              <a:t>5/19/2024</a:t>
             </a:fld>
             <a:endParaRPr lang="en-US"/>
           </a:p>
@@ -1823,7 +1826,7 @@
           <a:p>
             <a:fld id="{3F52AFC1-4F45-459D-BC95-0F8F5E3A4294}" type="datetimeFigureOut">
               <a:rPr lang="en-US" smtClean="0"/>
-              <a:t>5/12/2024</a:t>
+              <a:t>5/19/2024</a:t>
             </a:fld>
             <a:endParaRPr lang="en-US"/>
           </a:p>
@@ -1964,7 +1967,7 @@
           <a:p>
             <a:fld id="{3F52AFC1-4F45-459D-BC95-0F8F5E3A4294}" type="datetimeFigureOut">
               <a:rPr lang="en-US" smtClean="0"/>
-              <a:t>5/12/2024</a:t>
+              <a:t>5/19/2024</a:t>
             </a:fld>
             <a:endParaRPr lang="en-US"/>
           </a:p>
@@ -2077,7 +2080,7 @@
           <a:p>
             <a:fld id="{3F52AFC1-4F45-459D-BC95-0F8F5E3A4294}" type="datetimeFigureOut">
               <a:rPr lang="en-US" smtClean="0"/>
-              <a:t>5/12/2024</a:t>
+              <a:t>5/19/2024</a:t>
             </a:fld>
             <a:endParaRPr lang="en-US"/>
           </a:p>
@@ -2388,7 +2391,7 @@
           <a:p>
             <a:fld id="{3F52AFC1-4F45-459D-BC95-0F8F5E3A4294}" type="datetimeFigureOut">
               <a:rPr lang="en-US" smtClean="0"/>
-              <a:t>5/12/2024</a:t>
+              <a:t>5/19/2024</a:t>
             </a:fld>
             <a:endParaRPr lang="en-US"/>
           </a:p>
@@ -2676,7 +2679,7 @@
           <a:p>
             <a:fld id="{3F52AFC1-4F45-459D-BC95-0F8F5E3A4294}" type="datetimeFigureOut">
               <a:rPr lang="en-US" smtClean="0"/>
-              <a:t>5/12/2024</a:t>
+              <a:t>5/19/2024</a:t>
             </a:fld>
             <a:endParaRPr lang="en-US"/>
           </a:p>
@@ -2917,7 +2920,7 @@
           <a:p>
             <a:fld id="{3F52AFC1-4F45-459D-BC95-0F8F5E3A4294}" type="datetimeFigureOut">
               <a:rPr lang="en-US" smtClean="0"/>
-              <a:t>5/12/2024</a:t>
+              <a:t>5/19/2024</a:t>
             </a:fld>
             <a:endParaRPr lang="en-US"/>
           </a:p>
@@ -3366,7 +3369,7 @@
             </a:br>
             <a:r>
               <a:rPr lang="en-US" sz="4800" dirty="0"/>
-              <a:t>Micro-Project 1</a:t>
+              <a:t>Micro-Project 2</a:t>
             </a:r>
             <a:br>
               <a:rPr lang="en-US" sz="4800" dirty="0"/>
@@ -3416,7 +3419,7 @@
           <a:p>
             <a:r>
               <a:rPr lang="en-US" dirty="0"/>
-              <a:t>5-12-2024</a:t>
+              <a:t>5-19-2024</a:t>
             </a:r>
           </a:p>
           <a:p>
@@ -3428,6 +3431,337 @@
     <p:extLst>
       <p:ext uri="{BB962C8B-B14F-4D97-AF65-F5344CB8AC3E}">
         <p14:creationId xmlns:p14="http://schemas.microsoft.com/office/powerpoint/2010/main" val="3651251486"/>
+      </p:ext>
+    </p:extLst>
+  </p:cSld>
+  <p:clrMapOvr>
+    <a:masterClrMapping/>
+  </p:clrMapOvr>
+</p:sld>
+</file>
+
+<file path=ppt/slides/slide10.xml><?xml version="1.0" encoding="utf-8"?>
+<p:sld xmlns:a="http://schemas.openxmlformats.org/drawingml/2006/main" xmlns:r="http://schemas.openxmlformats.org/officeDocument/2006/relationships" xmlns:p="http://schemas.openxmlformats.org/presentationml/2006/main">
+  <p:cSld>
+    <p:spTree>
+      <p:nvGrpSpPr>
+        <p:cNvPr id="1" name=""/>
+        <p:cNvGrpSpPr/>
+        <p:nvPr/>
+      </p:nvGrpSpPr>
+      <p:grpSpPr>
+        <a:xfrm>
+          <a:off x="0" y="0"/>
+          <a:ext cx="0" cy="0"/>
+          <a:chOff x="0" y="0"/>
+          <a:chExt cx="0" cy="0"/>
+        </a:xfrm>
+      </p:grpSpPr>
+      <p:sp>
+        <p:nvSpPr>
+          <p:cNvPr id="2" name="Title 1">
+            <a:extLst>
+              <a:ext uri="{FF2B5EF4-FFF2-40B4-BE49-F238E27FC236}">
+                <a16:creationId xmlns:a16="http://schemas.microsoft.com/office/drawing/2014/main" id="{DB2A7252-6823-44F9-B464-D7A15D12BB65}"/>
+              </a:ext>
+            </a:extLst>
+          </p:cNvPr>
+          <p:cNvSpPr>
+            <a:spLocks noGrp="1"/>
+          </p:cNvSpPr>
+          <p:nvPr>
+            <p:ph type="title"/>
+          </p:nvPr>
+        </p:nvSpPr>
+        <p:spPr/>
+        <p:txBody>
+          <a:bodyPr/>
+          <a:lstStyle/>
+          <a:p>
+            <a:r>
+              <a:rPr lang="en-US" dirty="0"/>
+              <a:t>Report</a:t>
+            </a:r>
+          </a:p>
+        </p:txBody>
+      </p:sp>
+      <p:sp>
+        <p:nvSpPr>
+          <p:cNvPr id="3" name="Content Placeholder 2">
+            <a:extLst>
+              <a:ext uri="{FF2B5EF4-FFF2-40B4-BE49-F238E27FC236}">
+                <a16:creationId xmlns:a16="http://schemas.microsoft.com/office/drawing/2014/main" id="{7FEAE391-6366-4E20-A14E-0ECFAEA8029A}"/>
+              </a:ext>
+            </a:extLst>
+          </p:cNvPr>
+          <p:cNvSpPr>
+            <a:spLocks noGrp="1"/>
+          </p:cNvSpPr>
+          <p:nvPr>
+            <p:ph idx="1"/>
+          </p:nvPr>
+        </p:nvSpPr>
+        <p:spPr/>
+        <p:txBody>
+          <a:bodyPr/>
+          <a:lstStyle/>
+          <a:p>
+            <a:r>
+              <a:rPr lang="en-US" sz="1800" dirty="0">
+                <a:solidFill>
+                  <a:srgbClr val="000000"/>
+                </a:solidFill>
+                <a:effectLst/>
+                <a:latin typeface="Times New Roman" panose="02020603050405020304" pitchFamily="18" charset="0"/>
+                <a:ea typeface="Times New Roman" panose="02020603050405020304" pitchFamily="18" charset="0"/>
+              </a:rPr>
+              <a:t>[To update with models derived from Micro Project 3]</a:t>
+            </a:r>
+          </a:p>
+        </p:txBody>
+      </p:sp>
+    </p:spTree>
+    <p:extLst>
+      <p:ext uri="{BB962C8B-B14F-4D97-AF65-F5344CB8AC3E}">
+        <p14:creationId xmlns:p14="http://schemas.microsoft.com/office/powerpoint/2010/main" val="2309908418"/>
+      </p:ext>
+    </p:extLst>
+  </p:cSld>
+  <p:clrMapOvr>
+    <a:masterClrMapping/>
+  </p:clrMapOvr>
+</p:sld>
+</file>
+
+<file path=ppt/slides/slide11.xml><?xml version="1.0" encoding="utf-8"?>
+<p:sld xmlns:a="http://schemas.openxmlformats.org/drawingml/2006/main" xmlns:r="http://schemas.openxmlformats.org/officeDocument/2006/relationships" xmlns:p="http://schemas.openxmlformats.org/presentationml/2006/main">
+  <p:cSld>
+    <p:spTree>
+      <p:nvGrpSpPr>
+        <p:cNvPr id="1" name=""/>
+        <p:cNvGrpSpPr/>
+        <p:nvPr/>
+      </p:nvGrpSpPr>
+      <p:grpSpPr>
+        <a:xfrm>
+          <a:off x="0" y="0"/>
+          <a:ext cx="0" cy="0"/>
+          <a:chOff x="0" y="0"/>
+          <a:chExt cx="0" cy="0"/>
+        </a:xfrm>
+      </p:grpSpPr>
+      <p:sp>
+        <p:nvSpPr>
+          <p:cNvPr id="2" name="Title 1">
+            <a:extLst>
+              <a:ext uri="{FF2B5EF4-FFF2-40B4-BE49-F238E27FC236}">
+                <a16:creationId xmlns:a16="http://schemas.microsoft.com/office/drawing/2014/main" id="{7998C1A2-E365-4EAD-A777-10EF9BD2588C}"/>
+              </a:ext>
+            </a:extLst>
+          </p:cNvPr>
+          <p:cNvSpPr>
+            <a:spLocks noGrp="1"/>
+          </p:cNvSpPr>
+          <p:nvPr>
+            <p:ph type="title"/>
+          </p:nvPr>
+        </p:nvSpPr>
+        <p:spPr/>
+        <p:txBody>
+          <a:bodyPr/>
+          <a:lstStyle/>
+          <a:p>
+            <a:r>
+              <a:rPr lang="en-US" dirty="0"/>
+              <a:t>Act</a:t>
+            </a:r>
+          </a:p>
+        </p:txBody>
+      </p:sp>
+      <p:sp>
+        <p:nvSpPr>
+          <p:cNvPr id="3" name="Content Placeholder 2">
+            <a:extLst>
+              <a:ext uri="{FF2B5EF4-FFF2-40B4-BE49-F238E27FC236}">
+                <a16:creationId xmlns:a16="http://schemas.microsoft.com/office/drawing/2014/main" id="{83DC0D0A-FDCC-4561-A8EB-1F836A94AACC}"/>
+              </a:ext>
+            </a:extLst>
+          </p:cNvPr>
+          <p:cNvSpPr>
+            <a:spLocks noGrp="1"/>
+          </p:cNvSpPr>
+          <p:nvPr>
+            <p:ph idx="1"/>
+          </p:nvPr>
+        </p:nvSpPr>
+        <p:spPr/>
+        <p:txBody>
+          <a:bodyPr/>
+          <a:lstStyle/>
+          <a:p>
+            <a:r>
+              <a:rPr lang="en-US" sz="1800" dirty="0">
+                <a:solidFill>
+                  <a:srgbClr val="000000"/>
+                </a:solidFill>
+                <a:effectLst/>
+                <a:latin typeface="Times New Roman" panose="02020603050405020304" pitchFamily="18" charset="0"/>
+                <a:ea typeface="Times New Roman" panose="02020603050405020304" pitchFamily="18" charset="0"/>
+              </a:rPr>
+              <a:t>&lt;apply results, connect results with the chosen problem statement or business question&gt;</a:t>
+            </a:r>
+            <a:endParaRPr lang="en-US" dirty="0"/>
+          </a:p>
+        </p:txBody>
+      </p:sp>
+    </p:spTree>
+    <p:extLst>
+      <p:ext uri="{BB962C8B-B14F-4D97-AF65-F5344CB8AC3E}">
+        <p14:creationId xmlns:p14="http://schemas.microsoft.com/office/powerpoint/2010/main" val="4024108741"/>
+      </p:ext>
+    </p:extLst>
+  </p:cSld>
+  <p:clrMapOvr>
+    <a:masterClrMapping/>
+  </p:clrMapOvr>
+</p:sld>
+</file>
+
+<file path=ppt/slides/slide12.xml><?xml version="1.0" encoding="utf-8"?>
+<p:sld xmlns:a="http://schemas.openxmlformats.org/drawingml/2006/main" xmlns:r="http://schemas.openxmlformats.org/officeDocument/2006/relationships" xmlns:p="http://schemas.openxmlformats.org/presentationml/2006/main">
+  <p:cSld>
+    <p:spTree>
+      <p:nvGrpSpPr>
+        <p:cNvPr id="1" name=""/>
+        <p:cNvGrpSpPr/>
+        <p:nvPr/>
+      </p:nvGrpSpPr>
+      <p:grpSpPr>
+        <a:xfrm>
+          <a:off x="0" y="0"/>
+          <a:ext cx="0" cy="0"/>
+          <a:chOff x="0" y="0"/>
+          <a:chExt cx="0" cy="0"/>
+        </a:xfrm>
+      </p:grpSpPr>
+      <p:sp>
+        <p:nvSpPr>
+          <p:cNvPr id="2" name="Title 1">
+            <a:extLst>
+              <a:ext uri="{FF2B5EF4-FFF2-40B4-BE49-F238E27FC236}">
+                <a16:creationId xmlns:a16="http://schemas.microsoft.com/office/drawing/2014/main" id="{6E62AD6F-85A9-F8B8-9A59-B9B421EB5CD5}"/>
+              </a:ext>
+            </a:extLst>
+          </p:cNvPr>
+          <p:cNvSpPr>
+            <a:spLocks noGrp="1"/>
+          </p:cNvSpPr>
+          <p:nvPr>
+            <p:ph type="title"/>
+          </p:nvPr>
+        </p:nvSpPr>
+        <p:spPr/>
+        <p:txBody>
+          <a:bodyPr/>
+          <a:lstStyle/>
+          <a:p>
+            <a:r>
+              <a:rPr lang="en-US" dirty="0"/>
+              <a:t>References</a:t>
+            </a:r>
+          </a:p>
+        </p:txBody>
+      </p:sp>
+      <p:sp>
+        <p:nvSpPr>
+          <p:cNvPr id="3" name="Content Placeholder 2">
+            <a:extLst>
+              <a:ext uri="{FF2B5EF4-FFF2-40B4-BE49-F238E27FC236}">
+                <a16:creationId xmlns:a16="http://schemas.microsoft.com/office/drawing/2014/main" id="{89E43576-30CA-C427-A641-CCDACF852F5B}"/>
+              </a:ext>
+            </a:extLst>
+          </p:cNvPr>
+          <p:cNvSpPr>
+            <a:spLocks noGrp="1"/>
+          </p:cNvSpPr>
+          <p:nvPr>
+            <p:ph idx="1"/>
+          </p:nvPr>
+        </p:nvSpPr>
+        <p:spPr/>
+        <p:txBody>
+          <a:bodyPr>
+            <a:normAutofit/>
+          </a:bodyPr>
+          <a:lstStyle/>
+          <a:p>
+            <a:r>
+              <a:rPr lang="en-US" sz="1600" dirty="0"/>
+              <a:t>Casanova, R., Saldana, S., Lutz, M. W., </a:t>
+            </a:r>
+            <a:r>
+              <a:rPr lang="en-US" sz="1600" dirty="0" err="1"/>
+              <a:t>Plassman</a:t>
+            </a:r>
+            <a:r>
+              <a:rPr lang="en-US" sz="1600" dirty="0"/>
+              <a:t>, B. L., </a:t>
+            </a:r>
+            <a:r>
+              <a:rPr lang="en-US" sz="1600" dirty="0" err="1"/>
+              <a:t>Kuchibhatla</a:t>
+            </a:r>
+            <a:r>
+              <a:rPr lang="en-US" sz="1600" dirty="0"/>
+              <a:t>, M., &amp; Hayden, K. M. (2020). Investigating predictors of cognitive decline using machine learning. </a:t>
+            </a:r>
+            <a:r>
+              <a:rPr lang="en-US" sz="1600" i="1" dirty="0"/>
+              <a:t>Journal of Gerontology, 75</a:t>
+            </a:r>
+            <a:r>
+              <a:rPr lang="en-US" sz="1600" dirty="0"/>
+              <a:t>(4), 733–742. </a:t>
+            </a:r>
+            <a:r>
+              <a:rPr lang="en-US" sz="1600" dirty="0">
+                <a:hlinkClick r:id="rId2"/>
+              </a:rPr>
+              <a:t>https://doi.org/10.1093/geronb/gby054</a:t>
+            </a:r>
+            <a:endParaRPr lang="en-US" sz="1600" dirty="0"/>
+          </a:p>
+          <a:p>
+            <a:r>
+              <a:rPr lang="en-US" sz="1600" dirty="0"/>
+              <a:t>Centers for Disease Control and Prevention (CDC). </a:t>
+            </a:r>
+            <a:r>
+              <a:rPr lang="en-US" sz="1600" i="1" dirty="0"/>
+              <a:t>Chronic diseases and cognitive decline – A public health issue. </a:t>
+            </a:r>
+            <a:r>
+              <a:rPr lang="en-US" sz="1600" dirty="0"/>
+              <a:t>Alzheimer’s Disease and Healthy Aging: Data Briefs. U.S. Government. Retrieved from </a:t>
+            </a:r>
+            <a:r>
+              <a:rPr lang="en-US" sz="1600" dirty="0">
+                <a:hlinkClick r:id="rId3"/>
+              </a:rPr>
+              <a:t>https://www.cdc.gov/aging/publications/chronic-diseases-brief.html</a:t>
+            </a:r>
+            <a:r>
+              <a:rPr lang="en-US" sz="1600" dirty="0"/>
+              <a:t>  </a:t>
+            </a:r>
+            <a:endParaRPr lang="en-US" sz="1600" i="1" dirty="0"/>
+          </a:p>
+        </p:txBody>
+      </p:sp>
+    </p:spTree>
+    <p:extLst>
+      <p:ext uri="{BB962C8B-B14F-4D97-AF65-F5344CB8AC3E}">
+        <p14:creationId xmlns:p14="http://schemas.microsoft.com/office/powerpoint/2010/main" val="2344436583"/>
       </p:ext>
     </p:extLst>
   </p:cSld>
@@ -3505,18 +3839,8 @@
           </a:bodyPr>
           <a:lstStyle/>
           <a:p>
-            <a:endParaRPr lang="en-US" sz="2000" dirty="0">
-              <a:solidFill>
-                <a:srgbClr val="000000"/>
-              </a:solidFill>
-              <a:effectLst/>
-              <a:latin typeface="Times New Roman" panose="02020603050405020304" pitchFamily="18" charset="0"/>
-              <a:ea typeface="Times New Roman" panose="02020603050405020304" pitchFamily="18" charset="0"/>
-            </a:endParaRPr>
-          </a:p>
-          <a:p>
-            <a:r>
-              <a:rPr lang="en-US" sz="2000" dirty="0">
+            <a:r>
+              <a:rPr lang="en-US" sz="2400" dirty="0">
                 <a:solidFill>
                   <a:srgbClr val="000000"/>
                 </a:solidFill>
@@ -3529,7 +3853,7 @@
           </a:p>
           <a:p>
             <a:r>
-              <a:rPr lang="en-US" sz="2000" dirty="0">
+              <a:rPr lang="en-US" sz="2400" dirty="0">
                 <a:solidFill>
                   <a:srgbClr val="000000"/>
                 </a:solidFill>
@@ -3541,7 +3865,7 @@
           </a:p>
           <a:p>
             <a:r>
-              <a:rPr lang="en-US" sz="2000" dirty="0">
+              <a:rPr lang="en-US" sz="2400" dirty="0">
                 <a:solidFill>
                   <a:srgbClr val="000000"/>
                 </a:solidFill>
@@ -3553,7 +3877,7 @@
             </a:r>
           </a:p>
           <a:p>
-            <a:endParaRPr lang="en-US" sz="2000" dirty="0">
+            <a:endParaRPr lang="en-US" sz="2400" dirty="0">
               <a:solidFill>
                 <a:srgbClr val="000000"/>
               </a:solidFill>
@@ -3565,7 +3889,7 @@
               <a:buNone/>
             </a:pPr>
             <a:r>
-              <a:rPr lang="en-US" sz="2000" b="1" dirty="0">
+              <a:rPr lang="en-US" sz="2400" b="1" dirty="0">
                 <a:solidFill>
                   <a:srgbClr val="000000"/>
                 </a:solidFill>
@@ -3574,7 +3898,7 @@
               <a:t>Research Question: </a:t>
             </a:r>
             <a:r>
-              <a:rPr lang="en-US" sz="2000" dirty="0">
+              <a:rPr lang="en-US" sz="2400" dirty="0">
                 <a:solidFill>
                   <a:srgbClr val="000000"/>
                 </a:solidFill>
@@ -3582,7 +3906,7 @@
               </a:rPr>
               <a:t>Is self-reported worsening confusion or memory loss in adults age 45 and older predicted by age, sex, race/ethnicity, chronic disease, or traumatic childhood events?</a:t>
             </a:r>
-            <a:endParaRPr lang="en-US" sz="2000" dirty="0"/>
+            <a:endParaRPr lang="en-US" sz="2400" dirty="0"/>
           </a:p>
         </p:txBody>
       </p:sp>
@@ -3668,10 +3992,13 @@
           <a:lstStyle/>
           <a:p>
             <a:pPr marL="0" indent="0">
+              <a:spcAft>
+                <a:spcPts val="600"/>
+              </a:spcAft>
               <a:buNone/>
             </a:pPr>
             <a:r>
-              <a:rPr lang="en-US" sz="2000" b="1" dirty="0">
+              <a:rPr lang="en-US" sz="2400" b="1" dirty="0">
                 <a:solidFill>
                   <a:srgbClr val="000000"/>
                 </a:solidFill>
@@ -3681,8 +4008,13 @@
             </a:r>
           </a:p>
           <a:p>
-            <a:r>
-              <a:rPr lang="en-US" sz="2000" dirty="0">
+            <a:pPr>
+              <a:spcAft>
+                <a:spcPts val="600"/>
+              </a:spcAft>
+            </a:pPr>
+            <a:r>
+              <a:rPr lang="en-US" sz="2400" dirty="0">
                 <a:solidFill>
                   <a:srgbClr val="000000"/>
                 </a:solidFill>
@@ -3690,6 +4022,67 @@
               </a:rPr>
               <a:t>Self-reported worsening confusion or memory loss in adults age 45 and older is partially predicted by age, sex, race/ethnicity, chronic disease, and/or traumatic childhood events.</a:t>
             </a:r>
+          </a:p>
+          <a:p>
+            <a:pPr>
+              <a:spcAft>
+                <a:spcPts val="600"/>
+              </a:spcAft>
+            </a:pPr>
+            <a:r>
+              <a:rPr lang="en-US" sz="2400" dirty="0">
+                <a:solidFill>
+                  <a:srgbClr val="000000"/>
+                </a:solidFill>
+                <a:latin typeface="Times New Roman" panose="02020603050405020304" pitchFamily="18" charset="0"/>
+              </a:rPr>
+              <a:t>Self-reported data may indicate predictors of memory problems and confusion.</a:t>
+            </a:r>
+          </a:p>
+          <a:p>
+            <a:pPr>
+              <a:spcAft>
+                <a:spcPts val="600"/>
+              </a:spcAft>
+            </a:pPr>
+            <a:r>
+              <a:rPr lang="en-US" sz="2400" dirty="0">
+                <a:solidFill>
+                  <a:srgbClr val="000000"/>
+                </a:solidFill>
+                <a:latin typeface="Times New Roman" panose="02020603050405020304" pitchFamily="18" charset="0"/>
+              </a:rPr>
+              <a:t>Data modeling will identify groups more likely to experience these issues.</a:t>
+            </a:r>
+          </a:p>
+          <a:p>
+            <a:pPr>
+              <a:spcAft>
+                <a:spcPts val="600"/>
+              </a:spcAft>
+            </a:pPr>
+            <a:r>
+              <a:rPr lang="en-US" sz="2400" dirty="0">
+                <a:solidFill>
+                  <a:srgbClr val="000000"/>
+                </a:solidFill>
+                <a:latin typeface="Times New Roman" panose="02020603050405020304" pitchFamily="18" charset="0"/>
+              </a:rPr>
+              <a:t>Understanding groups at increased risk of worsening memory and confusion could help public health professionals prioritize appropriate interventions.</a:t>
+            </a:r>
+          </a:p>
+          <a:p>
+            <a:pPr>
+              <a:spcAft>
+                <a:spcPts val="600"/>
+              </a:spcAft>
+            </a:pPr>
+            <a:endParaRPr lang="en-US" sz="2400" dirty="0">
+              <a:solidFill>
+                <a:srgbClr val="000000"/>
+              </a:solidFill>
+              <a:latin typeface="Times New Roman" panose="02020603050405020304" pitchFamily="18" charset="0"/>
+            </a:endParaRPr>
           </a:p>
         </p:txBody>
       </p:sp>
@@ -3783,7 +4176,7 @@
               <a:buNone/>
             </a:pPr>
             <a:r>
-              <a:rPr lang="en-US" sz="1600" b="1" dirty="0">
+              <a:rPr lang="en-US" sz="2000" b="1" dirty="0">
                 <a:solidFill>
                   <a:srgbClr val="000000"/>
                 </a:solidFill>
@@ -3793,7 +4186,7 @@
               <a:t>SOURCE: </a:t>
             </a:r>
             <a:r>
-              <a:rPr lang="en-US" sz="1600" dirty="0">
+              <a:rPr lang="en-US" sz="2000" dirty="0">
                 <a:latin typeface="Times New Roman" panose="02020603050405020304" pitchFamily="18" charset="0"/>
                 <a:cs typeface="Times New Roman" panose="02020603050405020304" pitchFamily="18" charset="0"/>
               </a:rPr>
@@ -3805,19 +4198,19 @@
               <a:buNone/>
             </a:pPr>
             <a:r>
-              <a:rPr lang="en-US" sz="1600" dirty="0">
+              <a:rPr lang="en-US" sz="2000" dirty="0">
                 <a:latin typeface="Times New Roman" panose="02020603050405020304" pitchFamily="18" charset="0"/>
                 <a:cs typeface="Times New Roman" panose="02020603050405020304" pitchFamily="18" charset="0"/>
               </a:rPr>
               <a:t>	The BRFSS, conducted by the Centers for Disease Control, is a collection of health-related data taken from 	telephone surveys of participants 18 or older, with data from all 50 US states.</a:t>
             </a:r>
             <a:br>
-              <a:rPr lang="en-US" sz="1600" dirty="0">
+              <a:rPr lang="en-US" sz="2000" dirty="0">
                 <a:latin typeface="Times New Roman" panose="02020603050405020304" pitchFamily="18" charset="0"/>
                 <a:cs typeface="Times New Roman" panose="02020603050405020304" pitchFamily="18" charset="0"/>
               </a:rPr>
             </a:br>
-            <a:endParaRPr lang="en-US" sz="1600" dirty="0">
+            <a:endParaRPr lang="en-US" sz="2000" dirty="0">
               <a:latin typeface="Times New Roman" panose="02020603050405020304" pitchFamily="18" charset="0"/>
               <a:cs typeface="Times New Roman" panose="02020603050405020304" pitchFamily="18" charset="0"/>
             </a:endParaRPr>
@@ -3830,7 +4223,7 @@
               <a:buNone/>
             </a:pPr>
             <a:r>
-              <a:rPr lang="en-US" sz="1600" b="1" dirty="0">
+              <a:rPr lang="en-US" sz="2000" b="1" dirty="0">
                 <a:solidFill>
                   <a:srgbClr val="000000"/>
                 </a:solidFill>
@@ -3839,7 +4232,7 @@
               </a:rPr>
               <a:t>VARIABLES OF INTEREST:</a:t>
             </a:r>
-            <a:endParaRPr lang="en-US" sz="1600" dirty="0">
+            <a:endParaRPr lang="en-US" sz="2000" dirty="0">
               <a:latin typeface="Times New Roman" panose="02020603050405020304" pitchFamily="18" charset="0"/>
               <a:cs typeface="Times New Roman" panose="02020603050405020304" pitchFamily="18" charset="0"/>
             </a:endParaRPr>
@@ -3848,206 +4241,58 @@
       </p:sp>
       <p:sp>
         <p:nvSpPr>
-          <p:cNvPr id="4" name="Content Placeholder 2">
-            <a:extLst>
-              <a:ext uri="{FF2B5EF4-FFF2-40B4-BE49-F238E27FC236}">
-                <a16:creationId xmlns:a16="http://schemas.microsoft.com/office/drawing/2014/main" id="{D0E83924-37FD-5F97-1260-FA8F4C8A99C7}"/>
-              </a:ext>
-            </a:extLst>
-          </p:cNvPr>
-          <p:cNvSpPr txBox="1">
-            <a:spLocks/>
-          </p:cNvSpPr>
+          <p:cNvPr id="6" name="TextBox 5">
+            <a:extLst>
+              <a:ext uri="{FF2B5EF4-FFF2-40B4-BE49-F238E27FC236}">
+                <a16:creationId xmlns:a16="http://schemas.microsoft.com/office/drawing/2014/main" id="{9B0170B4-16FF-793C-3F36-6722BDFDAC39}"/>
+              </a:ext>
+            </a:extLst>
+          </p:cNvPr>
+          <p:cNvSpPr txBox="1"/>
           <p:nvPr/>
         </p:nvSpPr>
         <p:spPr>
           <a:xfrm>
-            <a:off x="838200" y="3143998"/>
-            <a:ext cx="2649071" cy="3457353"/>
+            <a:off x="950026" y="3429000"/>
+            <a:ext cx="11008426" cy="4247317"/>
           </a:xfrm>
           <a:prstGeom prst="rect">
             <a:avLst/>
           </a:prstGeom>
+          <a:noFill/>
         </p:spPr>
         <p:txBody>
-          <a:bodyPr vert="horz" lIns="91440" tIns="45720" rIns="91440" bIns="45720" rtlCol="0">
-            <a:normAutofit/>
+          <a:bodyPr wrap="square" numCol="2" rtlCol="0">
+            <a:spAutoFit/>
           </a:bodyPr>
-          <a:lstStyle>
-            <a:lvl1pPr marL="228600" indent="-228600" algn="l" defTabSz="914400" rtl="0" eaLnBrk="1" latinLnBrk="0" hangingPunct="1">
-              <a:lnSpc>
-                <a:spcPct val="90000"/>
-              </a:lnSpc>
+          <a:lstStyle/>
+          <a:p>
+            <a:pPr marL="0" indent="0">
+              <a:buFont typeface="Arial" panose="020B0604020202020204" pitchFamily="34" charset="0"/>
+              <a:buNone/>
+            </a:pPr>
+            <a:r>
+              <a:rPr lang="en-US" sz="2000" u="sng" dirty="0">
+                <a:latin typeface="Times New Roman" panose="02020603050405020304" pitchFamily="18" charset="0"/>
+                <a:cs typeface="Times New Roman" panose="02020603050405020304" pitchFamily="18" charset="0"/>
+              </a:rPr>
+              <a:t>Target/outcome:</a:t>
+            </a:r>
+          </a:p>
+          <a:p>
+            <a:pPr marL="285750" indent="-285750">
               <a:spcBef>
-                <a:spcPts val="1000"/>
+                <a:spcPts val="0"/>
               </a:spcBef>
               <a:buFont typeface="Arial" panose="020B0604020202020204" pitchFamily="34" charset="0"/>
               <a:buChar char="•"/>
-              <a:defRPr sz="2800" kern="1200">
-                <a:solidFill>
-                  <a:schemeClr val="tx1"/>
-                </a:solidFill>
-                <a:latin typeface="+mn-lt"/>
-                <a:ea typeface="+mn-ea"/>
-                <a:cs typeface="+mn-cs"/>
-              </a:defRPr>
-            </a:lvl1pPr>
-            <a:lvl2pPr marL="685800" indent="-228600" algn="l" defTabSz="914400" rtl="0" eaLnBrk="1" latinLnBrk="0" hangingPunct="1">
-              <a:lnSpc>
-                <a:spcPct val="90000"/>
-              </a:lnSpc>
-              <a:spcBef>
-                <a:spcPts val="500"/>
-              </a:spcBef>
-              <a:buFont typeface="Arial" panose="020B0604020202020204" pitchFamily="34" charset="0"/>
-              <a:buChar char="•"/>
-              <a:defRPr sz="2400" kern="1200">
-                <a:solidFill>
-                  <a:schemeClr val="tx1"/>
-                </a:solidFill>
-                <a:latin typeface="+mn-lt"/>
-                <a:ea typeface="+mn-ea"/>
-                <a:cs typeface="+mn-cs"/>
-              </a:defRPr>
-            </a:lvl2pPr>
-            <a:lvl3pPr marL="1143000" indent="-228600" algn="l" defTabSz="914400" rtl="0" eaLnBrk="1" latinLnBrk="0" hangingPunct="1">
-              <a:lnSpc>
-                <a:spcPct val="90000"/>
-              </a:lnSpc>
-              <a:spcBef>
-                <a:spcPts val="500"/>
-              </a:spcBef>
-              <a:buFont typeface="Arial" panose="020B0604020202020204" pitchFamily="34" charset="0"/>
-              <a:buChar char="•"/>
-              <a:defRPr sz="2000" kern="1200">
-                <a:solidFill>
-                  <a:schemeClr val="tx1"/>
-                </a:solidFill>
-                <a:latin typeface="+mn-lt"/>
-                <a:ea typeface="+mn-ea"/>
-                <a:cs typeface="+mn-cs"/>
-              </a:defRPr>
-            </a:lvl3pPr>
-            <a:lvl4pPr marL="1600200" indent="-228600" algn="l" defTabSz="914400" rtl="0" eaLnBrk="1" latinLnBrk="0" hangingPunct="1">
-              <a:lnSpc>
-                <a:spcPct val="90000"/>
-              </a:lnSpc>
-              <a:spcBef>
-                <a:spcPts val="500"/>
-              </a:spcBef>
-              <a:buFont typeface="Arial" panose="020B0604020202020204" pitchFamily="34" charset="0"/>
-              <a:buChar char="•"/>
-              <a:defRPr sz="1800" kern="1200">
-                <a:solidFill>
-                  <a:schemeClr val="tx1"/>
-                </a:solidFill>
-                <a:latin typeface="+mn-lt"/>
-                <a:ea typeface="+mn-ea"/>
-                <a:cs typeface="+mn-cs"/>
-              </a:defRPr>
-            </a:lvl4pPr>
-            <a:lvl5pPr marL="2057400" indent="-228600" algn="l" defTabSz="914400" rtl="0" eaLnBrk="1" latinLnBrk="0" hangingPunct="1">
-              <a:lnSpc>
-                <a:spcPct val="90000"/>
-              </a:lnSpc>
-              <a:spcBef>
-                <a:spcPts val="500"/>
-              </a:spcBef>
-              <a:buFont typeface="Arial" panose="020B0604020202020204" pitchFamily="34" charset="0"/>
-              <a:buChar char="•"/>
-              <a:defRPr sz="1800" kern="1200">
-                <a:solidFill>
-                  <a:schemeClr val="tx1"/>
-                </a:solidFill>
-                <a:latin typeface="+mn-lt"/>
-                <a:ea typeface="+mn-ea"/>
-                <a:cs typeface="+mn-cs"/>
-              </a:defRPr>
-            </a:lvl5pPr>
-            <a:lvl6pPr marL="2514600" indent="-228600" algn="l" defTabSz="914400" rtl="0" eaLnBrk="1" latinLnBrk="0" hangingPunct="1">
-              <a:lnSpc>
-                <a:spcPct val="90000"/>
-              </a:lnSpc>
-              <a:spcBef>
-                <a:spcPts val="500"/>
-              </a:spcBef>
-              <a:buFont typeface="Arial" panose="020B0604020202020204" pitchFamily="34" charset="0"/>
-              <a:buChar char="•"/>
-              <a:defRPr sz="1800" kern="1200">
-                <a:solidFill>
-                  <a:schemeClr val="tx1"/>
-                </a:solidFill>
-                <a:latin typeface="+mn-lt"/>
-                <a:ea typeface="+mn-ea"/>
-                <a:cs typeface="+mn-cs"/>
-              </a:defRPr>
-            </a:lvl6pPr>
-            <a:lvl7pPr marL="2971800" indent="-228600" algn="l" defTabSz="914400" rtl="0" eaLnBrk="1" latinLnBrk="0" hangingPunct="1">
-              <a:lnSpc>
-                <a:spcPct val="90000"/>
-              </a:lnSpc>
-              <a:spcBef>
-                <a:spcPts val="500"/>
-              </a:spcBef>
-              <a:buFont typeface="Arial" panose="020B0604020202020204" pitchFamily="34" charset="0"/>
-              <a:buChar char="•"/>
-              <a:defRPr sz="1800" kern="1200">
-                <a:solidFill>
-                  <a:schemeClr val="tx1"/>
-                </a:solidFill>
-                <a:latin typeface="+mn-lt"/>
-                <a:ea typeface="+mn-ea"/>
-                <a:cs typeface="+mn-cs"/>
-              </a:defRPr>
-            </a:lvl7pPr>
-            <a:lvl8pPr marL="3429000" indent="-228600" algn="l" defTabSz="914400" rtl="0" eaLnBrk="1" latinLnBrk="0" hangingPunct="1">
-              <a:lnSpc>
-                <a:spcPct val="90000"/>
-              </a:lnSpc>
-              <a:spcBef>
-                <a:spcPts val="500"/>
-              </a:spcBef>
-              <a:buFont typeface="Arial" panose="020B0604020202020204" pitchFamily="34" charset="0"/>
-              <a:buChar char="•"/>
-              <a:defRPr sz="1800" kern="1200">
-                <a:solidFill>
-                  <a:schemeClr val="tx1"/>
-                </a:solidFill>
-                <a:latin typeface="+mn-lt"/>
-                <a:ea typeface="+mn-ea"/>
-                <a:cs typeface="+mn-cs"/>
-              </a:defRPr>
-            </a:lvl8pPr>
-            <a:lvl9pPr marL="3886200" indent="-228600" algn="l" defTabSz="914400" rtl="0" eaLnBrk="1" latinLnBrk="0" hangingPunct="1">
-              <a:lnSpc>
-                <a:spcPct val="90000"/>
-              </a:lnSpc>
-              <a:spcBef>
-                <a:spcPts val="500"/>
-              </a:spcBef>
-              <a:buFont typeface="Arial" panose="020B0604020202020204" pitchFamily="34" charset="0"/>
-              <a:buChar char="•"/>
-              <a:defRPr sz="1800" kern="1200">
-                <a:solidFill>
-                  <a:schemeClr val="tx1"/>
-                </a:solidFill>
-                <a:latin typeface="+mn-lt"/>
-                <a:ea typeface="+mn-ea"/>
-                <a:cs typeface="+mn-cs"/>
-              </a:defRPr>
-            </a:lvl9pPr>
-          </a:lstStyle>
-          <a:p>
-            <a:pPr marL="0" indent="0">
-              <a:buFont typeface="Arial" panose="020B0604020202020204" pitchFamily="34" charset="0"/>
-              <a:buNone/>
             </a:pPr>
             <a:r>
-              <a:rPr lang="en-US" sz="1400" u="sng" dirty="0">
+              <a:rPr lang="en-US" sz="2000" dirty="0">
                 <a:latin typeface="Times New Roman" panose="02020603050405020304" pitchFamily="18" charset="0"/>
                 <a:cs typeface="Times New Roman" panose="02020603050405020304" pitchFamily="18" charset="0"/>
               </a:rPr>
-              <a:t>Target/outcome:</a:t>
+              <a:t>Worsening confusion or memory loss</a:t>
             </a:r>
           </a:p>
           <a:p>
@@ -4056,38 +4301,221 @@
                 <a:spcPts val="0"/>
               </a:spcBef>
             </a:pPr>
-            <a:r>
-              <a:rPr lang="en-US" sz="1400" dirty="0">
+            <a:endParaRPr lang="en-US" sz="2000" dirty="0">
+              <a:latin typeface="Times New Roman" panose="02020603050405020304" pitchFamily="18" charset="0"/>
+              <a:cs typeface="Times New Roman" panose="02020603050405020304" pitchFamily="18" charset="0"/>
+            </a:endParaRPr>
+          </a:p>
+          <a:p>
+            <a:pPr marL="0" indent="0">
+              <a:buFont typeface="Arial" panose="020B0604020202020204" pitchFamily="34" charset="0"/>
+              <a:buNone/>
+            </a:pPr>
+            <a:r>
+              <a:rPr lang="en-US" sz="2000" u="sng" dirty="0">
                 <a:latin typeface="Times New Roman" panose="02020603050405020304" pitchFamily="18" charset="0"/>
                 <a:cs typeface="Times New Roman" panose="02020603050405020304" pitchFamily="18" charset="0"/>
               </a:rPr>
-              <a:t>Worsening confusion </a:t>
-            </a:r>
-            <a:br>
-              <a:rPr lang="en-US" sz="1400" dirty="0">
+              <a:t>Demographics</a:t>
+            </a:r>
+          </a:p>
+          <a:p>
+            <a:pPr marL="285750" indent="-285750">
+              <a:spcBef>
+                <a:spcPts val="0"/>
+              </a:spcBef>
+              <a:buFont typeface="Arial" panose="020B0604020202020204" pitchFamily="34" charset="0"/>
+              <a:buChar char="•"/>
+            </a:pPr>
+            <a:r>
+              <a:rPr lang="en-US" sz="2000" dirty="0">
                 <a:latin typeface="Times New Roman" panose="02020603050405020304" pitchFamily="18" charset="0"/>
                 <a:cs typeface="Times New Roman" panose="02020603050405020304" pitchFamily="18" charset="0"/>
               </a:rPr>
-            </a:br>
-            <a:r>
-              <a:rPr lang="en-US" sz="1400" dirty="0">
+              <a:t>Age</a:t>
+            </a:r>
+          </a:p>
+          <a:p>
+            <a:pPr marL="285750" indent="-285750">
+              <a:spcBef>
+                <a:spcPts val="0"/>
+              </a:spcBef>
+              <a:buFont typeface="Arial" panose="020B0604020202020204" pitchFamily="34" charset="0"/>
+              <a:buChar char="•"/>
+            </a:pPr>
+            <a:r>
+              <a:rPr lang="en-US" sz="2000" dirty="0">
                 <a:latin typeface="Times New Roman" panose="02020603050405020304" pitchFamily="18" charset="0"/>
                 <a:cs typeface="Times New Roman" panose="02020603050405020304" pitchFamily="18" charset="0"/>
               </a:rPr>
-              <a:t>or memory loss</a:t>
-            </a:r>
-          </a:p>
-          <a:p>
-            <a:pPr marL="0" indent="0">
+              <a:t>Sex</a:t>
+            </a:r>
+          </a:p>
+          <a:p>
+            <a:pPr marL="285750" indent="-285750">
+              <a:spcBef>
+                <a:spcPts val="0"/>
+              </a:spcBef>
               <a:buFont typeface="Arial" panose="020B0604020202020204" pitchFamily="34" charset="0"/>
-              <a:buNone/>
+              <a:buChar char="•"/>
             </a:pPr>
             <a:r>
-              <a:rPr lang="en-US" sz="1400" u="sng" dirty="0">
+              <a:rPr lang="en-US" sz="2000" dirty="0">
                 <a:latin typeface="Times New Roman" panose="02020603050405020304" pitchFamily="18" charset="0"/>
                 <a:cs typeface="Times New Roman" panose="02020603050405020304" pitchFamily="18" charset="0"/>
               </a:rPr>
-              <a:t>Demographics</a:t>
+              <a:t>Race/ethnicity</a:t>
+            </a:r>
+          </a:p>
+          <a:p>
+            <a:pPr marL="0" indent="0">
+              <a:spcBef>
+                <a:spcPts val="0"/>
+              </a:spcBef>
+              <a:buNone/>
+            </a:pPr>
+            <a:endParaRPr lang="en-US" sz="2000" dirty="0">
+              <a:latin typeface="Times New Roman" panose="02020603050405020304" pitchFamily="18" charset="0"/>
+              <a:cs typeface="Times New Roman" panose="02020603050405020304" pitchFamily="18" charset="0"/>
+            </a:endParaRPr>
+          </a:p>
+          <a:p>
+            <a:pPr marL="0" indent="0">
+              <a:spcBef>
+                <a:spcPts val="0"/>
+              </a:spcBef>
+              <a:buNone/>
+            </a:pPr>
+            <a:endParaRPr lang="en-US" sz="2000" u="sng" dirty="0">
+              <a:latin typeface="Times New Roman" panose="02020603050405020304" pitchFamily="18" charset="0"/>
+              <a:cs typeface="Times New Roman" panose="02020603050405020304" pitchFamily="18" charset="0"/>
+            </a:endParaRPr>
+          </a:p>
+          <a:p>
+            <a:pPr marL="0" indent="0">
+              <a:spcBef>
+                <a:spcPts val="0"/>
+              </a:spcBef>
+              <a:buNone/>
+            </a:pPr>
+            <a:endParaRPr lang="en-US" sz="2000" u="sng" dirty="0">
+              <a:latin typeface="Times New Roman" panose="02020603050405020304" pitchFamily="18" charset="0"/>
+              <a:cs typeface="Times New Roman" panose="02020603050405020304" pitchFamily="18" charset="0"/>
+            </a:endParaRPr>
+          </a:p>
+          <a:p>
+            <a:pPr marL="0" indent="0">
+              <a:spcBef>
+                <a:spcPts val="0"/>
+              </a:spcBef>
+              <a:buNone/>
+            </a:pPr>
+            <a:endParaRPr lang="en-US" sz="2000" u="sng" dirty="0">
+              <a:latin typeface="Times New Roman" panose="02020603050405020304" pitchFamily="18" charset="0"/>
+              <a:cs typeface="Times New Roman" panose="02020603050405020304" pitchFamily="18" charset="0"/>
+            </a:endParaRPr>
+          </a:p>
+          <a:p>
+            <a:pPr marL="0" indent="0">
+              <a:spcBef>
+                <a:spcPts val="0"/>
+              </a:spcBef>
+              <a:buNone/>
+            </a:pPr>
+            <a:endParaRPr lang="en-US" sz="2000" u="sng" dirty="0">
+              <a:latin typeface="Times New Roman" panose="02020603050405020304" pitchFamily="18" charset="0"/>
+              <a:cs typeface="Times New Roman" panose="02020603050405020304" pitchFamily="18" charset="0"/>
+            </a:endParaRPr>
+          </a:p>
+          <a:p>
+            <a:pPr marL="0" indent="0">
+              <a:spcBef>
+                <a:spcPts val="0"/>
+              </a:spcBef>
+              <a:buNone/>
+            </a:pPr>
+            <a:endParaRPr lang="en-US" sz="2000" u="sng" dirty="0">
+              <a:latin typeface="Times New Roman" panose="02020603050405020304" pitchFamily="18" charset="0"/>
+              <a:cs typeface="Times New Roman" panose="02020603050405020304" pitchFamily="18" charset="0"/>
+            </a:endParaRPr>
+          </a:p>
+          <a:p>
+            <a:pPr marL="0" indent="0">
+              <a:spcBef>
+                <a:spcPts val="0"/>
+              </a:spcBef>
+              <a:buNone/>
+            </a:pPr>
+            <a:r>
+              <a:rPr lang="en-US" sz="2000" u="sng" dirty="0">
+                <a:latin typeface="Times New Roman" panose="02020603050405020304" pitchFamily="18" charset="0"/>
+                <a:cs typeface="Times New Roman" panose="02020603050405020304" pitchFamily="18" charset="0"/>
+              </a:rPr>
+              <a:t>Social</a:t>
+            </a:r>
+          </a:p>
+          <a:p>
+            <a:pPr marL="342900" indent="-342900">
+              <a:spcBef>
+                <a:spcPts val="0"/>
+              </a:spcBef>
+              <a:buFont typeface="Arial" panose="020B0604020202020204" pitchFamily="34" charset="0"/>
+              <a:buChar char="•"/>
+            </a:pPr>
+            <a:r>
+              <a:rPr lang="en-US" sz="2000" dirty="0">
+                <a:latin typeface="Times New Roman" panose="02020603050405020304" pitchFamily="18" charset="0"/>
+                <a:cs typeface="Times New Roman" panose="02020603050405020304" pitchFamily="18" charset="0"/>
+              </a:rPr>
+              <a:t>Educational attainment</a:t>
+            </a:r>
+          </a:p>
+          <a:p>
+            <a:pPr marL="342900" indent="-342900">
+              <a:spcBef>
+                <a:spcPts val="0"/>
+              </a:spcBef>
+              <a:buFont typeface="Arial" panose="020B0604020202020204" pitchFamily="34" charset="0"/>
+              <a:buChar char="•"/>
+            </a:pPr>
+            <a:r>
+              <a:rPr lang="en-US" sz="2000" dirty="0">
+                <a:latin typeface="Times New Roman" panose="02020603050405020304" pitchFamily="18" charset="0"/>
+                <a:cs typeface="Times New Roman" panose="02020603050405020304" pitchFamily="18" charset="0"/>
+              </a:rPr>
+              <a:t>Marital Status</a:t>
+            </a:r>
+          </a:p>
+          <a:p>
+            <a:pPr marL="342900" indent="-342900">
+              <a:spcBef>
+                <a:spcPts val="0"/>
+              </a:spcBef>
+              <a:buFont typeface="Arial" panose="020B0604020202020204" pitchFamily="34" charset="0"/>
+              <a:buChar char="•"/>
+            </a:pPr>
+            <a:r>
+              <a:rPr lang="en-US" sz="2000" dirty="0">
+                <a:latin typeface="Times New Roman" panose="02020603050405020304" pitchFamily="18" charset="0"/>
+                <a:cs typeface="Times New Roman" panose="02020603050405020304" pitchFamily="18" charset="0"/>
+              </a:rPr>
+              <a:t>Active duty veteran</a:t>
+            </a:r>
+          </a:p>
+          <a:p>
+            <a:pPr marL="342900" indent="-342900">
+              <a:spcBef>
+                <a:spcPts val="0"/>
+              </a:spcBef>
+              <a:buFont typeface="Arial" panose="020B0604020202020204" pitchFamily="34" charset="0"/>
+              <a:buChar char="•"/>
+            </a:pPr>
+            <a:r>
+              <a:rPr lang="en-US" sz="2000" dirty="0">
+                <a:latin typeface="Times New Roman" panose="02020603050405020304" pitchFamily="18" charset="0"/>
+                <a:cs typeface="Times New Roman" panose="02020603050405020304" pitchFamily="18" charset="0"/>
+              </a:rPr>
+              <a:t>Feelings of social isolation</a:t>
             </a:r>
           </a:p>
           <a:p>
@@ -4096,983 +4524,39 @@
                 <a:spcPts val="0"/>
               </a:spcBef>
             </a:pPr>
-            <a:r>
-              <a:rPr lang="en-US" sz="1400" dirty="0">
+            <a:endParaRPr lang="en-US" sz="2000" dirty="0">
+              <a:latin typeface="Times New Roman" panose="02020603050405020304" pitchFamily="18" charset="0"/>
+              <a:cs typeface="Times New Roman" panose="02020603050405020304" pitchFamily="18" charset="0"/>
+            </a:endParaRPr>
+          </a:p>
+          <a:p>
+            <a:pPr marL="0" indent="0">
+              <a:buFont typeface="Arial" panose="020B0604020202020204" pitchFamily="34" charset="0"/>
+              <a:buNone/>
+            </a:pPr>
+            <a:r>
+              <a:rPr lang="en-US" sz="2000" u="sng" dirty="0">
                 <a:latin typeface="Times New Roman" panose="02020603050405020304" pitchFamily="18" charset="0"/>
                 <a:cs typeface="Times New Roman" panose="02020603050405020304" pitchFamily="18" charset="0"/>
               </a:rPr>
-              <a:t>Age</a:t>
-            </a:r>
-          </a:p>
-          <a:p>
-            <a:pPr>
+              <a:t>Socioeconomic</a:t>
+            </a:r>
+          </a:p>
+          <a:p>
+            <a:pPr marL="342900" indent="-342900">
               <a:spcBef>
                 <a:spcPts val="0"/>
               </a:spcBef>
+              <a:buFont typeface="Arial" panose="020B0604020202020204" pitchFamily="34" charset="0"/>
+              <a:buChar char="•"/>
             </a:pPr>
             <a:r>
-              <a:rPr lang="en-US" sz="1400" dirty="0">
+              <a:rPr lang="en-US" sz="2000" dirty="0">
                 <a:latin typeface="Times New Roman" panose="02020603050405020304" pitchFamily="18" charset="0"/>
                 <a:cs typeface="Times New Roman" panose="02020603050405020304" pitchFamily="18" charset="0"/>
               </a:rPr>
-              <a:t>Sex</a:t>
-            </a:r>
-          </a:p>
-          <a:p>
-            <a:pPr>
-              <a:spcBef>
-                <a:spcPts val="0"/>
-              </a:spcBef>
-            </a:pPr>
-            <a:r>
-              <a:rPr lang="en-US" sz="1400" dirty="0">
-                <a:latin typeface="Times New Roman" panose="02020603050405020304" pitchFamily="18" charset="0"/>
-                <a:cs typeface="Times New Roman" panose="02020603050405020304" pitchFamily="18" charset="0"/>
-              </a:rPr>
-              <a:t>Race/ethnicity</a:t>
-            </a:r>
-          </a:p>
-          <a:p>
-            <a:pPr marL="0" indent="0">
-              <a:spcBef>
-                <a:spcPts val="0"/>
-              </a:spcBef>
-              <a:buNone/>
-            </a:pPr>
-            <a:endParaRPr lang="en-US" sz="1400" dirty="0">
-              <a:latin typeface="Times New Roman" panose="02020603050405020304" pitchFamily="18" charset="0"/>
-              <a:cs typeface="Times New Roman" panose="02020603050405020304" pitchFamily="18" charset="0"/>
-            </a:endParaRPr>
-          </a:p>
-          <a:p>
-            <a:pPr marL="0" indent="0">
-              <a:spcBef>
-                <a:spcPts val="0"/>
-              </a:spcBef>
-              <a:buNone/>
-            </a:pPr>
-            <a:r>
-              <a:rPr lang="en-US" sz="1400" u="sng" dirty="0">
-                <a:latin typeface="Times New Roman" panose="02020603050405020304" pitchFamily="18" charset="0"/>
-                <a:cs typeface="Times New Roman" panose="02020603050405020304" pitchFamily="18" charset="0"/>
-              </a:rPr>
-              <a:t>Social</a:t>
-            </a:r>
-          </a:p>
-          <a:p>
-            <a:pPr>
-              <a:spcBef>
-                <a:spcPts val="0"/>
-              </a:spcBef>
-            </a:pPr>
-            <a:r>
-              <a:rPr lang="en-US" sz="1400" dirty="0">
-                <a:latin typeface="Times New Roman" panose="02020603050405020304" pitchFamily="18" charset="0"/>
-                <a:cs typeface="Times New Roman" panose="02020603050405020304" pitchFamily="18" charset="0"/>
-              </a:rPr>
-              <a:t>Educational attainment</a:t>
-            </a:r>
-          </a:p>
-          <a:p>
-            <a:pPr>
-              <a:spcBef>
-                <a:spcPts val="0"/>
-              </a:spcBef>
-            </a:pPr>
-            <a:r>
-              <a:rPr lang="en-US" sz="1400" dirty="0">
-                <a:latin typeface="Times New Roman" panose="02020603050405020304" pitchFamily="18" charset="0"/>
-                <a:cs typeface="Times New Roman" panose="02020603050405020304" pitchFamily="18" charset="0"/>
-              </a:rPr>
-              <a:t>Marital Status</a:t>
-            </a:r>
-          </a:p>
-          <a:p>
-            <a:pPr>
-              <a:spcBef>
-                <a:spcPts val="0"/>
-              </a:spcBef>
-            </a:pPr>
-            <a:r>
-              <a:rPr lang="en-US" sz="1400" dirty="0">
-                <a:latin typeface="Times New Roman" panose="02020603050405020304" pitchFamily="18" charset="0"/>
-                <a:cs typeface="Times New Roman" panose="02020603050405020304" pitchFamily="18" charset="0"/>
-              </a:rPr>
-              <a:t>Active duty veteran</a:t>
-            </a:r>
-          </a:p>
-          <a:p>
-            <a:pPr>
-              <a:spcBef>
-                <a:spcPts val="0"/>
-              </a:spcBef>
-            </a:pPr>
-            <a:r>
-              <a:rPr lang="en-US" sz="1400" dirty="0">
-                <a:latin typeface="Times New Roman" panose="02020603050405020304" pitchFamily="18" charset="0"/>
-                <a:cs typeface="Times New Roman" panose="02020603050405020304" pitchFamily="18" charset="0"/>
-              </a:rPr>
-              <a:t>Feelings of social isolation</a:t>
-            </a:r>
-          </a:p>
-          <a:p>
-            <a:pPr marL="0" indent="0">
-              <a:buFont typeface="Arial" panose="020B0604020202020204" pitchFamily="34" charset="0"/>
-              <a:buNone/>
-            </a:pPr>
-            <a:r>
-              <a:rPr lang="en-US" sz="1400" u="sng" dirty="0">
-                <a:latin typeface="Times New Roman" panose="02020603050405020304" pitchFamily="18" charset="0"/>
-                <a:cs typeface="Times New Roman" panose="02020603050405020304" pitchFamily="18" charset="0"/>
-              </a:rPr>
-              <a:t>Socioeconomic</a:t>
-            </a:r>
-          </a:p>
-          <a:p>
-            <a:pPr>
-              <a:spcBef>
-                <a:spcPts val="0"/>
-              </a:spcBef>
-            </a:pPr>
-            <a:r>
-              <a:rPr lang="en-US" sz="1400" dirty="0">
-                <a:latin typeface="Times New Roman" panose="02020603050405020304" pitchFamily="18" charset="0"/>
-                <a:cs typeface="Times New Roman" panose="02020603050405020304" pitchFamily="18" charset="0"/>
-              </a:rPr>
               <a:t>Household income</a:t>
             </a:r>
-          </a:p>
-        </p:txBody>
-      </p:sp>
-      <p:sp>
-        <p:nvSpPr>
-          <p:cNvPr id="5" name="Content Placeholder 2">
-            <a:extLst>
-              <a:ext uri="{FF2B5EF4-FFF2-40B4-BE49-F238E27FC236}">
-                <a16:creationId xmlns:a16="http://schemas.microsoft.com/office/drawing/2014/main" id="{67D31E0B-3254-8FC6-0514-9CD5B39C901C}"/>
-              </a:ext>
-            </a:extLst>
-          </p:cNvPr>
-          <p:cNvSpPr txBox="1">
-            <a:spLocks/>
-          </p:cNvSpPr>
-          <p:nvPr/>
-        </p:nvSpPr>
-        <p:spPr>
-          <a:xfrm>
-            <a:off x="3824960" y="3155640"/>
-            <a:ext cx="2649071" cy="3417358"/>
-          </a:xfrm>
-          <a:prstGeom prst="rect">
-            <a:avLst/>
-          </a:prstGeom>
-        </p:spPr>
-        <p:txBody>
-          <a:bodyPr vert="horz" lIns="91440" tIns="45720" rIns="91440" bIns="45720" rtlCol="0">
-            <a:normAutofit/>
-          </a:bodyPr>
-          <a:lstStyle>
-            <a:lvl1pPr marL="228600" indent="-228600" algn="l" defTabSz="914400" rtl="0" eaLnBrk="1" latinLnBrk="0" hangingPunct="1">
-              <a:lnSpc>
-                <a:spcPct val="90000"/>
-              </a:lnSpc>
-              <a:spcBef>
-                <a:spcPts val="1000"/>
-              </a:spcBef>
-              <a:buFont typeface="Arial" panose="020B0604020202020204" pitchFamily="34" charset="0"/>
-              <a:buChar char="•"/>
-              <a:defRPr sz="2800" kern="1200">
-                <a:solidFill>
-                  <a:schemeClr val="tx1"/>
-                </a:solidFill>
-                <a:latin typeface="+mn-lt"/>
-                <a:ea typeface="+mn-ea"/>
-                <a:cs typeface="+mn-cs"/>
-              </a:defRPr>
-            </a:lvl1pPr>
-            <a:lvl2pPr marL="685800" indent="-228600" algn="l" defTabSz="914400" rtl="0" eaLnBrk="1" latinLnBrk="0" hangingPunct="1">
-              <a:lnSpc>
-                <a:spcPct val="90000"/>
-              </a:lnSpc>
-              <a:spcBef>
-                <a:spcPts val="500"/>
-              </a:spcBef>
-              <a:buFont typeface="Arial" panose="020B0604020202020204" pitchFamily="34" charset="0"/>
-              <a:buChar char="•"/>
-              <a:defRPr sz="2400" kern="1200">
-                <a:solidFill>
-                  <a:schemeClr val="tx1"/>
-                </a:solidFill>
-                <a:latin typeface="+mn-lt"/>
-                <a:ea typeface="+mn-ea"/>
-                <a:cs typeface="+mn-cs"/>
-              </a:defRPr>
-            </a:lvl2pPr>
-            <a:lvl3pPr marL="1143000" indent="-228600" algn="l" defTabSz="914400" rtl="0" eaLnBrk="1" latinLnBrk="0" hangingPunct="1">
-              <a:lnSpc>
-                <a:spcPct val="90000"/>
-              </a:lnSpc>
-              <a:spcBef>
-                <a:spcPts val="500"/>
-              </a:spcBef>
-              <a:buFont typeface="Arial" panose="020B0604020202020204" pitchFamily="34" charset="0"/>
-              <a:buChar char="•"/>
-              <a:defRPr sz="2000" kern="1200">
-                <a:solidFill>
-                  <a:schemeClr val="tx1"/>
-                </a:solidFill>
-                <a:latin typeface="+mn-lt"/>
-                <a:ea typeface="+mn-ea"/>
-                <a:cs typeface="+mn-cs"/>
-              </a:defRPr>
-            </a:lvl3pPr>
-            <a:lvl4pPr marL="1600200" indent="-228600" algn="l" defTabSz="914400" rtl="0" eaLnBrk="1" latinLnBrk="0" hangingPunct="1">
-              <a:lnSpc>
-                <a:spcPct val="90000"/>
-              </a:lnSpc>
-              <a:spcBef>
-                <a:spcPts val="500"/>
-              </a:spcBef>
-              <a:buFont typeface="Arial" panose="020B0604020202020204" pitchFamily="34" charset="0"/>
-              <a:buChar char="•"/>
-              <a:defRPr sz="1800" kern="1200">
-                <a:solidFill>
-                  <a:schemeClr val="tx1"/>
-                </a:solidFill>
-                <a:latin typeface="+mn-lt"/>
-                <a:ea typeface="+mn-ea"/>
-                <a:cs typeface="+mn-cs"/>
-              </a:defRPr>
-            </a:lvl4pPr>
-            <a:lvl5pPr marL="2057400" indent="-228600" algn="l" defTabSz="914400" rtl="0" eaLnBrk="1" latinLnBrk="0" hangingPunct="1">
-              <a:lnSpc>
-                <a:spcPct val="90000"/>
-              </a:lnSpc>
-              <a:spcBef>
-                <a:spcPts val="500"/>
-              </a:spcBef>
-              <a:buFont typeface="Arial" panose="020B0604020202020204" pitchFamily="34" charset="0"/>
-              <a:buChar char="•"/>
-              <a:defRPr sz="1800" kern="1200">
-                <a:solidFill>
-                  <a:schemeClr val="tx1"/>
-                </a:solidFill>
-                <a:latin typeface="+mn-lt"/>
-                <a:ea typeface="+mn-ea"/>
-                <a:cs typeface="+mn-cs"/>
-              </a:defRPr>
-            </a:lvl5pPr>
-            <a:lvl6pPr marL="2514600" indent="-228600" algn="l" defTabSz="914400" rtl="0" eaLnBrk="1" latinLnBrk="0" hangingPunct="1">
-              <a:lnSpc>
-                <a:spcPct val="90000"/>
-              </a:lnSpc>
-              <a:spcBef>
-                <a:spcPts val="500"/>
-              </a:spcBef>
-              <a:buFont typeface="Arial" panose="020B0604020202020204" pitchFamily="34" charset="0"/>
-              <a:buChar char="•"/>
-              <a:defRPr sz="1800" kern="1200">
-                <a:solidFill>
-                  <a:schemeClr val="tx1"/>
-                </a:solidFill>
-                <a:latin typeface="+mn-lt"/>
-                <a:ea typeface="+mn-ea"/>
-                <a:cs typeface="+mn-cs"/>
-              </a:defRPr>
-            </a:lvl6pPr>
-            <a:lvl7pPr marL="2971800" indent="-228600" algn="l" defTabSz="914400" rtl="0" eaLnBrk="1" latinLnBrk="0" hangingPunct="1">
-              <a:lnSpc>
-                <a:spcPct val="90000"/>
-              </a:lnSpc>
-              <a:spcBef>
-                <a:spcPts val="500"/>
-              </a:spcBef>
-              <a:buFont typeface="Arial" panose="020B0604020202020204" pitchFamily="34" charset="0"/>
-              <a:buChar char="•"/>
-              <a:defRPr sz="1800" kern="1200">
-                <a:solidFill>
-                  <a:schemeClr val="tx1"/>
-                </a:solidFill>
-                <a:latin typeface="+mn-lt"/>
-                <a:ea typeface="+mn-ea"/>
-                <a:cs typeface="+mn-cs"/>
-              </a:defRPr>
-            </a:lvl7pPr>
-            <a:lvl8pPr marL="3429000" indent="-228600" algn="l" defTabSz="914400" rtl="0" eaLnBrk="1" latinLnBrk="0" hangingPunct="1">
-              <a:lnSpc>
-                <a:spcPct val="90000"/>
-              </a:lnSpc>
-              <a:spcBef>
-                <a:spcPts val="500"/>
-              </a:spcBef>
-              <a:buFont typeface="Arial" panose="020B0604020202020204" pitchFamily="34" charset="0"/>
-              <a:buChar char="•"/>
-              <a:defRPr sz="1800" kern="1200">
-                <a:solidFill>
-                  <a:schemeClr val="tx1"/>
-                </a:solidFill>
-                <a:latin typeface="+mn-lt"/>
-                <a:ea typeface="+mn-ea"/>
-                <a:cs typeface="+mn-cs"/>
-              </a:defRPr>
-            </a:lvl8pPr>
-            <a:lvl9pPr marL="3886200" indent="-228600" algn="l" defTabSz="914400" rtl="0" eaLnBrk="1" latinLnBrk="0" hangingPunct="1">
-              <a:lnSpc>
-                <a:spcPct val="90000"/>
-              </a:lnSpc>
-              <a:spcBef>
-                <a:spcPts val="500"/>
-              </a:spcBef>
-              <a:buFont typeface="Arial" panose="020B0604020202020204" pitchFamily="34" charset="0"/>
-              <a:buChar char="•"/>
-              <a:defRPr sz="1800" kern="1200">
-                <a:solidFill>
-                  <a:schemeClr val="tx1"/>
-                </a:solidFill>
-                <a:latin typeface="+mn-lt"/>
-                <a:ea typeface="+mn-ea"/>
-                <a:cs typeface="+mn-cs"/>
-              </a:defRPr>
-            </a:lvl9pPr>
-          </a:lstStyle>
-          <a:p>
-            <a:pPr marL="0" indent="0">
-              <a:spcBef>
-                <a:spcPts val="0"/>
-              </a:spcBef>
-              <a:buNone/>
-            </a:pPr>
-            <a:r>
-              <a:rPr lang="en-US" sz="1400" u="sng" dirty="0">
-                <a:latin typeface="Times New Roman" panose="02020603050405020304" pitchFamily="18" charset="0"/>
-                <a:cs typeface="Times New Roman" panose="02020603050405020304" pitchFamily="18" charset="0"/>
-              </a:rPr>
-              <a:t>Social</a:t>
-            </a:r>
-          </a:p>
-          <a:p>
-            <a:pPr>
-              <a:spcBef>
-                <a:spcPts val="0"/>
-              </a:spcBef>
-            </a:pPr>
-            <a:r>
-              <a:rPr lang="en-US" sz="1400" dirty="0">
-                <a:latin typeface="Times New Roman" panose="02020603050405020304" pitchFamily="18" charset="0"/>
-                <a:cs typeface="Times New Roman" panose="02020603050405020304" pitchFamily="18" charset="0"/>
-              </a:rPr>
-              <a:t>Educational attainment</a:t>
-            </a:r>
-          </a:p>
-          <a:p>
-            <a:pPr>
-              <a:spcBef>
-                <a:spcPts val="0"/>
-              </a:spcBef>
-            </a:pPr>
-            <a:r>
-              <a:rPr lang="en-US" sz="1400" dirty="0">
-                <a:latin typeface="Times New Roman" panose="02020603050405020304" pitchFamily="18" charset="0"/>
-                <a:cs typeface="Times New Roman" panose="02020603050405020304" pitchFamily="18" charset="0"/>
-              </a:rPr>
-              <a:t>Marital Status</a:t>
-            </a:r>
-          </a:p>
-          <a:p>
-            <a:pPr>
-              <a:spcBef>
-                <a:spcPts val="0"/>
-              </a:spcBef>
-            </a:pPr>
-            <a:r>
-              <a:rPr lang="en-US" sz="1400" dirty="0">
-                <a:latin typeface="Times New Roman" panose="02020603050405020304" pitchFamily="18" charset="0"/>
-                <a:cs typeface="Times New Roman" panose="02020603050405020304" pitchFamily="18" charset="0"/>
-              </a:rPr>
-              <a:t>Active duty veteran</a:t>
-            </a:r>
-          </a:p>
-          <a:p>
-            <a:pPr>
-              <a:spcBef>
-                <a:spcPts val="0"/>
-              </a:spcBef>
-            </a:pPr>
-            <a:r>
-              <a:rPr lang="en-US" sz="1400" dirty="0">
-                <a:latin typeface="Times New Roman" panose="02020603050405020304" pitchFamily="18" charset="0"/>
-                <a:cs typeface="Times New Roman" panose="02020603050405020304" pitchFamily="18" charset="0"/>
-              </a:rPr>
-              <a:t>Feelings of social isolation</a:t>
-            </a:r>
-          </a:p>
-          <a:p>
-            <a:pPr marL="0" indent="0">
-              <a:spcBef>
-                <a:spcPts val="0"/>
-              </a:spcBef>
-              <a:buNone/>
-            </a:pPr>
-            <a:endParaRPr lang="en-US" sz="1400" dirty="0">
-              <a:latin typeface="Times New Roman" panose="02020603050405020304" pitchFamily="18" charset="0"/>
-              <a:cs typeface="Times New Roman" panose="02020603050405020304" pitchFamily="18" charset="0"/>
-            </a:endParaRPr>
-          </a:p>
-          <a:p>
-            <a:pPr marL="0" indent="0">
-              <a:buFont typeface="Arial" panose="020B0604020202020204" pitchFamily="34" charset="0"/>
-              <a:buNone/>
-            </a:pPr>
-            <a:r>
-              <a:rPr lang="en-US" sz="1400" u="sng" dirty="0">
-                <a:latin typeface="Times New Roman" panose="02020603050405020304" pitchFamily="18" charset="0"/>
-                <a:cs typeface="Times New Roman" panose="02020603050405020304" pitchFamily="18" charset="0"/>
-              </a:rPr>
-              <a:t>Health / Disease</a:t>
-            </a:r>
-          </a:p>
-          <a:p>
-            <a:pPr>
-              <a:spcBef>
-                <a:spcPts val="0"/>
-              </a:spcBef>
-            </a:pPr>
-            <a:r>
-              <a:rPr lang="en-US" sz="1400" dirty="0">
-                <a:latin typeface="Times New Roman" panose="02020603050405020304" pitchFamily="18" charset="0"/>
-                <a:cs typeface="Times New Roman" panose="02020603050405020304" pitchFamily="18" charset="0"/>
-              </a:rPr>
-              <a:t>Physical health status</a:t>
-            </a:r>
-          </a:p>
-          <a:p>
-            <a:pPr>
-              <a:spcBef>
-                <a:spcPts val="0"/>
-              </a:spcBef>
-            </a:pPr>
-            <a:r>
-              <a:rPr lang="en-US" sz="1400" dirty="0">
-                <a:latin typeface="Times New Roman" panose="02020603050405020304" pitchFamily="18" charset="0"/>
-                <a:cs typeface="Times New Roman" panose="02020603050405020304" pitchFamily="18" charset="0"/>
-              </a:rPr>
-              <a:t>Mental health status</a:t>
-            </a:r>
-          </a:p>
-          <a:p>
-            <a:pPr>
-              <a:spcBef>
-                <a:spcPts val="0"/>
-              </a:spcBef>
-            </a:pPr>
-            <a:r>
-              <a:rPr lang="en-US" sz="1400" dirty="0">
-                <a:latin typeface="Times New Roman" panose="02020603050405020304" pitchFamily="18" charset="0"/>
-                <a:cs typeface="Times New Roman" panose="02020603050405020304" pitchFamily="18" charset="0"/>
-              </a:rPr>
-              <a:t>BMI</a:t>
-            </a:r>
-          </a:p>
-          <a:p>
-            <a:pPr>
-              <a:spcBef>
-                <a:spcPts val="0"/>
-              </a:spcBef>
-            </a:pPr>
-            <a:r>
-              <a:rPr lang="en-US" sz="1400" dirty="0">
-                <a:latin typeface="Times New Roman" panose="02020603050405020304" pitchFamily="18" charset="0"/>
-                <a:cs typeface="Times New Roman" panose="02020603050405020304" pitchFamily="18" charset="0"/>
-              </a:rPr>
-              <a:t>Stroke</a:t>
-            </a:r>
-          </a:p>
-          <a:p>
-            <a:pPr>
-              <a:spcBef>
-                <a:spcPts val="0"/>
-              </a:spcBef>
-            </a:pPr>
-            <a:r>
-              <a:rPr lang="en-US" sz="1400" dirty="0">
-                <a:latin typeface="Times New Roman" panose="02020603050405020304" pitchFamily="18" charset="0"/>
-                <a:cs typeface="Times New Roman" panose="02020603050405020304" pitchFamily="18" charset="0"/>
-              </a:rPr>
-              <a:t>Heart attack</a:t>
-            </a:r>
-          </a:p>
-          <a:p>
-            <a:pPr>
-              <a:spcBef>
-                <a:spcPts val="0"/>
-              </a:spcBef>
-            </a:pPr>
-            <a:r>
-              <a:rPr lang="en-US" sz="1400" dirty="0">
-                <a:latin typeface="Times New Roman" panose="02020603050405020304" pitchFamily="18" charset="0"/>
-                <a:cs typeface="Times New Roman" panose="02020603050405020304" pitchFamily="18" charset="0"/>
-              </a:rPr>
-              <a:t>Coronary heart disease</a:t>
-            </a:r>
-          </a:p>
-          <a:p>
-            <a:pPr>
-              <a:spcBef>
-                <a:spcPts val="0"/>
-              </a:spcBef>
-            </a:pPr>
-            <a:r>
-              <a:rPr lang="en-US" sz="1400" dirty="0">
-                <a:latin typeface="Times New Roman" panose="02020603050405020304" pitchFamily="18" charset="0"/>
-                <a:cs typeface="Times New Roman" panose="02020603050405020304" pitchFamily="18" charset="0"/>
-              </a:rPr>
-              <a:t>Depressive disorder</a:t>
-            </a:r>
-          </a:p>
-        </p:txBody>
-      </p:sp>
-      <p:sp>
-        <p:nvSpPr>
-          <p:cNvPr id="9" name="Content Placeholder 2">
-            <a:extLst>
-              <a:ext uri="{FF2B5EF4-FFF2-40B4-BE49-F238E27FC236}">
-                <a16:creationId xmlns:a16="http://schemas.microsoft.com/office/drawing/2014/main" id="{5A4F069B-6AE8-06D6-CE38-5376BE80CB59}"/>
-              </a:ext>
-            </a:extLst>
-          </p:cNvPr>
-          <p:cNvSpPr txBox="1">
-            <a:spLocks/>
-          </p:cNvSpPr>
-          <p:nvPr/>
-        </p:nvSpPr>
-        <p:spPr>
-          <a:xfrm>
-            <a:off x="6811720" y="3143998"/>
-            <a:ext cx="3887948" cy="2712548"/>
-          </a:xfrm>
-          <a:prstGeom prst="rect">
-            <a:avLst/>
-          </a:prstGeom>
-        </p:spPr>
-        <p:txBody>
-          <a:bodyPr vert="horz" lIns="91440" tIns="45720" rIns="91440" bIns="45720" rtlCol="0">
-            <a:normAutofit/>
-          </a:bodyPr>
-          <a:lstStyle>
-            <a:lvl1pPr marL="228600" indent="-228600" algn="l" defTabSz="914400" rtl="0" eaLnBrk="1" latinLnBrk="0" hangingPunct="1">
-              <a:lnSpc>
-                <a:spcPct val="90000"/>
-              </a:lnSpc>
-              <a:spcBef>
-                <a:spcPts val="1000"/>
-              </a:spcBef>
-              <a:buFont typeface="Arial" panose="020B0604020202020204" pitchFamily="34" charset="0"/>
-              <a:buChar char="•"/>
-              <a:defRPr sz="2800" kern="1200">
-                <a:solidFill>
-                  <a:schemeClr val="tx1"/>
-                </a:solidFill>
-                <a:latin typeface="+mn-lt"/>
-                <a:ea typeface="+mn-ea"/>
-                <a:cs typeface="+mn-cs"/>
-              </a:defRPr>
-            </a:lvl1pPr>
-            <a:lvl2pPr marL="685800" indent="-228600" algn="l" defTabSz="914400" rtl="0" eaLnBrk="1" latinLnBrk="0" hangingPunct="1">
-              <a:lnSpc>
-                <a:spcPct val="90000"/>
-              </a:lnSpc>
-              <a:spcBef>
-                <a:spcPts val="500"/>
-              </a:spcBef>
-              <a:buFont typeface="Arial" panose="020B0604020202020204" pitchFamily="34" charset="0"/>
-              <a:buChar char="•"/>
-              <a:defRPr sz="2400" kern="1200">
-                <a:solidFill>
-                  <a:schemeClr val="tx1"/>
-                </a:solidFill>
-                <a:latin typeface="+mn-lt"/>
-                <a:ea typeface="+mn-ea"/>
-                <a:cs typeface="+mn-cs"/>
-              </a:defRPr>
-            </a:lvl2pPr>
-            <a:lvl3pPr marL="1143000" indent="-228600" algn="l" defTabSz="914400" rtl="0" eaLnBrk="1" latinLnBrk="0" hangingPunct="1">
-              <a:lnSpc>
-                <a:spcPct val="90000"/>
-              </a:lnSpc>
-              <a:spcBef>
-                <a:spcPts val="500"/>
-              </a:spcBef>
-              <a:buFont typeface="Arial" panose="020B0604020202020204" pitchFamily="34" charset="0"/>
-              <a:buChar char="•"/>
-              <a:defRPr sz="2000" kern="1200">
-                <a:solidFill>
-                  <a:schemeClr val="tx1"/>
-                </a:solidFill>
-                <a:latin typeface="+mn-lt"/>
-                <a:ea typeface="+mn-ea"/>
-                <a:cs typeface="+mn-cs"/>
-              </a:defRPr>
-            </a:lvl3pPr>
-            <a:lvl4pPr marL="1600200" indent="-228600" algn="l" defTabSz="914400" rtl="0" eaLnBrk="1" latinLnBrk="0" hangingPunct="1">
-              <a:lnSpc>
-                <a:spcPct val="90000"/>
-              </a:lnSpc>
-              <a:spcBef>
-                <a:spcPts val="500"/>
-              </a:spcBef>
-              <a:buFont typeface="Arial" panose="020B0604020202020204" pitchFamily="34" charset="0"/>
-              <a:buChar char="•"/>
-              <a:defRPr sz="1800" kern="1200">
-                <a:solidFill>
-                  <a:schemeClr val="tx1"/>
-                </a:solidFill>
-                <a:latin typeface="+mn-lt"/>
-                <a:ea typeface="+mn-ea"/>
-                <a:cs typeface="+mn-cs"/>
-              </a:defRPr>
-            </a:lvl4pPr>
-            <a:lvl5pPr marL="2057400" indent="-228600" algn="l" defTabSz="914400" rtl="0" eaLnBrk="1" latinLnBrk="0" hangingPunct="1">
-              <a:lnSpc>
-                <a:spcPct val="90000"/>
-              </a:lnSpc>
-              <a:spcBef>
-                <a:spcPts val="500"/>
-              </a:spcBef>
-              <a:buFont typeface="Arial" panose="020B0604020202020204" pitchFamily="34" charset="0"/>
-              <a:buChar char="•"/>
-              <a:defRPr sz="1800" kern="1200">
-                <a:solidFill>
-                  <a:schemeClr val="tx1"/>
-                </a:solidFill>
-                <a:latin typeface="+mn-lt"/>
-                <a:ea typeface="+mn-ea"/>
-                <a:cs typeface="+mn-cs"/>
-              </a:defRPr>
-            </a:lvl5pPr>
-            <a:lvl6pPr marL="2514600" indent="-228600" algn="l" defTabSz="914400" rtl="0" eaLnBrk="1" latinLnBrk="0" hangingPunct="1">
-              <a:lnSpc>
-                <a:spcPct val="90000"/>
-              </a:lnSpc>
-              <a:spcBef>
-                <a:spcPts val="500"/>
-              </a:spcBef>
-              <a:buFont typeface="Arial" panose="020B0604020202020204" pitchFamily="34" charset="0"/>
-              <a:buChar char="•"/>
-              <a:defRPr sz="1800" kern="1200">
-                <a:solidFill>
-                  <a:schemeClr val="tx1"/>
-                </a:solidFill>
-                <a:latin typeface="+mn-lt"/>
-                <a:ea typeface="+mn-ea"/>
-                <a:cs typeface="+mn-cs"/>
-              </a:defRPr>
-            </a:lvl6pPr>
-            <a:lvl7pPr marL="2971800" indent="-228600" algn="l" defTabSz="914400" rtl="0" eaLnBrk="1" latinLnBrk="0" hangingPunct="1">
-              <a:lnSpc>
-                <a:spcPct val="90000"/>
-              </a:lnSpc>
-              <a:spcBef>
-                <a:spcPts val="500"/>
-              </a:spcBef>
-              <a:buFont typeface="Arial" panose="020B0604020202020204" pitchFamily="34" charset="0"/>
-              <a:buChar char="•"/>
-              <a:defRPr sz="1800" kern="1200">
-                <a:solidFill>
-                  <a:schemeClr val="tx1"/>
-                </a:solidFill>
-                <a:latin typeface="+mn-lt"/>
-                <a:ea typeface="+mn-ea"/>
-                <a:cs typeface="+mn-cs"/>
-              </a:defRPr>
-            </a:lvl7pPr>
-            <a:lvl8pPr marL="3429000" indent="-228600" algn="l" defTabSz="914400" rtl="0" eaLnBrk="1" latinLnBrk="0" hangingPunct="1">
-              <a:lnSpc>
-                <a:spcPct val="90000"/>
-              </a:lnSpc>
-              <a:spcBef>
-                <a:spcPts val="500"/>
-              </a:spcBef>
-              <a:buFont typeface="Arial" panose="020B0604020202020204" pitchFamily="34" charset="0"/>
-              <a:buChar char="•"/>
-              <a:defRPr sz="1800" kern="1200">
-                <a:solidFill>
-                  <a:schemeClr val="tx1"/>
-                </a:solidFill>
-                <a:latin typeface="+mn-lt"/>
-                <a:ea typeface="+mn-ea"/>
-                <a:cs typeface="+mn-cs"/>
-              </a:defRPr>
-            </a:lvl8pPr>
-            <a:lvl9pPr marL="3886200" indent="-228600" algn="l" defTabSz="914400" rtl="0" eaLnBrk="1" latinLnBrk="0" hangingPunct="1">
-              <a:lnSpc>
-                <a:spcPct val="90000"/>
-              </a:lnSpc>
-              <a:spcBef>
-                <a:spcPts val="500"/>
-              </a:spcBef>
-              <a:buFont typeface="Arial" panose="020B0604020202020204" pitchFamily="34" charset="0"/>
-              <a:buChar char="•"/>
-              <a:defRPr sz="1800" kern="1200">
-                <a:solidFill>
-                  <a:schemeClr val="tx1"/>
-                </a:solidFill>
-                <a:latin typeface="+mn-lt"/>
-                <a:ea typeface="+mn-ea"/>
-                <a:cs typeface="+mn-cs"/>
-              </a:defRPr>
-            </a:lvl9pPr>
-          </a:lstStyle>
-          <a:p>
-            <a:pPr marL="0" indent="0">
-              <a:spcBef>
-                <a:spcPts val="0"/>
-              </a:spcBef>
-              <a:buNone/>
-            </a:pPr>
-            <a:r>
-              <a:rPr lang="en-US" sz="1400" u="sng" dirty="0">
-                <a:latin typeface="Times New Roman" panose="02020603050405020304" pitchFamily="18" charset="0"/>
-                <a:cs typeface="Times New Roman" panose="02020603050405020304" pitchFamily="18" charset="0"/>
-              </a:rPr>
-              <a:t>Activity Habits</a:t>
-            </a:r>
-          </a:p>
-          <a:p>
-            <a:pPr>
-              <a:spcBef>
-                <a:spcPts val="0"/>
-              </a:spcBef>
-            </a:pPr>
-            <a:r>
-              <a:rPr lang="en-US" sz="1400" dirty="0">
-                <a:latin typeface="Times New Roman" panose="02020603050405020304" pitchFamily="18" charset="0"/>
-                <a:cs typeface="Times New Roman" panose="02020603050405020304" pitchFamily="18" charset="0"/>
-              </a:rPr>
-              <a:t>Average sleep</a:t>
-            </a:r>
-          </a:p>
-          <a:p>
-            <a:pPr>
-              <a:spcBef>
-                <a:spcPts val="0"/>
-              </a:spcBef>
-            </a:pPr>
-            <a:r>
-              <a:rPr lang="en-US" sz="1400" dirty="0">
-                <a:latin typeface="Times New Roman" panose="02020603050405020304" pitchFamily="18" charset="0"/>
-                <a:cs typeface="Times New Roman" panose="02020603050405020304" pitchFamily="18" charset="0"/>
-              </a:rPr>
-              <a:t>Past-month exercise</a:t>
-            </a:r>
-          </a:p>
-          <a:p>
-            <a:pPr marL="0" indent="0">
-              <a:spcBef>
-                <a:spcPts val="0"/>
-              </a:spcBef>
-              <a:buNone/>
-            </a:pPr>
-            <a:endParaRPr lang="en-US" sz="1400" dirty="0">
-              <a:latin typeface="Times New Roman" panose="02020603050405020304" pitchFamily="18" charset="0"/>
-              <a:cs typeface="Times New Roman" panose="02020603050405020304" pitchFamily="18" charset="0"/>
-            </a:endParaRPr>
-          </a:p>
-          <a:p>
-            <a:pPr marL="0" marR="0" lvl="0" indent="0" algn="l" defTabSz="914400" rtl="0" eaLnBrk="1" fontAlgn="auto" latinLnBrk="0" hangingPunct="1">
-              <a:lnSpc>
-                <a:spcPct val="100000"/>
-              </a:lnSpc>
-              <a:spcBef>
-                <a:spcPts val="0"/>
-              </a:spcBef>
-              <a:spcAft>
-                <a:spcPts val="0"/>
-              </a:spcAft>
-              <a:buClrTx/>
-              <a:buSzTx/>
-              <a:buFont typeface="Arial" panose="020B0604020202020204" pitchFamily="34" charset="0"/>
-              <a:buNone/>
-              <a:tabLst/>
-              <a:defRPr/>
-            </a:pPr>
-            <a:r>
-              <a:rPr kumimoji="0" lang="en-US" sz="1400" b="0" i="0" u="sng" strike="noStrike" kern="1200" cap="none" spc="0" normalizeH="0" baseline="0" noProof="0" dirty="0">
-                <a:ln>
-                  <a:noFill/>
-                </a:ln>
-                <a:solidFill>
-                  <a:prstClr val="black"/>
-                </a:solidFill>
-                <a:effectLst/>
-                <a:uLnTx/>
-                <a:uFillTx/>
-                <a:latin typeface="Times New Roman" panose="02020603050405020304" pitchFamily="18" charset="0"/>
-                <a:ea typeface="+mn-ea"/>
-                <a:cs typeface="Times New Roman" panose="02020603050405020304" pitchFamily="18" charset="0"/>
-              </a:rPr>
-              <a:t>Early Childhood Experiences (for subset analysis)</a:t>
-            </a:r>
-          </a:p>
-          <a:p>
-            <a:pPr>
-              <a:lnSpc>
-                <a:spcPct val="100000"/>
-              </a:lnSpc>
-              <a:spcBef>
-                <a:spcPts val="0"/>
-              </a:spcBef>
-              <a:defRPr/>
-            </a:pPr>
-            <a:r>
-              <a:rPr kumimoji="0" lang="en-US" sz="1400" b="0" i="0" u="none" strike="noStrike" kern="1200" cap="none" spc="0" normalizeH="0" baseline="0" noProof="0" dirty="0">
-                <a:ln>
-                  <a:noFill/>
-                </a:ln>
-                <a:solidFill>
-                  <a:prstClr val="black"/>
-                </a:solidFill>
-                <a:effectLst/>
-                <a:uLnTx/>
-                <a:uFillTx/>
-                <a:latin typeface="Times New Roman" panose="02020603050405020304" pitchFamily="18" charset="0"/>
-                <a:ea typeface="+mn-ea"/>
-                <a:cs typeface="Times New Roman" panose="02020603050405020304" pitchFamily="18" charset="0"/>
-              </a:rPr>
-              <a:t>Lived with someone who was in prison or jail</a:t>
-            </a:r>
-          </a:p>
-          <a:p>
-            <a:pPr>
-              <a:lnSpc>
-                <a:spcPct val="100000"/>
-              </a:lnSpc>
-              <a:spcBef>
-                <a:spcPts val="0"/>
-              </a:spcBef>
-              <a:defRPr/>
-            </a:pPr>
-            <a:r>
-              <a:rPr lang="en-US" sz="1400" dirty="0">
-                <a:solidFill>
-                  <a:prstClr val="black"/>
-                </a:solidFill>
-                <a:latin typeface="Times New Roman" panose="02020603050405020304" pitchFamily="18" charset="0"/>
-                <a:cs typeface="Times New Roman" panose="02020603050405020304" pitchFamily="18" charset="0"/>
-              </a:rPr>
-              <a:t>Parents divorced/separated</a:t>
-            </a:r>
-          </a:p>
-          <a:p>
-            <a:pPr>
-              <a:lnSpc>
-                <a:spcPct val="100000"/>
-              </a:lnSpc>
-              <a:spcBef>
-                <a:spcPts val="0"/>
-              </a:spcBef>
-              <a:defRPr/>
-            </a:pPr>
-            <a:r>
-              <a:rPr kumimoji="0" lang="en-US" sz="1400" b="0" i="0" u="none" strike="noStrike" kern="1200" cap="none" spc="0" normalizeH="0" baseline="0" noProof="0" dirty="0">
-                <a:ln>
-                  <a:noFill/>
-                </a:ln>
-                <a:solidFill>
-                  <a:prstClr val="black"/>
-                </a:solidFill>
-                <a:effectLst/>
-                <a:uLnTx/>
-                <a:uFillTx/>
-                <a:latin typeface="Times New Roman" panose="02020603050405020304" pitchFamily="18" charset="0"/>
-                <a:ea typeface="+mn-ea"/>
-                <a:cs typeface="Times New Roman" panose="02020603050405020304" pitchFamily="18" charset="0"/>
-              </a:rPr>
-              <a:t>Parent/adults beat each other</a:t>
-            </a:r>
-          </a:p>
-          <a:p>
-            <a:pPr>
-              <a:lnSpc>
-                <a:spcPct val="100000"/>
-              </a:lnSpc>
-              <a:spcBef>
-                <a:spcPts val="0"/>
-              </a:spcBef>
-              <a:defRPr/>
-            </a:pPr>
-            <a:r>
-              <a:rPr lang="en-US" sz="1400" dirty="0">
-                <a:solidFill>
-                  <a:prstClr val="black"/>
-                </a:solidFill>
-                <a:latin typeface="Times New Roman" panose="02020603050405020304" pitchFamily="18" charset="0"/>
-                <a:cs typeface="Times New Roman" panose="02020603050405020304" pitchFamily="18" charset="0"/>
-              </a:rPr>
-              <a:t>Parent/adult beat respondent</a:t>
-            </a:r>
-          </a:p>
-          <a:p>
-            <a:pPr>
-              <a:lnSpc>
-                <a:spcPct val="100000"/>
-              </a:lnSpc>
-              <a:spcBef>
-                <a:spcPts val="0"/>
-              </a:spcBef>
-              <a:defRPr/>
-            </a:pPr>
-            <a:r>
-              <a:rPr kumimoji="0" lang="en-US" sz="1400" b="0" i="0" u="none" strike="noStrike" kern="1200" cap="none" spc="0" normalizeH="0" baseline="0" noProof="0" dirty="0">
-                <a:ln>
-                  <a:noFill/>
-                </a:ln>
-                <a:solidFill>
-                  <a:prstClr val="black"/>
-                </a:solidFill>
-                <a:effectLst/>
-                <a:uLnTx/>
-                <a:uFillTx/>
-                <a:latin typeface="Times New Roman" panose="02020603050405020304" pitchFamily="18" charset="0"/>
-                <a:ea typeface="+mn-ea"/>
-                <a:cs typeface="Times New Roman" panose="02020603050405020304" pitchFamily="18" charset="0"/>
-              </a:rPr>
-              <a:t>Parent/adult swore and insulted</a:t>
-            </a:r>
-          </a:p>
-          <a:p>
-            <a:pPr>
-              <a:lnSpc>
-                <a:spcPct val="100000"/>
-              </a:lnSpc>
-              <a:spcBef>
-                <a:spcPts val="0"/>
-              </a:spcBef>
-              <a:defRPr/>
-            </a:pPr>
-            <a:r>
-              <a:rPr lang="en-US" sz="1400" dirty="0">
-                <a:solidFill>
-                  <a:prstClr val="black"/>
-                </a:solidFill>
-                <a:latin typeface="Times New Roman" panose="02020603050405020304" pitchFamily="18" charset="0"/>
-                <a:cs typeface="Times New Roman" panose="02020603050405020304" pitchFamily="18" charset="0"/>
-              </a:rPr>
-              <a:t>Adult molested as a child</a:t>
-            </a:r>
-            <a:endParaRPr kumimoji="0" lang="en-US" sz="1400" b="0" i="0" u="none" strike="noStrike" kern="1200" cap="none" spc="0" normalizeH="0" baseline="0" noProof="0" dirty="0">
-              <a:ln>
-                <a:noFill/>
-              </a:ln>
-              <a:solidFill>
-                <a:prstClr val="black"/>
-              </a:solidFill>
-              <a:effectLst/>
-              <a:uLnTx/>
-              <a:uFillTx/>
-              <a:latin typeface="Times New Roman" panose="02020603050405020304" pitchFamily="18" charset="0"/>
-              <a:ea typeface="+mn-ea"/>
-              <a:cs typeface="Times New Roman" panose="02020603050405020304" pitchFamily="18" charset="0"/>
-            </a:endParaRPr>
           </a:p>
         </p:txBody>
       </p:sp>
@@ -5129,7 +4613,7 @@
           <a:p>
             <a:r>
               <a:rPr lang="en-US" dirty="0"/>
-              <a:t>Prepare</a:t>
+              <a:t>Acquire</a:t>
             </a:r>
           </a:p>
         </p:txBody>
@@ -5152,8 +4636,8 @@
         </p:nvSpPr>
         <p:spPr>
           <a:xfrm>
-            <a:off x="838200" y="1825625"/>
-            <a:ext cx="9635836" cy="2259487"/>
+            <a:off x="838200" y="1588119"/>
+            <a:ext cx="10515600" cy="765350"/>
           </a:xfrm>
         </p:spPr>
         <p:txBody>
@@ -5162,85 +4646,464 @@
           </a:bodyPr>
           <a:lstStyle/>
           <a:p>
-            <a:r>
-              <a:rPr lang="en-US" sz="2000" dirty="0">
+            <a:pPr marL="0" indent="0">
+              <a:buNone/>
+            </a:pPr>
+            <a:r>
+              <a:rPr lang="en-US" sz="2000" b="1" dirty="0">
                 <a:solidFill>
                   <a:srgbClr val="000000"/>
                 </a:solidFill>
-                <a:effectLst/>
                 <a:latin typeface="Times New Roman" panose="02020603050405020304" pitchFamily="18" charset="0"/>
-                <a:ea typeface="Times New Roman" panose="02020603050405020304" pitchFamily="18" charset="0"/>
-              </a:rPr>
-              <a:t>Initial cleaning of 26 variables completed.</a:t>
-            </a:r>
-          </a:p>
-          <a:p>
-            <a:r>
-              <a:rPr lang="en-US" sz="2000" dirty="0">
+                <a:cs typeface="Times New Roman" panose="02020603050405020304" pitchFamily="18" charset="0"/>
+              </a:rPr>
+              <a:t>VARIABLES OF INTEREST </a:t>
+            </a:r>
+            <a:r>
+              <a:rPr lang="en-US" sz="2000" b="1" i="1" dirty="0">
                 <a:solidFill>
                   <a:srgbClr val="000000"/>
                 </a:solidFill>
+                <a:latin typeface="Times New Roman" panose="02020603050405020304" pitchFamily="18" charset="0"/>
+                <a:cs typeface="Times New Roman" panose="02020603050405020304" pitchFamily="18" charset="0"/>
+              </a:rPr>
+              <a:t>(cont.):</a:t>
+            </a:r>
+            <a:endParaRPr lang="en-US" sz="2000" i="1" dirty="0">
+              <a:latin typeface="Times New Roman" panose="02020603050405020304" pitchFamily="18" charset="0"/>
+              <a:cs typeface="Times New Roman" panose="02020603050405020304" pitchFamily="18" charset="0"/>
+            </a:endParaRPr>
+          </a:p>
+        </p:txBody>
+      </p:sp>
+      <p:sp>
+        <p:nvSpPr>
+          <p:cNvPr id="6" name="TextBox 5">
+            <a:extLst>
+              <a:ext uri="{FF2B5EF4-FFF2-40B4-BE49-F238E27FC236}">
+                <a16:creationId xmlns:a16="http://schemas.microsoft.com/office/drawing/2014/main" id="{9B0170B4-16FF-793C-3F36-6722BDFDAC39}"/>
+              </a:ext>
+            </a:extLst>
+          </p:cNvPr>
+          <p:cNvSpPr txBox="1"/>
+          <p:nvPr/>
+        </p:nvSpPr>
+        <p:spPr>
+          <a:xfrm>
+            <a:off x="838200" y="2353469"/>
+            <a:ext cx="11008426" cy="3785652"/>
+          </a:xfrm>
+          <a:prstGeom prst="rect">
+            <a:avLst/>
+          </a:prstGeom>
+          <a:noFill/>
+        </p:spPr>
+        <p:txBody>
+          <a:bodyPr wrap="square" numCol="2" rtlCol="0">
+            <a:spAutoFit/>
+          </a:bodyPr>
+          <a:lstStyle/>
+          <a:p>
+            <a:pPr marL="0" indent="0">
+              <a:buFont typeface="Arial" panose="020B0604020202020204" pitchFamily="34" charset="0"/>
+              <a:buNone/>
+            </a:pPr>
+            <a:r>
+              <a:rPr lang="en-US" sz="2000" u="sng" dirty="0">
+                <a:latin typeface="Times New Roman" panose="02020603050405020304" pitchFamily="18" charset="0"/>
+                <a:cs typeface="Times New Roman" panose="02020603050405020304" pitchFamily="18" charset="0"/>
+              </a:rPr>
+              <a:t>Health / Disease</a:t>
+            </a:r>
+          </a:p>
+          <a:p>
+            <a:pPr marL="342900" indent="-342900">
+              <a:spcBef>
+                <a:spcPts val="0"/>
+              </a:spcBef>
+              <a:buFont typeface="Arial" panose="020B0604020202020204" pitchFamily="34" charset="0"/>
+              <a:buChar char="•"/>
+            </a:pPr>
+            <a:r>
+              <a:rPr lang="en-US" sz="2000" dirty="0">
+                <a:latin typeface="Times New Roman" panose="02020603050405020304" pitchFamily="18" charset="0"/>
+                <a:cs typeface="Times New Roman" panose="02020603050405020304" pitchFamily="18" charset="0"/>
+              </a:rPr>
+              <a:t>Physical health status</a:t>
+            </a:r>
+          </a:p>
+          <a:p>
+            <a:pPr marL="342900" indent="-342900">
+              <a:spcBef>
+                <a:spcPts val="0"/>
+              </a:spcBef>
+              <a:buFont typeface="Arial" panose="020B0604020202020204" pitchFamily="34" charset="0"/>
+              <a:buChar char="•"/>
+            </a:pPr>
+            <a:r>
+              <a:rPr lang="en-US" sz="2000" dirty="0">
+                <a:latin typeface="Times New Roman" panose="02020603050405020304" pitchFamily="18" charset="0"/>
+                <a:cs typeface="Times New Roman" panose="02020603050405020304" pitchFamily="18" charset="0"/>
+              </a:rPr>
+              <a:t>Mental health status</a:t>
+            </a:r>
+          </a:p>
+          <a:p>
+            <a:pPr marL="342900" indent="-342900">
+              <a:spcBef>
+                <a:spcPts val="0"/>
+              </a:spcBef>
+              <a:buFont typeface="Arial" panose="020B0604020202020204" pitchFamily="34" charset="0"/>
+              <a:buChar char="•"/>
+            </a:pPr>
+            <a:r>
+              <a:rPr lang="en-US" sz="2000" dirty="0">
+                <a:latin typeface="Times New Roman" panose="02020603050405020304" pitchFamily="18" charset="0"/>
+                <a:cs typeface="Times New Roman" panose="02020603050405020304" pitchFamily="18" charset="0"/>
+              </a:rPr>
+              <a:t>BMI</a:t>
+            </a:r>
+          </a:p>
+          <a:p>
+            <a:pPr marL="342900" indent="-342900">
+              <a:spcBef>
+                <a:spcPts val="0"/>
+              </a:spcBef>
+              <a:buFont typeface="Arial" panose="020B0604020202020204" pitchFamily="34" charset="0"/>
+              <a:buChar char="•"/>
+            </a:pPr>
+            <a:r>
+              <a:rPr lang="en-US" sz="2000" dirty="0">
+                <a:latin typeface="Times New Roman" panose="02020603050405020304" pitchFamily="18" charset="0"/>
+                <a:cs typeface="Times New Roman" panose="02020603050405020304" pitchFamily="18" charset="0"/>
+              </a:rPr>
+              <a:t>Stroke</a:t>
+            </a:r>
+          </a:p>
+          <a:p>
+            <a:pPr marL="342900" indent="-342900">
+              <a:spcBef>
+                <a:spcPts val="0"/>
+              </a:spcBef>
+              <a:buFont typeface="Arial" panose="020B0604020202020204" pitchFamily="34" charset="0"/>
+              <a:buChar char="•"/>
+            </a:pPr>
+            <a:r>
+              <a:rPr lang="en-US" sz="2000" dirty="0">
+                <a:latin typeface="Times New Roman" panose="02020603050405020304" pitchFamily="18" charset="0"/>
+                <a:cs typeface="Times New Roman" panose="02020603050405020304" pitchFamily="18" charset="0"/>
+              </a:rPr>
+              <a:t>Heart attack</a:t>
+            </a:r>
+          </a:p>
+          <a:p>
+            <a:pPr marL="342900" indent="-342900">
+              <a:spcBef>
+                <a:spcPts val="0"/>
+              </a:spcBef>
+              <a:buFont typeface="Arial" panose="020B0604020202020204" pitchFamily="34" charset="0"/>
+              <a:buChar char="•"/>
+            </a:pPr>
+            <a:r>
+              <a:rPr lang="en-US" sz="2000" dirty="0">
+                <a:latin typeface="Times New Roman" panose="02020603050405020304" pitchFamily="18" charset="0"/>
+                <a:cs typeface="Times New Roman" panose="02020603050405020304" pitchFamily="18" charset="0"/>
+              </a:rPr>
+              <a:t>Coronary heart disease</a:t>
+            </a:r>
+          </a:p>
+          <a:p>
+            <a:pPr marL="342900" indent="-342900">
+              <a:spcBef>
+                <a:spcPts val="0"/>
+              </a:spcBef>
+              <a:buFont typeface="Arial" panose="020B0604020202020204" pitchFamily="34" charset="0"/>
+              <a:buChar char="•"/>
+            </a:pPr>
+            <a:r>
+              <a:rPr lang="en-US" sz="2000" dirty="0">
+                <a:latin typeface="Times New Roman" panose="02020603050405020304" pitchFamily="18" charset="0"/>
+                <a:cs typeface="Times New Roman" panose="02020603050405020304" pitchFamily="18" charset="0"/>
+              </a:rPr>
+              <a:t>Depressive disorder</a:t>
+            </a:r>
+          </a:p>
+          <a:p>
+            <a:pPr>
+              <a:spcBef>
+                <a:spcPts val="0"/>
+              </a:spcBef>
+            </a:pPr>
+            <a:endParaRPr lang="en-US" sz="2000" dirty="0">
+              <a:latin typeface="Times New Roman" panose="02020603050405020304" pitchFamily="18" charset="0"/>
+              <a:cs typeface="Times New Roman" panose="02020603050405020304" pitchFamily="18" charset="0"/>
+            </a:endParaRPr>
+          </a:p>
+          <a:p>
+            <a:pPr marL="0" indent="0">
+              <a:spcBef>
+                <a:spcPts val="0"/>
+              </a:spcBef>
+              <a:buNone/>
+            </a:pPr>
+            <a:r>
+              <a:rPr lang="en-US" sz="2000" u="sng" dirty="0">
+                <a:latin typeface="Times New Roman" panose="02020603050405020304" pitchFamily="18" charset="0"/>
+                <a:cs typeface="Times New Roman" panose="02020603050405020304" pitchFamily="18" charset="0"/>
+              </a:rPr>
+              <a:t>Activity Habits</a:t>
+            </a:r>
+          </a:p>
+          <a:p>
+            <a:pPr marL="342900" indent="-342900">
+              <a:spcBef>
+                <a:spcPts val="0"/>
+              </a:spcBef>
+              <a:buFont typeface="Arial" panose="020B0604020202020204" pitchFamily="34" charset="0"/>
+              <a:buChar char="•"/>
+            </a:pPr>
+            <a:r>
+              <a:rPr lang="en-US" sz="2000" dirty="0">
+                <a:latin typeface="Times New Roman" panose="02020603050405020304" pitchFamily="18" charset="0"/>
+                <a:cs typeface="Times New Roman" panose="02020603050405020304" pitchFamily="18" charset="0"/>
+              </a:rPr>
+              <a:t>Average sleep</a:t>
+            </a:r>
+          </a:p>
+          <a:p>
+            <a:pPr marL="342900" indent="-342900">
+              <a:spcBef>
+                <a:spcPts val="0"/>
+              </a:spcBef>
+              <a:buFont typeface="Arial" panose="020B0604020202020204" pitchFamily="34" charset="0"/>
+              <a:buChar char="•"/>
+            </a:pPr>
+            <a:r>
+              <a:rPr lang="en-US" sz="2000" dirty="0">
+                <a:latin typeface="Times New Roman" panose="02020603050405020304" pitchFamily="18" charset="0"/>
+                <a:cs typeface="Times New Roman" panose="02020603050405020304" pitchFamily="18" charset="0"/>
+              </a:rPr>
+              <a:t>Past-month exercise</a:t>
+            </a:r>
+          </a:p>
+          <a:p>
+            <a:pPr marL="0" marR="0" lvl="0" indent="0" algn="l" defTabSz="914400" rtl="0" eaLnBrk="1" fontAlgn="auto" latinLnBrk="0" hangingPunct="1">
+              <a:lnSpc>
+                <a:spcPct val="100000"/>
+              </a:lnSpc>
+              <a:spcBef>
+                <a:spcPts val="0"/>
+              </a:spcBef>
+              <a:spcAft>
+                <a:spcPts val="0"/>
+              </a:spcAft>
+              <a:buClrTx/>
+              <a:buSzTx/>
+              <a:buFont typeface="Arial" panose="020B0604020202020204" pitchFamily="34" charset="0"/>
+              <a:buNone/>
+              <a:tabLst/>
+              <a:defRPr/>
+            </a:pPr>
+            <a:r>
+              <a:rPr kumimoji="0" lang="en-US" sz="2000" b="0" i="0" u="sng" strike="noStrike" kern="1200" cap="none" spc="0" normalizeH="0" baseline="0" noProof="0" dirty="0">
+                <a:ln>
+                  <a:noFill/>
+                </a:ln>
+                <a:solidFill>
+                  <a:prstClr val="black"/>
+                </a:solidFill>
                 <a:effectLst/>
+                <a:uLnTx/>
+                <a:uFillTx/>
                 <a:latin typeface="Times New Roman" panose="02020603050405020304" pitchFamily="18" charset="0"/>
-                <a:ea typeface="Times New Roman" panose="02020603050405020304" pitchFamily="18" charset="0"/>
-              </a:rPr>
-              <a:t>Multi-level categorical variables grouped where appropriate to simplify. </a:t>
-            </a:r>
-          </a:p>
-          <a:p>
+                <a:ea typeface="+mn-ea"/>
+                <a:cs typeface="Times New Roman" panose="02020603050405020304" pitchFamily="18" charset="0"/>
+              </a:rPr>
+              <a:t>Early Childhood Experiences (for subset analysis)</a:t>
+            </a:r>
+          </a:p>
+          <a:p>
+            <a:pPr marL="342900" indent="-342900">
+              <a:lnSpc>
+                <a:spcPct val="100000"/>
+              </a:lnSpc>
+              <a:spcBef>
+                <a:spcPts val="0"/>
+              </a:spcBef>
+              <a:buFont typeface="Arial" panose="020B0604020202020204" pitchFamily="34" charset="0"/>
+              <a:buChar char="•"/>
+              <a:defRPr/>
+            </a:pPr>
+            <a:r>
+              <a:rPr kumimoji="0" lang="en-US" sz="2000" b="0" i="0" u="none" strike="noStrike" kern="1200" cap="none" spc="0" normalizeH="0" baseline="0" noProof="0" dirty="0">
+                <a:ln>
+                  <a:noFill/>
+                </a:ln>
+                <a:solidFill>
+                  <a:prstClr val="black"/>
+                </a:solidFill>
+                <a:effectLst/>
+                <a:uLnTx/>
+                <a:uFillTx/>
+                <a:latin typeface="Times New Roman" panose="02020603050405020304" pitchFamily="18" charset="0"/>
+                <a:ea typeface="+mn-ea"/>
+                <a:cs typeface="Times New Roman" panose="02020603050405020304" pitchFamily="18" charset="0"/>
+              </a:rPr>
+              <a:t>Lived with someone who was in prison or jail</a:t>
+            </a:r>
+          </a:p>
+          <a:p>
+            <a:pPr marL="342900" indent="-342900">
+              <a:lnSpc>
+                <a:spcPct val="100000"/>
+              </a:lnSpc>
+              <a:spcBef>
+                <a:spcPts val="0"/>
+              </a:spcBef>
+              <a:buFont typeface="Arial" panose="020B0604020202020204" pitchFamily="34" charset="0"/>
+              <a:buChar char="•"/>
+              <a:defRPr/>
+            </a:pPr>
             <a:r>
               <a:rPr lang="en-US" sz="2000" dirty="0">
                 <a:solidFill>
-                  <a:srgbClr val="000000"/>
+                  <a:prstClr val="black"/>
+                </a:solidFill>
+                <a:latin typeface="Times New Roman" panose="02020603050405020304" pitchFamily="18" charset="0"/>
+                <a:cs typeface="Times New Roman" panose="02020603050405020304" pitchFamily="18" charset="0"/>
+              </a:rPr>
+              <a:t>Parents divorced/separated</a:t>
+            </a:r>
+          </a:p>
+          <a:p>
+            <a:pPr marL="342900" indent="-342900">
+              <a:lnSpc>
+                <a:spcPct val="100000"/>
+              </a:lnSpc>
+              <a:spcBef>
+                <a:spcPts val="0"/>
+              </a:spcBef>
+              <a:buFont typeface="Arial" panose="020B0604020202020204" pitchFamily="34" charset="0"/>
+              <a:buChar char="•"/>
+              <a:defRPr/>
+            </a:pPr>
+            <a:r>
+              <a:rPr kumimoji="0" lang="en-US" sz="2000" b="0" i="0" u="none" strike="noStrike" kern="1200" cap="none" spc="0" normalizeH="0" baseline="0" noProof="0" dirty="0">
+                <a:ln>
+                  <a:noFill/>
+                </a:ln>
+                <a:solidFill>
+                  <a:prstClr val="black"/>
                 </a:solidFill>
                 <a:effectLst/>
+                <a:uLnTx/>
+                <a:uFillTx/>
                 <a:latin typeface="Times New Roman" panose="02020603050405020304" pitchFamily="18" charset="0"/>
-                <a:ea typeface="Times New Roman" panose="02020603050405020304" pitchFamily="18" charset="0"/>
-              </a:rPr>
-              <a:t>Missing values (</a:t>
-            </a:r>
-            <a:r>
-              <a:rPr lang="en-US" sz="2000" dirty="0" err="1">
+                <a:ea typeface="+mn-ea"/>
+                <a:cs typeface="Times New Roman" panose="02020603050405020304" pitchFamily="18" charset="0"/>
+              </a:rPr>
+              <a:t>Parent/adults beat each other</a:t>
+            </a:r>
+          </a:p>
+          <a:p>
+            <a:pPr marL="342900" indent="-342900">
+              <a:lnSpc>
+                <a:spcPct val="100000"/>
+              </a:lnSpc>
+              <a:spcBef>
+                <a:spcPts val="0"/>
+              </a:spcBef>
+              <a:buFont typeface="Arial" panose="020B0604020202020204" pitchFamily="34" charset="0"/>
+              <a:buChar char="•"/>
+              <a:defRPr/>
+            </a:pPr>
+            <a:r>
+              <a:rPr lang="en-US" sz="2000" dirty="0">
                 <a:solidFill>
-                  <a:srgbClr val="000000"/>
+                  <a:prstClr val="black"/>
+                </a:solidFill>
+                <a:latin typeface="Times New Roman" panose="02020603050405020304" pitchFamily="18" charset="0"/>
+                <a:cs typeface="Times New Roman" panose="02020603050405020304" pitchFamily="18" charset="0"/>
+              </a:rPr>
+              <a:t>Parent/adult beat respondent</a:t>
+            </a:r>
+          </a:p>
+          <a:p>
+            <a:pPr marL="342900" indent="-342900">
+              <a:lnSpc>
+                <a:spcPct val="100000"/>
+              </a:lnSpc>
+              <a:spcBef>
+                <a:spcPts val="0"/>
+              </a:spcBef>
+              <a:buFont typeface="Arial" panose="020B0604020202020204" pitchFamily="34" charset="0"/>
+              <a:buChar char="•"/>
+              <a:defRPr/>
+            </a:pPr>
+            <a:r>
+              <a:rPr kumimoji="0" lang="en-US" sz="2000" b="0" i="0" u="none" strike="noStrike" kern="1200" cap="none" spc="0" normalizeH="0" baseline="0" noProof="0" dirty="0">
+                <a:ln>
+                  <a:noFill/>
+                </a:ln>
+                <a:solidFill>
+                  <a:prstClr val="black"/>
                 </a:solidFill>
                 <a:effectLst/>
+                <a:uLnTx/>
+                <a:uFillTx/>
                 <a:latin typeface="Times New Roman" panose="02020603050405020304" pitchFamily="18" charset="0"/>
-                <a:ea typeface="Times New Roman" panose="02020603050405020304" pitchFamily="18" charset="0"/>
-              </a:rPr>
-              <a:t>NaN</a:t>
-            </a:r>
+                <a:ea typeface="+mn-ea"/>
+                <a:cs typeface="Times New Roman" panose="02020603050405020304" pitchFamily="18" charset="0"/>
+              </a:rPr>
+              <a:t>Parent/adult swore and insulted</a:t>
+            </a:r>
+          </a:p>
+          <a:p>
+            <a:pPr marL="342900" indent="-342900">
+              <a:lnSpc>
+                <a:spcPct val="100000"/>
+              </a:lnSpc>
+              <a:spcBef>
+                <a:spcPts val="0"/>
+              </a:spcBef>
+              <a:buFont typeface="Arial" panose="020B0604020202020204" pitchFamily="34" charset="0"/>
+              <a:buChar char="•"/>
+              <a:defRPr/>
+            </a:pPr>
             <a:r>
               <a:rPr lang="en-US" sz="2000" dirty="0">
                 <a:solidFill>
-                  <a:srgbClr val="000000"/>
+                  <a:prstClr val="black"/>
                 </a:solidFill>
-                <a:effectLst/>
                 <a:latin typeface="Times New Roman" panose="02020603050405020304" pitchFamily="18" charset="0"/>
-                <a:ea typeface="Times New Roman" panose="02020603050405020304" pitchFamily="18" charset="0"/>
-              </a:rPr>
-              <a:t>; respondent refused to answer; respondent reported not knowing) were replaced utilizing mode imputation for categorical values and mean imputation for continuous variables.</a:t>
-            </a:r>
-          </a:p>
-          <a:p>
-            <a:r>
-              <a:rPr lang="en-US" sz="2000" dirty="0">
-                <a:solidFill>
-                  <a:srgbClr val="000000"/>
-                </a:solidFill>
-                <a:effectLst/>
-                <a:latin typeface="Times New Roman" panose="02020603050405020304" pitchFamily="18" charset="0"/>
-                <a:ea typeface="Times New Roman" panose="02020603050405020304" pitchFamily="18" charset="0"/>
-              </a:rPr>
-              <a:t>Total of 64,675 records in primary output dataset.</a:t>
-            </a:r>
-            <a:endParaRPr lang="en-US" sz="1600" dirty="0">
+                <a:cs typeface="Times New Roman" panose="02020603050405020304" pitchFamily="18" charset="0"/>
+              </a:rPr>
+              <a:t>Adult molested as a child</a:t>
+            </a:r>
+            <a:endParaRPr kumimoji="0" lang="en-US" sz="2000" b="0" i="0" u="none" strike="noStrike" kern="1200" cap="none" spc="0" normalizeH="0" baseline="0" noProof="0" dirty="0">
+              <a:ln>
+                <a:noFill/>
+              </a:ln>
               <a:solidFill>
-                <a:srgbClr val="000000"/>
+                <a:prstClr val="black"/>
               </a:solidFill>
               <a:effectLst/>
+              <a:uLnTx/>
+              <a:uFillTx/>
               <a:latin typeface="Times New Roman" panose="02020603050405020304" pitchFamily="18" charset="0"/>
-              <a:ea typeface="Times New Roman" panose="02020603050405020304" pitchFamily="18" charset="0"/>
+              <a:ea typeface="+mn-ea"/>
+              <a:cs typeface="Times New Roman" panose="02020603050405020304" pitchFamily="18" charset="0"/>
+            </a:endParaRPr>
+          </a:p>
+          <a:p>
+            <a:pPr>
+              <a:spcBef>
+                <a:spcPts val="0"/>
+              </a:spcBef>
+            </a:pPr>
+            <a:endParaRPr lang="en-US" sz="2000" dirty="0">
+              <a:latin typeface="Times New Roman" panose="02020603050405020304" pitchFamily="18" charset="0"/>
+              <a:cs typeface="Times New Roman" panose="02020603050405020304" pitchFamily="18" charset="0"/>
             </a:endParaRPr>
           </a:p>
         </p:txBody>
@@ -5248,7 +5111,7 @@
     </p:spTree>
     <p:extLst>
       <p:ext uri="{BB962C8B-B14F-4D97-AF65-F5344CB8AC3E}">
-        <p14:creationId xmlns:p14="http://schemas.microsoft.com/office/powerpoint/2010/main" val="2788217980"/>
+        <p14:creationId xmlns:p14="http://schemas.microsoft.com/office/powerpoint/2010/main" val="1137195705"/>
       </p:ext>
     </p:extLst>
   </p:cSld>
@@ -5298,7 +5161,7 @@
           <a:p>
             <a:r>
               <a:rPr lang="en-US" dirty="0"/>
-              <a:t>Analyze data</a:t>
+              <a:t>Prepare</a:t>
             </a:r>
           </a:p>
         </p:txBody>
@@ -5319,13 +5182,20 @@
             <p:ph idx="1"/>
           </p:nvPr>
         </p:nvSpPr>
-        <p:spPr/>
-        <p:txBody>
-          <a:bodyPr/>
-          <a:lstStyle/>
-          <a:p>
-            <a:r>
-              <a:rPr lang="en-US" sz="1800" dirty="0">
+        <p:spPr>
+          <a:xfrm>
+            <a:off x="838200" y="1825625"/>
+            <a:ext cx="4488809" cy="3887277"/>
+          </a:xfrm>
+        </p:spPr>
+        <p:txBody>
+          <a:bodyPr>
+            <a:normAutofit/>
+          </a:bodyPr>
+          <a:lstStyle/>
+          <a:p>
+            <a:r>
+              <a:rPr lang="en-US" sz="2000" dirty="0">
                 <a:solidFill>
                   <a:srgbClr val="000000"/>
                 </a:solidFill>
@@ -5333,18 +5203,83 @@
                 <a:latin typeface="Times New Roman" panose="02020603050405020304" pitchFamily="18" charset="0"/>
                 <a:ea typeface="Times New Roman" panose="02020603050405020304" pitchFamily="18" charset="0"/>
               </a:rPr>
-              <a:t>&lt;select analytical technique, build models&gt;</a:t>
-            </a:r>
-          </a:p>
-          <a:p>
-            <a:endParaRPr lang="en-US" dirty="0"/>
-          </a:p>
-        </p:txBody>
-      </p:sp>
+              <a:t>Multi-level categorical variables grouped where appropriate to simplify. </a:t>
+            </a:r>
+          </a:p>
+          <a:p>
+            <a:r>
+              <a:rPr lang="en-US" sz="2000" dirty="0">
+                <a:solidFill>
+                  <a:srgbClr val="000000"/>
+                </a:solidFill>
+                <a:effectLst/>
+                <a:latin typeface="Times New Roman" panose="02020603050405020304" pitchFamily="18" charset="0"/>
+                <a:ea typeface="Times New Roman" panose="02020603050405020304" pitchFamily="18" charset="0"/>
+              </a:rPr>
+              <a:t>Missing values were replaced utilizing mode imputation for categorical values and mean imputation for continuous variables.</a:t>
+            </a:r>
+          </a:p>
+          <a:p>
+            <a:r>
+              <a:rPr lang="en-US" sz="2000" dirty="0">
+                <a:solidFill>
+                  <a:srgbClr val="000000"/>
+                </a:solidFill>
+                <a:effectLst/>
+                <a:latin typeface="Times New Roman" panose="02020603050405020304" pitchFamily="18" charset="0"/>
+                <a:ea typeface="Times New Roman" panose="02020603050405020304" pitchFamily="18" charset="0"/>
+              </a:rPr>
+              <a:t>Total of 64,675 records in primary output dataset.</a:t>
+            </a:r>
+          </a:p>
+          <a:p>
+            <a:r>
+              <a:rPr lang="en-US" sz="2000" dirty="0">
+                <a:solidFill>
+                  <a:srgbClr val="000000"/>
+                </a:solidFill>
+                <a:latin typeface="Times New Roman" panose="02020603050405020304" pitchFamily="18" charset="0"/>
+                <a:ea typeface="Times New Roman" panose="02020603050405020304" pitchFamily="18" charset="0"/>
+              </a:rPr>
+              <a:t>Adverse childhood experience (ACE) variables only available for a subset of total records.</a:t>
+            </a:r>
+          </a:p>
+        </p:txBody>
+      </p:sp>
+      <p:pic>
+        <p:nvPicPr>
+          <p:cNvPr id="5" name="Picture 4">
+            <a:extLst>
+              <a:ext uri="{FF2B5EF4-FFF2-40B4-BE49-F238E27FC236}">
+                <a16:creationId xmlns:a16="http://schemas.microsoft.com/office/drawing/2014/main" id="{6D64B561-6767-F26B-5BC9-AADC1FBE5F9D}"/>
+              </a:ext>
+            </a:extLst>
+          </p:cNvPr>
+          <p:cNvPicPr>
+            <a:picLocks noChangeAspect="1"/>
+          </p:cNvPicPr>
+          <p:nvPr/>
+        </p:nvPicPr>
+        <p:blipFill>
+          <a:blip r:embed="rId2"/>
+          <a:stretch>
+            <a:fillRect/>
+          </a:stretch>
+        </p:blipFill>
+        <p:spPr>
+          <a:xfrm>
+            <a:off x="5708509" y="1416626"/>
+            <a:ext cx="5289458" cy="4235824"/>
+          </a:xfrm>
+          <a:prstGeom prst="rect">
+            <a:avLst/>
+          </a:prstGeom>
+        </p:spPr>
+      </p:pic>
     </p:spTree>
     <p:extLst>
       <p:ext uri="{BB962C8B-B14F-4D97-AF65-F5344CB8AC3E}">
-        <p14:creationId xmlns:p14="http://schemas.microsoft.com/office/powerpoint/2010/main" val="69798042"/>
+        <p14:creationId xmlns:p14="http://schemas.microsoft.com/office/powerpoint/2010/main" val="2788217980"/>
       </p:ext>
     </p:extLst>
   </p:cSld>
@@ -5394,7 +5329,7 @@
           <a:p>
             <a:r>
               <a:rPr lang="en-US" dirty="0"/>
-              <a:t>Report</a:t>
+              <a:t>Analyze data</a:t>
             </a:r>
           </a:p>
         </p:txBody>
@@ -5415,13 +5350,35 @@
             <p:ph idx="1"/>
           </p:nvPr>
         </p:nvSpPr>
-        <p:spPr/>
-        <p:txBody>
-          <a:bodyPr/>
-          <a:lstStyle/>
-          <a:p>
-            <a:r>
-              <a:rPr lang="en-US" sz="1800" dirty="0">
+        <p:spPr>
+          <a:xfrm>
+            <a:off x="838200" y="2072080"/>
+            <a:ext cx="4066309" cy="3187816"/>
+          </a:xfrm>
+        </p:spPr>
+        <p:txBody>
+          <a:bodyPr>
+            <a:normAutofit/>
+          </a:bodyPr>
+          <a:lstStyle/>
+          <a:p>
+            <a:pPr>
+              <a:spcAft>
+                <a:spcPts val="600"/>
+              </a:spcAft>
+            </a:pPr>
+            <a:r>
+              <a:rPr lang="en-US" sz="2000" dirty="0">
+                <a:solidFill>
+                  <a:srgbClr val="000000"/>
+                </a:solidFill>
+                <a:latin typeface="Times New Roman" panose="02020603050405020304" pitchFamily="18" charset="0"/>
+                <a:ea typeface="Times New Roman" panose="02020603050405020304" pitchFamily="18" charset="0"/>
+              </a:rPr>
+              <a:t>L</a:t>
+            </a:r>
+            <a:r>
+              <a:rPr lang="en-US" sz="2000" dirty="0">
                 <a:solidFill>
                   <a:srgbClr val="000000"/>
                 </a:solidFill>
@@ -5429,18 +5386,89 @@
                 <a:latin typeface="Times New Roman" panose="02020603050405020304" pitchFamily="18" charset="0"/>
                 <a:ea typeface="Times New Roman" panose="02020603050405020304" pitchFamily="18" charset="0"/>
               </a:rPr>
-              <a:t>&lt;communicate results&gt;</a:t>
-            </a:r>
-          </a:p>
-          <a:p>
-            <a:endParaRPr lang="en-US" dirty="0"/>
-          </a:p>
-        </p:txBody>
-      </p:sp>
+              <a:t>arge quantity of respondents across all age groups included in data. </a:t>
+            </a:r>
+          </a:p>
+          <a:p>
+            <a:pPr>
+              <a:spcAft>
+                <a:spcPts val="600"/>
+              </a:spcAft>
+            </a:pPr>
+            <a:r>
+              <a:rPr lang="en-US" sz="2000" dirty="0">
+                <a:solidFill>
+                  <a:srgbClr val="000000"/>
+                </a:solidFill>
+                <a:effectLst/>
+                <a:latin typeface="Times New Roman" panose="02020603050405020304" pitchFamily="18" charset="0"/>
+                <a:ea typeface="Times New Roman" panose="02020603050405020304" pitchFamily="18" charset="0"/>
+              </a:rPr>
+              <a:t>Distribution is roughly normal with a slight left skew.</a:t>
+            </a:r>
+          </a:p>
+          <a:p>
+            <a:pPr>
+              <a:spcAft>
+                <a:spcPts val="600"/>
+              </a:spcAft>
+            </a:pPr>
+            <a:r>
+              <a:rPr lang="en-US" sz="2000" dirty="0">
+                <a:solidFill>
+                  <a:srgbClr val="000000"/>
+                </a:solidFill>
+                <a:effectLst/>
+                <a:latin typeface="Times New Roman" panose="02020603050405020304" pitchFamily="18" charset="0"/>
+                <a:ea typeface="Times New Roman" panose="02020603050405020304" pitchFamily="18" charset="0"/>
+              </a:rPr>
+              <a:t>Respondents 65-69 years old are disproportionately represented.</a:t>
+            </a:r>
+            <a:endParaRPr lang="en-US" sz="1600" dirty="0">
+              <a:solidFill>
+                <a:srgbClr val="000000"/>
+              </a:solidFill>
+              <a:effectLst/>
+              <a:latin typeface="Times New Roman" panose="02020603050405020304" pitchFamily="18" charset="0"/>
+              <a:ea typeface="Times New Roman" panose="02020603050405020304" pitchFamily="18" charset="0"/>
+            </a:endParaRPr>
+          </a:p>
+        </p:txBody>
+      </p:sp>
+      <p:pic>
+        <p:nvPicPr>
+          <p:cNvPr id="5" name="Picture 4">
+            <a:extLst>
+              <a:ext uri="{FF2B5EF4-FFF2-40B4-BE49-F238E27FC236}">
+                <a16:creationId xmlns:a16="http://schemas.microsoft.com/office/drawing/2014/main" id="{E8192F76-182B-4568-A3B0-BDD9404ABAEA}"/>
+              </a:ext>
+            </a:extLst>
+          </p:cNvPr>
+          <p:cNvPicPr>
+            <a:picLocks noChangeAspect="1"/>
+          </p:cNvPicPr>
+          <p:nvPr/>
+        </p:nvPicPr>
+        <p:blipFill>
+          <a:blip r:embed="rId2"/>
+          <a:stretch>
+            <a:fillRect/>
+          </a:stretch>
+        </p:blipFill>
+        <p:spPr>
+          <a:xfrm>
+            <a:off x="5529918" y="1586985"/>
+            <a:ext cx="5437935" cy="4096107"/>
+          </a:xfrm>
+          <a:prstGeom prst="rect">
+            <a:avLst/>
+          </a:prstGeom>
+        </p:spPr>
+      </p:pic>
     </p:spTree>
     <p:extLst>
       <p:ext uri="{BB962C8B-B14F-4D97-AF65-F5344CB8AC3E}">
-        <p14:creationId xmlns:p14="http://schemas.microsoft.com/office/powerpoint/2010/main" val="2309908418"/>
+        <p14:creationId xmlns:p14="http://schemas.microsoft.com/office/powerpoint/2010/main" val="3749672797"/>
       </p:ext>
     </p:extLst>
   </p:cSld>
@@ -5472,7 +5500,7 @@
           <p:cNvPr id="2" name="Title 1">
             <a:extLst>
               <a:ext uri="{FF2B5EF4-FFF2-40B4-BE49-F238E27FC236}">
-                <a16:creationId xmlns:a16="http://schemas.microsoft.com/office/drawing/2014/main" id="{7998C1A2-E365-4EAD-A777-10EF9BD2588C}"/>
+                <a16:creationId xmlns:a16="http://schemas.microsoft.com/office/drawing/2014/main" id="{DB2A7252-6823-44F9-B464-D7A15D12BB65}"/>
               </a:ext>
             </a:extLst>
           </p:cNvPr>
@@ -5490,7 +5518,7 @@
           <a:p>
             <a:r>
               <a:rPr lang="en-US" dirty="0"/>
-              <a:t>Act</a:t>
+              <a:t>Analyze data</a:t>
             </a:r>
           </a:p>
         </p:txBody>
@@ -5500,7 +5528,7 @@
           <p:cNvPr id="3" name="Content Placeholder 2">
             <a:extLst>
               <a:ext uri="{FF2B5EF4-FFF2-40B4-BE49-F238E27FC236}">
-                <a16:creationId xmlns:a16="http://schemas.microsoft.com/office/drawing/2014/main" id="{83DC0D0A-FDCC-4561-A8EB-1F836A94AACC}"/>
+                <a16:creationId xmlns:a16="http://schemas.microsoft.com/office/drawing/2014/main" id="{7FEAE391-6366-4E20-A14E-0ECFAEA8029A}"/>
               </a:ext>
             </a:extLst>
           </p:cNvPr>
@@ -5511,13 +5539,20 @@
             <p:ph idx="1"/>
           </p:nvPr>
         </p:nvSpPr>
-        <p:spPr/>
-        <p:txBody>
-          <a:bodyPr/>
-          <a:lstStyle/>
-          <a:p>
-            <a:r>
-              <a:rPr lang="en-US" sz="1800" dirty="0">
+        <p:spPr>
+          <a:xfrm>
+            <a:off x="674053" y="1589021"/>
+            <a:ext cx="4594233" cy="1233652"/>
+          </a:xfrm>
+        </p:spPr>
+        <p:txBody>
+          <a:bodyPr>
+            <a:normAutofit/>
+          </a:bodyPr>
+          <a:lstStyle/>
+          <a:p>
+            <a:r>
+              <a:rPr lang="en-US" sz="2000" dirty="0">
                 <a:solidFill>
                   <a:srgbClr val="000000"/>
                 </a:solidFill>
@@ -5525,16 +5560,236 @@
                 <a:latin typeface="Times New Roman" panose="02020603050405020304" pitchFamily="18" charset="0"/>
                 <a:ea typeface="Times New Roman" panose="02020603050405020304" pitchFamily="18" charset="0"/>
               </a:rPr>
-              <a:t>&lt;apply results, connect results with the chosen problem statement or business question&gt;</a:t>
-            </a:r>
-            <a:endParaRPr lang="en-US" dirty="0"/>
-          </a:p>
-        </p:txBody>
-      </p:sp>
+              <a:t>Several variables are positively correlated with worsening memory and/or confusion (ADDEPEV3). </a:t>
+            </a:r>
+          </a:p>
+        </p:txBody>
+      </p:sp>
+      <p:pic>
+        <p:nvPicPr>
+          <p:cNvPr id="10" name="Picture 9">
+            <a:extLst>
+              <a:ext uri="{FF2B5EF4-FFF2-40B4-BE49-F238E27FC236}">
+                <a16:creationId xmlns:a16="http://schemas.microsoft.com/office/drawing/2014/main" id="{5E2D2711-C0D6-C13E-B134-66AA243EE810}"/>
+              </a:ext>
+            </a:extLst>
+          </p:cNvPr>
+          <p:cNvPicPr>
+            <a:picLocks noChangeAspect="1"/>
+          </p:cNvPicPr>
+          <p:nvPr/>
+        </p:nvPicPr>
+        <p:blipFill rotWithShape="1">
+          <a:blip r:embed="rId2"/>
+          <a:srcRect r="13580"/>
+          <a:stretch/>
+        </p:blipFill>
+        <p:spPr>
+          <a:xfrm>
+            <a:off x="5830946" y="464534"/>
+            <a:ext cx="5620028" cy="5776875"/>
+          </a:xfrm>
+          <a:prstGeom prst="rect">
+            <a:avLst/>
+          </a:prstGeom>
+        </p:spPr>
+      </p:pic>
+      <p:sp>
+        <p:nvSpPr>
+          <p:cNvPr id="11" name="Rectangle 10">
+            <a:extLst>
+              <a:ext uri="{FF2B5EF4-FFF2-40B4-BE49-F238E27FC236}">
+                <a16:creationId xmlns:a16="http://schemas.microsoft.com/office/drawing/2014/main" id="{DEE3702E-8A56-0296-9FC7-1369FA833860}"/>
+              </a:ext>
+            </a:extLst>
+          </p:cNvPr>
+          <p:cNvSpPr/>
+          <p:nvPr/>
+        </p:nvSpPr>
+        <p:spPr>
+          <a:xfrm>
+            <a:off x="6540617" y="2595643"/>
+            <a:ext cx="1730928" cy="3095272"/>
+          </a:xfrm>
+          <a:prstGeom prst="rect">
+            <a:avLst/>
+          </a:prstGeom>
+          <a:solidFill>
+            <a:srgbClr val="FFFFFF">
+              <a:alpha val="69804"/>
+            </a:srgbClr>
+          </a:solidFill>
+          <a:ln>
+            <a:noFill/>
+          </a:ln>
+        </p:spPr>
+        <p:style>
+          <a:lnRef idx="2">
+            <a:schemeClr val="accent1">
+              <a:shade val="15000"/>
+            </a:schemeClr>
+          </a:lnRef>
+          <a:fillRef idx="1">
+            <a:schemeClr val="accent1"/>
+          </a:fillRef>
+          <a:effectRef idx="0">
+            <a:schemeClr val="accent1"/>
+          </a:effectRef>
+          <a:fontRef idx="minor">
+            <a:schemeClr val="lt1"/>
+          </a:fontRef>
+        </p:style>
+        <p:txBody>
+          <a:bodyPr rtlCol="0" anchor="ctr"/>
+          <a:lstStyle/>
+          <a:p>
+            <a:pPr algn="ctr"/>
+            <a:endParaRPr lang="en-US"/>
+          </a:p>
+        </p:txBody>
+      </p:sp>
+      <p:sp>
+        <p:nvSpPr>
+          <p:cNvPr id="12" name="Rectangle 11">
+            <a:extLst>
+              <a:ext uri="{FF2B5EF4-FFF2-40B4-BE49-F238E27FC236}">
+                <a16:creationId xmlns:a16="http://schemas.microsoft.com/office/drawing/2014/main" id="{4F07F6F2-B194-DAA6-ACD2-EA9A5251B12F}"/>
+              </a:ext>
+            </a:extLst>
+          </p:cNvPr>
+          <p:cNvSpPr/>
+          <p:nvPr/>
+        </p:nvSpPr>
+        <p:spPr>
+          <a:xfrm>
+            <a:off x="8473891" y="2405655"/>
+            <a:ext cx="3042589" cy="3285260"/>
+          </a:xfrm>
+          <a:prstGeom prst="rect">
+            <a:avLst/>
+          </a:prstGeom>
+          <a:solidFill>
+            <a:srgbClr val="FFFFFF">
+              <a:alpha val="69804"/>
+            </a:srgbClr>
+          </a:solidFill>
+          <a:ln>
+            <a:noFill/>
+          </a:ln>
+        </p:spPr>
+        <p:style>
+          <a:lnRef idx="2">
+            <a:schemeClr val="accent1">
+              <a:shade val="15000"/>
+            </a:schemeClr>
+          </a:lnRef>
+          <a:fillRef idx="1">
+            <a:schemeClr val="accent1"/>
+          </a:fillRef>
+          <a:effectRef idx="0">
+            <a:schemeClr val="accent1"/>
+          </a:effectRef>
+          <a:fontRef idx="minor">
+            <a:schemeClr val="lt1"/>
+          </a:fontRef>
+        </p:style>
+        <p:txBody>
+          <a:bodyPr rtlCol="0" anchor="ctr"/>
+          <a:lstStyle/>
+          <a:p>
+            <a:pPr algn="ctr"/>
+            <a:endParaRPr lang="en-US"/>
+          </a:p>
+        </p:txBody>
+      </p:sp>
+      <p:sp>
+        <p:nvSpPr>
+          <p:cNvPr id="13" name="Rectangle 12">
+            <a:extLst>
+              <a:ext uri="{FF2B5EF4-FFF2-40B4-BE49-F238E27FC236}">
+                <a16:creationId xmlns:a16="http://schemas.microsoft.com/office/drawing/2014/main" id="{64D50CEC-C3E3-941F-3DF1-C1EF3A7F26B2}"/>
+              </a:ext>
+            </a:extLst>
+          </p:cNvPr>
+          <p:cNvSpPr/>
+          <p:nvPr/>
+        </p:nvSpPr>
+        <p:spPr>
+          <a:xfrm>
+            <a:off x="6544664" y="641800"/>
+            <a:ext cx="1672431" cy="1768188"/>
+          </a:xfrm>
+          <a:prstGeom prst="rect">
+            <a:avLst/>
+          </a:prstGeom>
+          <a:solidFill>
+            <a:srgbClr val="FFFFFF">
+              <a:alpha val="69804"/>
+            </a:srgbClr>
+          </a:solidFill>
+          <a:ln>
+            <a:noFill/>
+          </a:ln>
+        </p:spPr>
+        <p:style>
+          <a:lnRef idx="2">
+            <a:schemeClr val="accent1">
+              <a:shade val="15000"/>
+            </a:schemeClr>
+          </a:lnRef>
+          <a:fillRef idx="1">
+            <a:schemeClr val="accent1"/>
+          </a:fillRef>
+          <a:effectRef idx="0">
+            <a:schemeClr val="accent1"/>
+          </a:effectRef>
+          <a:fontRef idx="minor">
+            <a:schemeClr val="lt1"/>
+          </a:fontRef>
+        </p:style>
+        <p:txBody>
+          <a:bodyPr rtlCol="0" anchor="ctr"/>
+          <a:lstStyle/>
+          <a:p>
+            <a:pPr algn="ctr"/>
+            <a:endParaRPr lang="en-US"/>
+          </a:p>
+        </p:txBody>
+      </p:sp>
+      <p:pic>
+        <p:nvPicPr>
+          <p:cNvPr id="8" name="Picture 7">
+            <a:extLst>
+              <a:ext uri="{FF2B5EF4-FFF2-40B4-BE49-F238E27FC236}">
+                <a16:creationId xmlns:a16="http://schemas.microsoft.com/office/drawing/2014/main" id="{F572812F-1B00-00D9-479A-325061E3BAC8}"/>
+              </a:ext>
+            </a:extLst>
+          </p:cNvPr>
+          <p:cNvPicPr>
+            <a:picLocks noChangeAspect="1"/>
+          </p:cNvPicPr>
+          <p:nvPr/>
+        </p:nvPicPr>
+        <p:blipFill>
+          <a:blip r:embed="rId3"/>
+          <a:stretch>
+            <a:fillRect/>
+          </a:stretch>
+        </p:blipFill>
+        <p:spPr>
+          <a:xfrm>
+            <a:off x="928811" y="2822673"/>
+            <a:ext cx="4084715" cy="3338614"/>
+          </a:xfrm>
+          <a:prstGeom prst="rect">
+            <a:avLst/>
+          </a:prstGeom>
+        </p:spPr>
+      </p:pic>
     </p:spTree>
     <p:extLst>
       <p:ext uri="{BB962C8B-B14F-4D97-AF65-F5344CB8AC3E}">
-        <p14:creationId xmlns:p14="http://schemas.microsoft.com/office/powerpoint/2010/main" val="4024108741"/>
+        <p14:creationId xmlns:p14="http://schemas.microsoft.com/office/powerpoint/2010/main" val="1853406251"/>
       </p:ext>
     </p:extLst>
   </p:cSld>
@@ -5566,7 +5821,7 @@
           <p:cNvPr id="2" name="Title 1">
             <a:extLst>
               <a:ext uri="{FF2B5EF4-FFF2-40B4-BE49-F238E27FC236}">
-                <a16:creationId xmlns:a16="http://schemas.microsoft.com/office/drawing/2014/main" id="{6E62AD6F-85A9-F8B8-9A59-B9B421EB5CD5}"/>
+                <a16:creationId xmlns:a16="http://schemas.microsoft.com/office/drawing/2014/main" id="{DB2A7252-6823-44F9-B464-D7A15D12BB65}"/>
               </a:ext>
             </a:extLst>
           </p:cNvPr>
@@ -5584,7 +5839,7 @@
           <a:p>
             <a:r>
               <a:rPr lang="en-US" dirty="0"/>
-              <a:t>References</a:t>
+              <a:t>Report</a:t>
             </a:r>
           </a:p>
         </p:txBody>
@@ -5594,7 +5849,7 @@
           <p:cNvPr id="3" name="Content Placeholder 2">
             <a:extLst>
               <a:ext uri="{FF2B5EF4-FFF2-40B4-BE49-F238E27FC236}">
-                <a16:creationId xmlns:a16="http://schemas.microsoft.com/office/drawing/2014/main" id="{89E43576-30CA-C427-A641-CCDACF852F5B}"/>
+                <a16:creationId xmlns:a16="http://schemas.microsoft.com/office/drawing/2014/main" id="{7FEAE391-6366-4E20-A14E-0ECFAEA8029A}"/>
               </a:ext>
             </a:extLst>
           </p:cNvPr>
@@ -5605,7 +5860,12 @@
             <p:ph idx="1"/>
           </p:nvPr>
         </p:nvSpPr>
-        <p:spPr/>
+        <p:spPr>
+          <a:xfrm>
+            <a:off x="838200" y="1610686"/>
+            <a:ext cx="9699433" cy="1500650"/>
+          </a:xfrm>
+        </p:spPr>
         <p:txBody>
           <a:bodyPr>
             <a:normAutofit/>
@@ -5613,72 +5873,65 @@
           <a:lstStyle/>
           <a:p>
             <a:r>
-              <a:rPr lang="en-US" sz="1600" dirty="0"/>
-              <a:t>Casanova, R., Saldana, S., Lutz, M. W., </a:t>
-            </a:r>
-            <a:r>
-              <a:rPr lang="en-US" sz="1600" dirty="0" err="1"/>
-              <a:t>Plassman</a:t>
-            </a:r>
-            <a:r>
-              <a:rPr lang="en-US" sz="1600" dirty="0"/>
-              <a:t>, B. L., </a:t>
-            </a:r>
-            <a:r>
-              <a:rPr lang="en-US" sz="1600" dirty="0" err="1"/>
-              <a:t>Kuchibhatla</a:t>
-            </a:r>
-            <a:r>
-              <a:rPr lang="en-US" sz="1600" dirty="0"/>
-              <a:t>, M., &amp; Hayden, K. M. (2020). Investigating predictors of cognitive decline using machine learning. </a:t>
-            </a:r>
-            <a:r>
-              <a:rPr lang="en-US" sz="1600" i="1" dirty="0"/>
-              <a:t>Journal of Gerontology, 75</a:t>
-            </a:r>
-            <a:r>
-              <a:rPr lang="en-US" sz="1600" dirty="0"/>
-              <a:t>(4), 733–742. </a:t>
-            </a:r>
-            <a:r>
-              <a:rPr lang="en-US" sz="1600" dirty="0">
-                <a:hlinkClick r:id="rId2"/>
-              </a:rPr>
-              <a:t>https://doi.org/10.1093/geronb/gby054</a:t>
-            </a:r>
-            <a:endParaRPr lang="en-US" sz="1600" dirty="0"/>
-          </a:p>
-          <a:p>
-            <a:r>
-              <a:rPr lang="en-US" sz="1600" dirty="0"/>
-              <a:t>Centers for Disease Control and Prevention (CDC). </a:t>
-            </a:r>
-            <a:r>
-              <a:rPr lang="en-US" sz="1600" i="1" dirty="0"/>
-              <a:t>Chronic diseases and cognitive decline – A public health issue. </a:t>
-            </a:r>
-            <a:r>
-              <a:rPr lang="en-US" sz="1600" dirty="0"/>
-              <a:t>Alzheimer’s Disease and Healthy Aging: Data Briefs. U.S. Government. Retrieved from </a:t>
-            </a:r>
-            <a:r>
-              <a:rPr lang="en-US" sz="1600" dirty="0">
-                <a:hlinkClick r:id="rId3"/>
-              </a:rPr>
-              <a:t>https://www.cdc.gov/aging/publications/chronic-diseases-brief.html</a:t>
-            </a:r>
-            <a:r>
-              <a:rPr lang="en-US" sz="1600" dirty="0"/>
-              <a:t>  </a:t>
-            </a:r>
-            <a:endParaRPr lang="en-US" sz="1600" i="1" dirty="0"/>
-          </a:p>
-        </p:txBody>
-      </p:sp>
+              <a:rPr lang="en-US" sz="2000" dirty="0">
+                <a:solidFill>
+                  <a:srgbClr val="000000"/>
+                </a:solidFill>
+                <a:latin typeface="Times New Roman" panose="02020603050405020304" pitchFamily="18" charset="0"/>
+                <a:ea typeface="Times New Roman" panose="02020603050405020304" pitchFamily="18" charset="0"/>
+              </a:rPr>
+              <a:t>Variable differences between those experiencing memory problems and confusion appear more pronounced in younger adults than older adults.</a:t>
+            </a:r>
+          </a:p>
+          <a:p>
+            <a:r>
+              <a:rPr lang="en-US" sz="2000" dirty="0">
+                <a:solidFill>
+                  <a:srgbClr val="000000"/>
+                </a:solidFill>
+                <a:effectLst/>
+                <a:latin typeface="Times New Roman" panose="02020603050405020304" pitchFamily="18" charset="0"/>
+                <a:ea typeface="Times New Roman" panose="02020603050405020304" pitchFamily="18" charset="0"/>
+              </a:rPr>
+              <a:t>Some predictors appear less correlated in older age groups.</a:t>
+            </a:r>
+          </a:p>
+        </p:txBody>
+      </p:sp>
+      <p:pic>
+        <p:nvPicPr>
+          <p:cNvPr id="5" name="Picture 4">
+            <a:extLst>
+              <a:ext uri="{FF2B5EF4-FFF2-40B4-BE49-F238E27FC236}">
+                <a16:creationId xmlns:a16="http://schemas.microsoft.com/office/drawing/2014/main" id="{EE23738C-E594-250F-0E1A-EE8179F2BD6E}"/>
+              </a:ext>
+            </a:extLst>
+          </p:cNvPr>
+          <p:cNvPicPr>
+            <a:picLocks noChangeAspect="1"/>
+          </p:cNvPicPr>
+          <p:nvPr/>
+        </p:nvPicPr>
+        <p:blipFill>
+          <a:blip r:embed="rId2"/>
+          <a:stretch>
+            <a:fillRect/>
+          </a:stretch>
+        </p:blipFill>
+        <p:spPr>
+          <a:xfrm>
+            <a:off x="1739252" y="2936249"/>
+            <a:ext cx="7897327" cy="3439005"/>
+          </a:xfrm>
+          <a:prstGeom prst="rect">
+            <a:avLst/>
+          </a:prstGeom>
+        </p:spPr>
+      </p:pic>
     </p:spTree>
     <p:extLst>
       <p:ext uri="{BB962C8B-B14F-4D97-AF65-F5344CB8AC3E}">
-        <p14:creationId xmlns:p14="http://schemas.microsoft.com/office/powerpoint/2010/main" val="2344436583"/>
+        <p14:creationId xmlns:p14="http://schemas.microsoft.com/office/powerpoint/2010/main" val="3851991748"/>
       </p:ext>
     </p:extLst>
   </p:cSld>

--- a/FisherJ_ANA500_Micro-Project_template.pptx
+++ b/FisherJ_ANA500_Micro-Project_template.pptx
@@ -14,9 +14,14 @@
     <p:sldId id="267" r:id="rId8"/>
     <p:sldId id="268" r:id="rId9"/>
     <p:sldId id="269" r:id="rId10"/>
-    <p:sldId id="262" r:id="rId11"/>
-    <p:sldId id="263" r:id="rId12"/>
-    <p:sldId id="265" r:id="rId13"/>
+    <p:sldId id="271" r:id="rId11"/>
+    <p:sldId id="273" r:id="rId12"/>
+    <p:sldId id="262" r:id="rId13"/>
+    <p:sldId id="274" r:id="rId14"/>
+    <p:sldId id="275" r:id="rId15"/>
+    <p:sldId id="263" r:id="rId16"/>
+    <p:sldId id="276" r:id="rId17"/>
+    <p:sldId id="265" r:id="rId18"/>
   </p:sldIdLst>
   <p:sldSz cx="12192000" cy="6858000"/>
   <p:notesSz cx="6858000" cy="9144000"/>
@@ -270,7 +275,7 @@
           <a:p>
             <a:fld id="{3F52AFC1-4F45-459D-BC95-0F8F5E3A4294}" type="datetimeFigureOut">
               <a:rPr lang="en-US" smtClean="0"/>
-              <a:t>5/19/2024</a:t>
+              <a:t>5/26/2024</a:t>
             </a:fld>
             <a:endParaRPr lang="en-US"/>
           </a:p>
@@ -468,7 +473,7 @@
           <a:p>
             <a:fld id="{3F52AFC1-4F45-459D-BC95-0F8F5E3A4294}" type="datetimeFigureOut">
               <a:rPr lang="en-US" smtClean="0"/>
-              <a:t>5/19/2024</a:t>
+              <a:t>5/26/2024</a:t>
             </a:fld>
             <a:endParaRPr lang="en-US"/>
           </a:p>
@@ -676,7 +681,7 @@
           <a:p>
             <a:fld id="{3F52AFC1-4F45-459D-BC95-0F8F5E3A4294}" type="datetimeFigureOut">
               <a:rPr lang="en-US" smtClean="0"/>
-              <a:t>5/19/2024</a:t>
+              <a:t>5/26/2024</a:t>
             </a:fld>
             <a:endParaRPr lang="en-US"/>
           </a:p>
@@ -874,7 +879,7 @@
           <a:p>
             <a:fld id="{3F52AFC1-4F45-459D-BC95-0F8F5E3A4294}" type="datetimeFigureOut">
               <a:rPr lang="en-US" smtClean="0"/>
-              <a:t>5/19/2024</a:t>
+              <a:t>5/26/2024</a:t>
             </a:fld>
             <a:endParaRPr lang="en-US"/>
           </a:p>
@@ -1149,7 +1154,7 @@
           <a:p>
             <a:fld id="{3F52AFC1-4F45-459D-BC95-0F8F5E3A4294}" type="datetimeFigureOut">
               <a:rPr lang="en-US" smtClean="0"/>
-              <a:t>5/19/2024</a:t>
+              <a:t>5/26/2024</a:t>
             </a:fld>
             <a:endParaRPr lang="en-US"/>
           </a:p>
@@ -1414,7 +1419,7 @@
           <a:p>
             <a:fld id="{3F52AFC1-4F45-459D-BC95-0F8F5E3A4294}" type="datetimeFigureOut">
               <a:rPr lang="en-US" smtClean="0"/>
-              <a:t>5/19/2024</a:t>
+              <a:t>5/26/2024</a:t>
             </a:fld>
             <a:endParaRPr lang="en-US"/>
           </a:p>
@@ -1826,7 +1831,7 @@
           <a:p>
             <a:fld id="{3F52AFC1-4F45-459D-BC95-0F8F5E3A4294}" type="datetimeFigureOut">
               <a:rPr lang="en-US" smtClean="0"/>
-              <a:t>5/19/2024</a:t>
+              <a:t>5/26/2024</a:t>
             </a:fld>
             <a:endParaRPr lang="en-US"/>
           </a:p>
@@ -1967,7 +1972,7 @@
           <a:p>
             <a:fld id="{3F52AFC1-4F45-459D-BC95-0F8F5E3A4294}" type="datetimeFigureOut">
               <a:rPr lang="en-US" smtClean="0"/>
-              <a:t>5/19/2024</a:t>
+              <a:t>5/26/2024</a:t>
             </a:fld>
             <a:endParaRPr lang="en-US"/>
           </a:p>
@@ -2080,7 +2085,7 @@
           <a:p>
             <a:fld id="{3F52AFC1-4F45-459D-BC95-0F8F5E3A4294}" type="datetimeFigureOut">
               <a:rPr lang="en-US" smtClean="0"/>
-              <a:t>5/19/2024</a:t>
+              <a:t>5/26/2024</a:t>
             </a:fld>
             <a:endParaRPr lang="en-US"/>
           </a:p>
@@ -2391,7 +2396,7 @@
           <a:p>
             <a:fld id="{3F52AFC1-4F45-459D-BC95-0F8F5E3A4294}" type="datetimeFigureOut">
               <a:rPr lang="en-US" smtClean="0"/>
-              <a:t>5/19/2024</a:t>
+              <a:t>5/26/2024</a:t>
             </a:fld>
             <a:endParaRPr lang="en-US"/>
           </a:p>
@@ -2679,7 +2684,7 @@
           <a:p>
             <a:fld id="{3F52AFC1-4F45-459D-BC95-0F8F5E3A4294}" type="datetimeFigureOut">
               <a:rPr lang="en-US" smtClean="0"/>
-              <a:t>5/19/2024</a:t>
+              <a:t>5/26/2024</a:t>
             </a:fld>
             <a:endParaRPr lang="en-US"/>
           </a:p>
@@ -2920,7 +2925,7 @@
           <a:p>
             <a:fld id="{3F52AFC1-4F45-459D-BC95-0F8F5E3A4294}" type="datetimeFigureOut">
               <a:rPr lang="en-US" smtClean="0"/>
-              <a:t>5/19/2024</a:t>
+              <a:t>5/26/2024</a:t>
             </a:fld>
             <a:endParaRPr lang="en-US"/>
           </a:p>
@@ -3369,7 +3374,7 @@
             </a:br>
             <a:r>
               <a:rPr lang="en-US" sz="4800" dirty="0"/>
-              <a:t>Micro-Project 2</a:t>
+              <a:t>Micro-Project 3</a:t>
             </a:r>
             <a:br>
               <a:rPr lang="en-US" sz="4800" dirty="0"/>
@@ -3418,9 +3423,10 @@
           </a:p>
           <a:p>
             <a:r>
-              <a:rPr lang="en-US" dirty="0"/>
-              <a:t>5-19-2024</a:t>
-            </a:r>
+              <a:rPr lang="en-US"/>
+              <a:t>5-26-2024</a:t>
+            </a:r>
+            <a:endParaRPr lang="en-US" dirty="0"/>
           </a:p>
           <a:p>
             <a:endParaRPr lang="en-US" dirty="0"/>
@@ -3473,49 +3479,190 @@
             <p:ph type="title"/>
           </p:nvPr>
         </p:nvSpPr>
-        <p:spPr/>
-        <p:txBody>
-          <a:bodyPr/>
-          <a:lstStyle/>
-          <a:p>
-            <a:r>
-              <a:rPr lang="en-US" dirty="0"/>
-              <a:t>Report</a:t>
-            </a:r>
-          </a:p>
-        </p:txBody>
-      </p:sp>
-      <p:sp>
-        <p:nvSpPr>
-          <p:cNvPr id="3" name="Content Placeholder 2">
-            <a:extLst>
-              <a:ext uri="{FF2B5EF4-FFF2-40B4-BE49-F238E27FC236}">
-                <a16:creationId xmlns:a16="http://schemas.microsoft.com/office/drawing/2014/main" id="{7FEAE391-6366-4E20-A14E-0ECFAEA8029A}"/>
-              </a:ext>
-            </a:extLst>
-          </p:cNvPr>
-          <p:cNvSpPr>
-            <a:spLocks noGrp="1"/>
-          </p:cNvSpPr>
-          <p:nvPr>
-            <p:ph idx="1"/>
-          </p:nvPr>
-        </p:nvSpPr>
-        <p:spPr/>
-        <p:txBody>
-          <a:bodyPr/>
-          <a:lstStyle/>
-          <a:p>
-            <a:r>
-              <a:rPr lang="en-US" sz="1800" dirty="0">
+        <p:spPr>
+          <a:xfrm>
+            <a:off x="838199" y="365126"/>
+            <a:ext cx="10882533" cy="1534926"/>
+          </a:xfrm>
+        </p:spPr>
+        <p:txBody>
+          <a:bodyPr>
+            <a:normAutofit/>
+          </a:bodyPr>
+          <a:lstStyle/>
+          <a:p>
+            <a:r>
+              <a:rPr lang="en-US" sz="3600" b="1" dirty="0"/>
+              <a:t>Model Approach &amp; Outputs</a:t>
+            </a:r>
+          </a:p>
+        </p:txBody>
+      </p:sp>
+      <p:sp>
+        <p:nvSpPr>
+          <p:cNvPr id="3" name="TextBox 2">
+            <a:extLst>
+              <a:ext uri="{FF2B5EF4-FFF2-40B4-BE49-F238E27FC236}">
+                <a16:creationId xmlns:a16="http://schemas.microsoft.com/office/drawing/2014/main" id="{A75BBD05-44FB-75A6-BB5A-6D760ADBC392}"/>
+              </a:ext>
+            </a:extLst>
+          </p:cNvPr>
+          <p:cNvSpPr txBox="1"/>
+          <p:nvPr/>
+        </p:nvSpPr>
+        <p:spPr>
+          <a:xfrm>
+            <a:off x="838198" y="1743386"/>
+            <a:ext cx="10277106" cy="4062651"/>
+          </a:xfrm>
+          <a:prstGeom prst="rect">
+            <a:avLst/>
+          </a:prstGeom>
+          <a:noFill/>
+        </p:spPr>
+        <p:txBody>
+          <a:bodyPr wrap="square" rtlCol="0">
+            <a:spAutoFit/>
+          </a:bodyPr>
+          <a:lstStyle/>
+          <a:p>
+            <a:pPr marL="342900" indent="-342900">
+              <a:spcAft>
+                <a:spcPts val="1200"/>
+              </a:spcAft>
+              <a:buFont typeface="Arial" panose="020B0604020202020204" pitchFamily="34" charset="0"/>
+              <a:buChar char="•"/>
+            </a:pPr>
+            <a:r>
+              <a:rPr lang="en-US" sz="2000" dirty="0"/>
+              <a:t>All models will attempt to predict worsening memory problems and/or confusion</a:t>
+            </a:r>
+          </a:p>
+          <a:p>
+            <a:pPr marL="342900" indent="-342900">
+              <a:spcAft>
+                <a:spcPts val="1200"/>
+              </a:spcAft>
+              <a:buFont typeface="Arial" panose="020B0604020202020204" pitchFamily="34" charset="0"/>
+              <a:buChar char="•"/>
+            </a:pPr>
+            <a:r>
+              <a:rPr lang="en-US" sz="2000" dirty="0"/>
+              <a:t>ACE variables only available for a limited number of respondent records</a:t>
+            </a:r>
+            <a:endParaRPr lang="en-US" sz="800" dirty="0"/>
+          </a:p>
+          <a:p>
+            <a:pPr>
+              <a:spcAft>
+                <a:spcPts val="1200"/>
+              </a:spcAft>
+            </a:pPr>
+            <a:endParaRPr lang="en-US" sz="800" dirty="0"/>
+          </a:p>
+          <a:p>
+            <a:pPr marL="342900" indent="-342900">
+              <a:spcAft>
+                <a:spcPts val="1200"/>
+              </a:spcAft>
+              <a:buFont typeface="Arial" panose="020B0604020202020204" pitchFamily="34" charset="0"/>
+              <a:buChar char="•"/>
+            </a:pPr>
+            <a:r>
+              <a:rPr lang="en-US" sz="2000" b="1" dirty="0">
                 <a:solidFill>
-                  <a:srgbClr val="000000"/>
+                  <a:schemeClr val="accent1">
+                    <a:lumMod val="50000"/>
+                  </a:schemeClr>
                 </a:solidFill>
-                <a:effectLst/>
-                <a:latin typeface="Times New Roman" panose="02020603050405020304" pitchFamily="18" charset="0"/>
-                <a:ea typeface="Times New Roman" panose="02020603050405020304" pitchFamily="18" charset="0"/>
-              </a:rPr>
-              <a:t>[To update with models derived from Micro Project 3]</a:t>
+              </a:rPr>
+              <a:t>COHORT 1</a:t>
+            </a:r>
+            <a:r>
+              <a:rPr lang="en-US" sz="2000" dirty="0"/>
+              <a:t> (n = 64,675) will consider all predictors except adverse childhood experiences (ACE)</a:t>
+            </a:r>
+          </a:p>
+          <a:p>
+            <a:pPr marL="342900" indent="-342900">
+              <a:spcAft>
+                <a:spcPts val="1200"/>
+              </a:spcAft>
+              <a:buFont typeface="Arial" panose="020B0604020202020204" pitchFamily="34" charset="0"/>
+              <a:buChar char="•"/>
+            </a:pPr>
+            <a:r>
+              <a:rPr lang="en-US" sz="2000" b="1" dirty="0">
+                <a:solidFill>
+                  <a:schemeClr val="accent1">
+                    <a:lumMod val="50000"/>
+                  </a:schemeClr>
+                </a:solidFill>
+              </a:rPr>
+              <a:t>COHORT 2</a:t>
+            </a:r>
+            <a:r>
+              <a:rPr lang="en-US" sz="2000" dirty="0"/>
+              <a:t> (n = 18,793) adds in these ACE variables to the model and considers only the 18,793 respondent records for which all predictors, including ACE data, are available.</a:t>
+            </a:r>
+          </a:p>
+          <a:p>
+            <a:pPr>
+              <a:spcAft>
+                <a:spcPts val="1200"/>
+              </a:spcAft>
+            </a:pPr>
+            <a:endParaRPr lang="en-US" sz="600" dirty="0"/>
+          </a:p>
+          <a:p>
+            <a:pPr marL="342900" indent="-342900">
+              <a:spcAft>
+                <a:spcPts val="1200"/>
+              </a:spcAft>
+              <a:buFont typeface="Arial" panose="020B0604020202020204" pitchFamily="34" charset="0"/>
+              <a:buChar char="•"/>
+            </a:pPr>
+            <a:r>
+              <a:rPr lang="en-US" sz="2400" dirty="0"/>
+              <a:t>Included machine learning models:</a:t>
+            </a:r>
+          </a:p>
+          <a:p>
+            <a:pPr marL="800100" lvl="1" indent="-342900">
+              <a:spcAft>
+                <a:spcPts val="1200"/>
+              </a:spcAft>
+              <a:buFont typeface="Arial" panose="020B0604020202020204" pitchFamily="34" charset="0"/>
+              <a:buChar char="•"/>
+            </a:pPr>
+            <a:r>
+              <a:rPr lang="en-US" sz="2000" dirty="0">
+                <a:solidFill>
+                  <a:schemeClr val="accent1">
+                    <a:lumMod val="50000"/>
+                  </a:schemeClr>
+                </a:solidFill>
+              </a:rPr>
+              <a:t>Multiple Logistic Regression</a:t>
+            </a:r>
+          </a:p>
+          <a:p>
+            <a:pPr marL="800100" lvl="1" indent="-342900">
+              <a:spcAft>
+                <a:spcPts val="1200"/>
+              </a:spcAft>
+              <a:buFont typeface="Arial" panose="020B0604020202020204" pitchFamily="34" charset="0"/>
+              <a:buChar char="•"/>
+            </a:pPr>
+            <a:r>
+              <a:rPr lang="en-US" sz="2000" dirty="0">
+                <a:solidFill>
+                  <a:schemeClr val="accent1">
+                    <a:lumMod val="50000"/>
+                  </a:schemeClr>
+                </a:solidFill>
+              </a:rPr>
+              <a:t>Support Vector Machine (SVM)</a:t>
             </a:r>
           </a:p>
         </p:txBody>
@@ -3523,7 +3670,7 @@
     </p:spTree>
     <p:extLst>
       <p:ext uri="{BB962C8B-B14F-4D97-AF65-F5344CB8AC3E}">
-        <p14:creationId xmlns:p14="http://schemas.microsoft.com/office/powerpoint/2010/main" val="2309908418"/>
+        <p14:creationId xmlns:p14="http://schemas.microsoft.com/office/powerpoint/2010/main" val="993037828"/>
       </p:ext>
     </p:extLst>
   </p:cSld>
@@ -3555,6 +3702,956 @@
           <p:cNvPr id="2" name="Title 1">
             <a:extLst>
               <a:ext uri="{FF2B5EF4-FFF2-40B4-BE49-F238E27FC236}">
+                <a16:creationId xmlns:a16="http://schemas.microsoft.com/office/drawing/2014/main" id="{DB2A7252-6823-44F9-B464-D7A15D12BB65}"/>
+              </a:ext>
+            </a:extLst>
+          </p:cNvPr>
+          <p:cNvSpPr>
+            <a:spLocks noGrp="1"/>
+          </p:cNvSpPr>
+          <p:nvPr>
+            <p:ph type="title"/>
+          </p:nvPr>
+        </p:nvSpPr>
+        <p:spPr>
+          <a:xfrm>
+            <a:off x="838199" y="365126"/>
+            <a:ext cx="10882533" cy="1534926"/>
+          </a:xfrm>
+        </p:spPr>
+        <p:txBody>
+          <a:bodyPr>
+            <a:normAutofit/>
+          </a:bodyPr>
+          <a:lstStyle/>
+          <a:p>
+            <a:r>
+              <a:rPr lang="en-US" sz="3600" dirty="0"/>
+              <a:t>Cohort 1: Multiple Logistic Regression (MLR) Model</a:t>
+            </a:r>
+            <a:br>
+              <a:rPr lang="en-US" sz="3600" dirty="0"/>
+            </a:br>
+            <a:r>
+              <a:rPr lang="en-US" sz="3600" dirty="0"/>
+              <a:t>		</a:t>
+            </a:r>
+            <a:r>
+              <a:rPr lang="en-US" sz="2800" dirty="0"/>
+              <a:t>(</a:t>
+            </a:r>
+            <a:r>
+              <a:rPr lang="en-US" sz="2800" i="1" dirty="0"/>
+              <a:t>excluding ACE variables</a:t>
+            </a:r>
+            <a:r>
+              <a:rPr lang="en-US" sz="2800" dirty="0"/>
+              <a:t>, n = 64,675)</a:t>
+            </a:r>
+            <a:endParaRPr lang="en-US" sz="3600" dirty="0"/>
+          </a:p>
+        </p:txBody>
+      </p:sp>
+      <p:pic>
+        <p:nvPicPr>
+          <p:cNvPr id="9" name="Picture 8">
+            <a:extLst>
+              <a:ext uri="{FF2B5EF4-FFF2-40B4-BE49-F238E27FC236}">
+                <a16:creationId xmlns:a16="http://schemas.microsoft.com/office/drawing/2014/main" id="{204FEB74-3CDC-DBCE-3300-44B91F121510}"/>
+              </a:ext>
+            </a:extLst>
+          </p:cNvPr>
+          <p:cNvPicPr>
+            <a:picLocks noChangeAspect="1"/>
+          </p:cNvPicPr>
+          <p:nvPr/>
+        </p:nvPicPr>
+        <p:blipFill>
+          <a:blip r:embed="rId2"/>
+          <a:stretch>
+            <a:fillRect/>
+          </a:stretch>
+        </p:blipFill>
+        <p:spPr>
+          <a:xfrm>
+            <a:off x="471268" y="1699198"/>
+            <a:ext cx="3919114" cy="3258751"/>
+          </a:xfrm>
+          <a:prstGeom prst="rect">
+            <a:avLst/>
+          </a:prstGeom>
+        </p:spPr>
+      </p:pic>
+      <p:sp>
+        <p:nvSpPr>
+          <p:cNvPr id="10" name="TextBox 9">
+            <a:extLst>
+              <a:ext uri="{FF2B5EF4-FFF2-40B4-BE49-F238E27FC236}">
+                <a16:creationId xmlns:a16="http://schemas.microsoft.com/office/drawing/2014/main" id="{50678332-4E17-1DAF-7618-64A8A08FAD0B}"/>
+              </a:ext>
+            </a:extLst>
+          </p:cNvPr>
+          <p:cNvSpPr txBox="1"/>
+          <p:nvPr/>
+        </p:nvSpPr>
+        <p:spPr>
+          <a:xfrm>
+            <a:off x="5070550" y="2051913"/>
+            <a:ext cx="6650182" cy="2708434"/>
+          </a:xfrm>
+          <a:prstGeom prst="rect">
+            <a:avLst/>
+          </a:prstGeom>
+          <a:noFill/>
+        </p:spPr>
+        <p:txBody>
+          <a:bodyPr wrap="square" rtlCol="0">
+            <a:spAutoFit/>
+          </a:bodyPr>
+          <a:lstStyle/>
+          <a:p>
+            <a:pPr marL="285750" indent="-285750">
+              <a:spcAft>
+                <a:spcPts val="1200"/>
+              </a:spcAft>
+              <a:buFont typeface="Arial" panose="020B0604020202020204" pitchFamily="34" charset="0"/>
+              <a:buChar char="•"/>
+            </a:pPr>
+            <a:r>
+              <a:rPr lang="en-US" sz="2000" dirty="0"/>
+              <a:t>Our MLR model accurately predicts about 74% of cases</a:t>
+            </a:r>
+          </a:p>
+          <a:p>
+            <a:pPr marL="285750" indent="-285750">
+              <a:spcAft>
+                <a:spcPts val="1200"/>
+              </a:spcAft>
+              <a:buFont typeface="Arial" panose="020B0604020202020204" pitchFamily="34" charset="0"/>
+              <a:buChar char="•"/>
+            </a:pPr>
+            <a:r>
+              <a:rPr lang="en-US" sz="2000" dirty="0"/>
+              <a:t>The model predicts the majority class (0; no worsening memory problems and/or confusion) with 94% precision</a:t>
+            </a:r>
+          </a:p>
+          <a:p>
+            <a:pPr marL="285750" indent="-285750">
+              <a:spcAft>
+                <a:spcPts val="1200"/>
+              </a:spcAft>
+              <a:buFont typeface="Arial" panose="020B0604020202020204" pitchFamily="34" charset="0"/>
+              <a:buChar char="•"/>
+            </a:pPr>
+            <a:r>
+              <a:rPr lang="en-US" sz="2000" dirty="0"/>
+              <a:t>Precision for the minority class (1; presence of worsening memory problems and/or confusion) is only 24%</a:t>
+            </a:r>
+          </a:p>
+          <a:p>
+            <a:pPr marL="285750" indent="-285750">
+              <a:spcAft>
+                <a:spcPts val="1200"/>
+              </a:spcAft>
+              <a:buFont typeface="Arial" panose="020B0604020202020204" pitchFamily="34" charset="0"/>
+              <a:buChar char="•"/>
+            </a:pPr>
+            <a:r>
+              <a:rPr lang="en-US" sz="2000" dirty="0"/>
+              <a:t>Low performance predicting presence of confusion and/or memory problems suggests need for model improvement</a:t>
+            </a:r>
+          </a:p>
+        </p:txBody>
+      </p:sp>
+      <p:pic>
+        <p:nvPicPr>
+          <p:cNvPr id="4" name="Picture 3">
+            <a:extLst>
+              <a:ext uri="{FF2B5EF4-FFF2-40B4-BE49-F238E27FC236}">
+                <a16:creationId xmlns:a16="http://schemas.microsoft.com/office/drawing/2014/main" id="{9D75679D-4922-3EB5-ADD2-565EC5F3D2AD}"/>
+              </a:ext>
+            </a:extLst>
+          </p:cNvPr>
+          <p:cNvPicPr>
+            <a:picLocks noChangeAspect="1"/>
+          </p:cNvPicPr>
+          <p:nvPr/>
+        </p:nvPicPr>
+        <p:blipFill>
+          <a:blip r:embed="rId3"/>
+          <a:stretch>
+            <a:fillRect/>
+          </a:stretch>
+        </p:blipFill>
+        <p:spPr>
+          <a:xfrm>
+            <a:off x="162765" y="5477977"/>
+            <a:ext cx="4134427" cy="962159"/>
+          </a:xfrm>
+          <a:prstGeom prst="rect">
+            <a:avLst/>
+          </a:prstGeom>
+        </p:spPr>
+      </p:pic>
+    </p:spTree>
+    <p:extLst>
+      <p:ext uri="{BB962C8B-B14F-4D97-AF65-F5344CB8AC3E}">
+        <p14:creationId xmlns:p14="http://schemas.microsoft.com/office/powerpoint/2010/main" val="2529077242"/>
+      </p:ext>
+    </p:extLst>
+  </p:cSld>
+  <p:clrMapOvr>
+    <a:masterClrMapping/>
+  </p:clrMapOvr>
+</p:sld>
+</file>
+
+<file path=ppt/slides/slide12.xml><?xml version="1.0" encoding="utf-8"?>
+<p:sld xmlns:a="http://schemas.openxmlformats.org/drawingml/2006/main" xmlns:r="http://schemas.openxmlformats.org/officeDocument/2006/relationships" xmlns:p="http://schemas.openxmlformats.org/presentationml/2006/main">
+  <p:cSld>
+    <p:spTree>
+      <p:nvGrpSpPr>
+        <p:cNvPr id="1" name=""/>
+        <p:cNvGrpSpPr/>
+        <p:nvPr/>
+      </p:nvGrpSpPr>
+      <p:grpSpPr>
+        <a:xfrm>
+          <a:off x="0" y="0"/>
+          <a:ext cx="0" cy="0"/>
+          <a:chOff x="0" y="0"/>
+          <a:chExt cx="0" cy="0"/>
+        </a:xfrm>
+      </p:grpSpPr>
+      <p:sp>
+        <p:nvSpPr>
+          <p:cNvPr id="2" name="Title 1">
+            <a:extLst>
+              <a:ext uri="{FF2B5EF4-FFF2-40B4-BE49-F238E27FC236}">
+                <a16:creationId xmlns:a16="http://schemas.microsoft.com/office/drawing/2014/main" id="{DB2A7252-6823-44F9-B464-D7A15D12BB65}"/>
+              </a:ext>
+            </a:extLst>
+          </p:cNvPr>
+          <p:cNvSpPr>
+            <a:spLocks noGrp="1"/>
+          </p:cNvSpPr>
+          <p:nvPr>
+            <p:ph type="title"/>
+          </p:nvPr>
+        </p:nvSpPr>
+        <p:spPr>
+          <a:xfrm>
+            <a:off x="838199" y="365126"/>
+            <a:ext cx="10882533" cy="1534926"/>
+          </a:xfrm>
+        </p:spPr>
+        <p:txBody>
+          <a:bodyPr>
+            <a:normAutofit/>
+          </a:bodyPr>
+          <a:lstStyle/>
+          <a:p>
+            <a:r>
+              <a:rPr lang="en-US" sz="3600" dirty="0"/>
+              <a:t>Cohort 2: Multiple Logistic Regression (MLR) Model</a:t>
+            </a:r>
+            <a:br>
+              <a:rPr lang="en-US" sz="3600" dirty="0"/>
+            </a:br>
+            <a:r>
+              <a:rPr lang="en-US" sz="3600" dirty="0"/>
+              <a:t>		</a:t>
+            </a:r>
+            <a:r>
+              <a:rPr lang="en-US" sz="2800" dirty="0"/>
+              <a:t>(</a:t>
+            </a:r>
+            <a:r>
+              <a:rPr lang="en-US" sz="2800" i="1" dirty="0"/>
+              <a:t>including ACE variables</a:t>
+            </a:r>
+            <a:r>
+              <a:rPr lang="en-US" sz="2800" dirty="0"/>
+              <a:t>, n = 18,793)</a:t>
+            </a:r>
+            <a:endParaRPr lang="en-US" sz="3600" dirty="0"/>
+          </a:p>
+        </p:txBody>
+      </p:sp>
+      <p:sp>
+        <p:nvSpPr>
+          <p:cNvPr id="10" name="TextBox 9">
+            <a:extLst>
+              <a:ext uri="{FF2B5EF4-FFF2-40B4-BE49-F238E27FC236}">
+                <a16:creationId xmlns:a16="http://schemas.microsoft.com/office/drawing/2014/main" id="{50678332-4E17-1DAF-7618-64A8A08FAD0B}"/>
+              </a:ext>
+            </a:extLst>
+          </p:cNvPr>
+          <p:cNvSpPr txBox="1"/>
+          <p:nvPr/>
+        </p:nvSpPr>
+        <p:spPr>
+          <a:xfrm>
+            <a:off x="5070550" y="1937480"/>
+            <a:ext cx="6650182" cy="3323987"/>
+          </a:xfrm>
+          <a:prstGeom prst="rect">
+            <a:avLst/>
+          </a:prstGeom>
+          <a:noFill/>
+        </p:spPr>
+        <p:txBody>
+          <a:bodyPr wrap="square" rtlCol="0">
+            <a:spAutoFit/>
+          </a:bodyPr>
+          <a:lstStyle/>
+          <a:p>
+            <a:pPr marL="285750" indent="-285750">
+              <a:spcAft>
+                <a:spcPts val="1200"/>
+              </a:spcAft>
+              <a:buFont typeface="Arial" panose="020B0604020202020204" pitchFamily="34" charset="0"/>
+              <a:buChar char="•"/>
+            </a:pPr>
+            <a:r>
+              <a:rPr lang="en-US" sz="2000" dirty="0"/>
+              <a:t>Addition of ACE variables and application to smaller dataset did not materially change model performance</a:t>
+            </a:r>
+          </a:p>
+          <a:p>
+            <a:pPr marL="285750" indent="-285750">
+              <a:spcAft>
+                <a:spcPts val="1200"/>
+              </a:spcAft>
+              <a:buFont typeface="Arial" panose="020B0604020202020204" pitchFamily="34" charset="0"/>
+              <a:buChar char="•"/>
+            </a:pPr>
+            <a:r>
+              <a:rPr lang="en-US" sz="2000" dirty="0"/>
+              <a:t>Cohort 2 accuracy was ~73%</a:t>
+            </a:r>
+          </a:p>
+          <a:p>
+            <a:pPr marL="285750" indent="-285750">
+              <a:spcAft>
+                <a:spcPts val="1200"/>
+              </a:spcAft>
+              <a:buFont typeface="Arial" panose="020B0604020202020204" pitchFamily="34" charset="0"/>
+              <a:buChar char="•"/>
+            </a:pPr>
+            <a:r>
+              <a:rPr lang="en-US" sz="2000" dirty="0"/>
+              <a:t>Identical precision (94%) and recall (75%) for negative class</a:t>
+            </a:r>
+          </a:p>
+          <a:p>
+            <a:pPr marL="285750" indent="-285750">
+              <a:spcAft>
+                <a:spcPts val="1200"/>
+              </a:spcAft>
+              <a:buFont typeface="Arial" panose="020B0604020202020204" pitchFamily="34" charset="0"/>
+              <a:buChar char="•"/>
+            </a:pPr>
+            <a:r>
+              <a:rPr lang="en-US" sz="2000" dirty="0"/>
+              <a:t>Slightly higher precision (25%) compared to Cohort 1 (24%)</a:t>
+            </a:r>
+          </a:p>
+          <a:p>
+            <a:pPr marL="285750" indent="-285750">
+              <a:spcAft>
+                <a:spcPts val="1200"/>
+              </a:spcAft>
+              <a:buFont typeface="Arial" panose="020B0604020202020204" pitchFamily="34" charset="0"/>
+              <a:buChar char="•"/>
+            </a:pPr>
+            <a:r>
+              <a:rPr lang="en-US" sz="2000" dirty="0"/>
+              <a:t>Slightly lower recall (62%) compared to Cohort 1 (63%)</a:t>
+            </a:r>
+          </a:p>
+          <a:p>
+            <a:pPr marL="285750" indent="-285750">
+              <a:spcAft>
+                <a:spcPts val="1200"/>
+              </a:spcAft>
+              <a:buFont typeface="Arial" panose="020B0604020202020204" pitchFamily="34" charset="0"/>
+              <a:buChar char="•"/>
+            </a:pPr>
+            <a:r>
+              <a:rPr lang="en-US" sz="2000" dirty="0"/>
+              <a:t>Performance &lt; 75% predicting confusion and/or memory problems suggests need for model improvement</a:t>
+            </a:r>
+          </a:p>
+        </p:txBody>
+      </p:sp>
+      <p:pic>
+        <p:nvPicPr>
+          <p:cNvPr id="12" name="Picture 11">
+            <a:extLst>
+              <a:ext uri="{FF2B5EF4-FFF2-40B4-BE49-F238E27FC236}">
+                <a16:creationId xmlns:a16="http://schemas.microsoft.com/office/drawing/2014/main" id="{9360FF50-B048-8A18-F8E8-73C3DC80B553}"/>
+              </a:ext>
+            </a:extLst>
+          </p:cNvPr>
+          <p:cNvPicPr>
+            <a:picLocks noChangeAspect="1"/>
+          </p:cNvPicPr>
+          <p:nvPr/>
+        </p:nvPicPr>
+        <p:blipFill>
+          <a:blip r:embed="rId2"/>
+          <a:stretch>
+            <a:fillRect/>
+          </a:stretch>
+        </p:blipFill>
+        <p:spPr>
+          <a:xfrm>
+            <a:off x="423768" y="1728374"/>
+            <a:ext cx="3986921" cy="3258751"/>
+          </a:xfrm>
+          <a:prstGeom prst="rect">
+            <a:avLst/>
+          </a:prstGeom>
+        </p:spPr>
+      </p:pic>
+      <p:pic>
+        <p:nvPicPr>
+          <p:cNvPr id="14" name="Picture 13">
+            <a:extLst>
+              <a:ext uri="{FF2B5EF4-FFF2-40B4-BE49-F238E27FC236}">
+                <a16:creationId xmlns:a16="http://schemas.microsoft.com/office/drawing/2014/main" id="{15FD87BC-494D-16FF-FB06-1835ACDD1982}"/>
+              </a:ext>
+            </a:extLst>
+          </p:cNvPr>
+          <p:cNvPicPr>
+            <a:picLocks noChangeAspect="1"/>
+          </p:cNvPicPr>
+          <p:nvPr/>
+        </p:nvPicPr>
+        <p:blipFill>
+          <a:blip r:embed="rId3"/>
+          <a:stretch>
+            <a:fillRect/>
+          </a:stretch>
+        </p:blipFill>
+        <p:spPr>
+          <a:xfrm>
+            <a:off x="289755" y="5506965"/>
+            <a:ext cx="3986921" cy="921505"/>
+          </a:xfrm>
+          <a:prstGeom prst="rect">
+            <a:avLst/>
+          </a:prstGeom>
+        </p:spPr>
+      </p:pic>
+    </p:spTree>
+    <p:extLst>
+      <p:ext uri="{BB962C8B-B14F-4D97-AF65-F5344CB8AC3E}">
+        <p14:creationId xmlns:p14="http://schemas.microsoft.com/office/powerpoint/2010/main" val="2309908418"/>
+      </p:ext>
+    </p:extLst>
+  </p:cSld>
+  <p:clrMapOvr>
+    <a:masterClrMapping/>
+  </p:clrMapOvr>
+</p:sld>
+</file>
+
+<file path=ppt/slides/slide13.xml><?xml version="1.0" encoding="utf-8"?>
+<p:sld xmlns:a="http://schemas.openxmlformats.org/drawingml/2006/main" xmlns:r="http://schemas.openxmlformats.org/officeDocument/2006/relationships" xmlns:p="http://schemas.openxmlformats.org/presentationml/2006/main">
+  <p:cSld>
+    <p:spTree>
+      <p:nvGrpSpPr>
+        <p:cNvPr id="1" name=""/>
+        <p:cNvGrpSpPr/>
+        <p:nvPr/>
+      </p:nvGrpSpPr>
+      <p:grpSpPr>
+        <a:xfrm>
+          <a:off x="0" y="0"/>
+          <a:ext cx="0" cy="0"/>
+          <a:chOff x="0" y="0"/>
+          <a:chExt cx="0" cy="0"/>
+        </a:xfrm>
+      </p:grpSpPr>
+      <p:sp>
+        <p:nvSpPr>
+          <p:cNvPr id="2" name="Title 1">
+            <a:extLst>
+              <a:ext uri="{FF2B5EF4-FFF2-40B4-BE49-F238E27FC236}">
+                <a16:creationId xmlns:a16="http://schemas.microsoft.com/office/drawing/2014/main" id="{DB2A7252-6823-44F9-B464-D7A15D12BB65}"/>
+              </a:ext>
+            </a:extLst>
+          </p:cNvPr>
+          <p:cNvSpPr>
+            <a:spLocks noGrp="1"/>
+          </p:cNvSpPr>
+          <p:nvPr>
+            <p:ph type="title"/>
+          </p:nvPr>
+        </p:nvSpPr>
+        <p:spPr>
+          <a:xfrm>
+            <a:off x="838199" y="365126"/>
+            <a:ext cx="10882533" cy="1534926"/>
+          </a:xfrm>
+        </p:spPr>
+        <p:txBody>
+          <a:bodyPr>
+            <a:normAutofit/>
+          </a:bodyPr>
+          <a:lstStyle/>
+          <a:p>
+            <a:r>
+              <a:rPr lang="en-US" sz="3600" dirty="0"/>
+              <a:t>Cohort 1: Support Vector Machine (SVM) Model</a:t>
+            </a:r>
+            <a:br>
+              <a:rPr lang="en-US" sz="3600" dirty="0"/>
+            </a:br>
+            <a:r>
+              <a:rPr lang="en-US" sz="3600" dirty="0"/>
+              <a:t>		</a:t>
+            </a:r>
+            <a:r>
+              <a:rPr lang="en-US" sz="2800" dirty="0"/>
+              <a:t>(</a:t>
+            </a:r>
+            <a:r>
+              <a:rPr lang="en-US" sz="2800" i="1" dirty="0"/>
+              <a:t>excluding ACE variables</a:t>
+            </a:r>
+            <a:r>
+              <a:rPr lang="en-US" sz="2800" dirty="0"/>
+              <a:t>, n = 64,675)</a:t>
+            </a:r>
+            <a:endParaRPr lang="en-US" sz="3600" dirty="0"/>
+          </a:p>
+        </p:txBody>
+      </p:sp>
+      <p:sp>
+        <p:nvSpPr>
+          <p:cNvPr id="10" name="TextBox 9">
+            <a:extLst>
+              <a:ext uri="{FF2B5EF4-FFF2-40B4-BE49-F238E27FC236}">
+                <a16:creationId xmlns:a16="http://schemas.microsoft.com/office/drawing/2014/main" id="{50678332-4E17-1DAF-7618-64A8A08FAD0B}"/>
+              </a:ext>
+            </a:extLst>
+          </p:cNvPr>
+          <p:cNvSpPr txBox="1"/>
+          <p:nvPr/>
+        </p:nvSpPr>
+        <p:spPr>
+          <a:xfrm>
+            <a:off x="5070550" y="1970816"/>
+            <a:ext cx="6650182" cy="3170099"/>
+          </a:xfrm>
+          <a:prstGeom prst="rect">
+            <a:avLst/>
+          </a:prstGeom>
+          <a:noFill/>
+        </p:spPr>
+        <p:txBody>
+          <a:bodyPr wrap="square" rtlCol="0">
+            <a:spAutoFit/>
+          </a:bodyPr>
+          <a:lstStyle/>
+          <a:p>
+            <a:pPr marL="285750" indent="-285750">
+              <a:spcAft>
+                <a:spcPts val="1200"/>
+              </a:spcAft>
+              <a:buFont typeface="Arial" panose="020B0604020202020204" pitchFamily="34" charset="0"/>
+              <a:buChar char="•"/>
+            </a:pPr>
+            <a:r>
+              <a:rPr lang="en-US" sz="2000" dirty="0"/>
+              <a:t>SVM model accurately predicts about 76% of cases</a:t>
+            </a:r>
+          </a:p>
+          <a:p>
+            <a:pPr marL="742950" lvl="1" indent="-285750">
+              <a:spcAft>
+                <a:spcPts val="1200"/>
+              </a:spcAft>
+              <a:buFont typeface="Arial" panose="020B0604020202020204" pitchFamily="34" charset="0"/>
+              <a:buChar char="•"/>
+            </a:pPr>
+            <a:r>
+              <a:rPr lang="en-US" sz="2000" dirty="0"/>
+              <a:t>~2% better than Logistic Regression</a:t>
+            </a:r>
+          </a:p>
+          <a:p>
+            <a:pPr marL="285750" indent="-285750">
+              <a:spcAft>
+                <a:spcPts val="1200"/>
+              </a:spcAft>
+              <a:buFont typeface="Arial" panose="020B0604020202020204" pitchFamily="34" charset="0"/>
+              <a:buChar char="•"/>
+            </a:pPr>
+            <a:r>
+              <a:rPr lang="en-US" sz="2000" dirty="0"/>
+              <a:t>The model predicts the majority class (0; no worsening memory problems and/or confusion) with same precision as MLR (94%) </a:t>
+            </a:r>
+          </a:p>
+          <a:p>
+            <a:pPr marL="285750" indent="-285750">
+              <a:spcAft>
+                <a:spcPts val="1200"/>
+              </a:spcAft>
+              <a:buFont typeface="Arial" panose="020B0604020202020204" pitchFamily="34" charset="0"/>
+              <a:buChar char="•"/>
+            </a:pPr>
+            <a:r>
+              <a:rPr lang="en-US" sz="2000" dirty="0"/>
+              <a:t>Precision for the minority class (1; presence of worsening memory problems and/or confusion) is only 25%</a:t>
+            </a:r>
+          </a:p>
+          <a:p>
+            <a:pPr marL="742950" lvl="1" indent="-285750">
+              <a:spcAft>
+                <a:spcPts val="1200"/>
+              </a:spcAft>
+              <a:buFont typeface="Arial" panose="020B0604020202020204" pitchFamily="34" charset="0"/>
+              <a:buChar char="•"/>
+            </a:pPr>
+            <a:r>
+              <a:rPr lang="en-US" sz="2000" dirty="0"/>
+              <a:t>~1% better precision than MLR</a:t>
+            </a:r>
+          </a:p>
+        </p:txBody>
+      </p:sp>
+      <p:pic>
+        <p:nvPicPr>
+          <p:cNvPr id="6" name="Picture 5">
+            <a:extLst>
+              <a:ext uri="{FF2B5EF4-FFF2-40B4-BE49-F238E27FC236}">
+                <a16:creationId xmlns:a16="http://schemas.microsoft.com/office/drawing/2014/main" id="{FCD158B6-2820-E9AD-11F0-C9F20E9A2489}"/>
+              </a:ext>
+            </a:extLst>
+          </p:cNvPr>
+          <p:cNvPicPr>
+            <a:picLocks noChangeAspect="1"/>
+          </p:cNvPicPr>
+          <p:nvPr/>
+        </p:nvPicPr>
+        <p:blipFill>
+          <a:blip r:embed="rId2"/>
+          <a:stretch>
+            <a:fillRect/>
+          </a:stretch>
+        </p:blipFill>
+        <p:spPr>
+          <a:xfrm>
+            <a:off x="459392" y="1747574"/>
+            <a:ext cx="3922601" cy="3250772"/>
+          </a:xfrm>
+          <a:prstGeom prst="rect">
+            <a:avLst/>
+          </a:prstGeom>
+        </p:spPr>
+      </p:pic>
+      <p:pic>
+        <p:nvPicPr>
+          <p:cNvPr id="8" name="Picture 7">
+            <a:extLst>
+              <a:ext uri="{FF2B5EF4-FFF2-40B4-BE49-F238E27FC236}">
+                <a16:creationId xmlns:a16="http://schemas.microsoft.com/office/drawing/2014/main" id="{8DAC2EF4-77F8-3A2F-DDF3-3063670EB0BE}"/>
+              </a:ext>
+            </a:extLst>
+          </p:cNvPr>
+          <p:cNvPicPr>
+            <a:picLocks noChangeAspect="1"/>
+          </p:cNvPicPr>
+          <p:nvPr/>
+        </p:nvPicPr>
+        <p:blipFill>
+          <a:blip r:embed="rId3"/>
+          <a:stretch>
+            <a:fillRect/>
+          </a:stretch>
+        </p:blipFill>
+        <p:spPr>
+          <a:xfrm>
+            <a:off x="235821" y="5474527"/>
+            <a:ext cx="4015543" cy="936024"/>
+          </a:xfrm>
+          <a:prstGeom prst="rect">
+            <a:avLst/>
+          </a:prstGeom>
+        </p:spPr>
+      </p:pic>
+    </p:spTree>
+    <p:extLst>
+      <p:ext uri="{BB962C8B-B14F-4D97-AF65-F5344CB8AC3E}">
+        <p14:creationId xmlns:p14="http://schemas.microsoft.com/office/powerpoint/2010/main" val="3161472129"/>
+      </p:ext>
+    </p:extLst>
+  </p:cSld>
+  <p:clrMapOvr>
+    <a:masterClrMapping/>
+  </p:clrMapOvr>
+</p:sld>
+</file>
+
+<file path=ppt/slides/slide14.xml><?xml version="1.0" encoding="utf-8"?>
+<p:sld xmlns:a="http://schemas.openxmlformats.org/drawingml/2006/main" xmlns:r="http://schemas.openxmlformats.org/officeDocument/2006/relationships" xmlns:p="http://schemas.openxmlformats.org/presentationml/2006/main">
+  <p:cSld>
+    <p:spTree>
+      <p:nvGrpSpPr>
+        <p:cNvPr id="1" name=""/>
+        <p:cNvGrpSpPr/>
+        <p:nvPr/>
+      </p:nvGrpSpPr>
+      <p:grpSpPr>
+        <a:xfrm>
+          <a:off x="0" y="0"/>
+          <a:ext cx="0" cy="0"/>
+          <a:chOff x="0" y="0"/>
+          <a:chExt cx="0" cy="0"/>
+        </a:xfrm>
+      </p:grpSpPr>
+      <p:sp>
+        <p:nvSpPr>
+          <p:cNvPr id="2" name="Title 1">
+            <a:extLst>
+              <a:ext uri="{FF2B5EF4-FFF2-40B4-BE49-F238E27FC236}">
+                <a16:creationId xmlns:a16="http://schemas.microsoft.com/office/drawing/2014/main" id="{DB2A7252-6823-44F9-B464-D7A15D12BB65}"/>
+              </a:ext>
+            </a:extLst>
+          </p:cNvPr>
+          <p:cNvSpPr>
+            <a:spLocks noGrp="1"/>
+          </p:cNvSpPr>
+          <p:nvPr>
+            <p:ph type="title"/>
+          </p:nvPr>
+        </p:nvSpPr>
+        <p:spPr>
+          <a:xfrm>
+            <a:off x="838199" y="365126"/>
+            <a:ext cx="10882533" cy="1534926"/>
+          </a:xfrm>
+        </p:spPr>
+        <p:txBody>
+          <a:bodyPr>
+            <a:normAutofit/>
+          </a:bodyPr>
+          <a:lstStyle/>
+          <a:p>
+            <a:r>
+              <a:rPr lang="en-US" sz="3600" dirty="0"/>
+              <a:t>Cohort 2: Support Vector Machine (SVM) Model</a:t>
+            </a:r>
+            <a:br>
+              <a:rPr lang="en-US" sz="3600" dirty="0"/>
+            </a:br>
+            <a:r>
+              <a:rPr lang="en-US" sz="3600" dirty="0"/>
+              <a:t>		</a:t>
+            </a:r>
+            <a:r>
+              <a:rPr lang="en-US" sz="2800" dirty="0"/>
+              <a:t>(</a:t>
+            </a:r>
+            <a:r>
+              <a:rPr lang="en-US" sz="2800" i="1" dirty="0"/>
+              <a:t>including ACE variables</a:t>
+            </a:r>
+            <a:r>
+              <a:rPr lang="en-US" sz="2800" dirty="0"/>
+              <a:t>, n = 18,793)</a:t>
+            </a:r>
+            <a:endParaRPr lang="en-US" sz="3600" dirty="0"/>
+          </a:p>
+        </p:txBody>
+      </p:sp>
+      <p:sp>
+        <p:nvSpPr>
+          <p:cNvPr id="10" name="TextBox 9">
+            <a:extLst>
+              <a:ext uri="{FF2B5EF4-FFF2-40B4-BE49-F238E27FC236}">
+                <a16:creationId xmlns:a16="http://schemas.microsoft.com/office/drawing/2014/main" id="{50678332-4E17-1DAF-7618-64A8A08FAD0B}"/>
+              </a:ext>
+            </a:extLst>
+          </p:cNvPr>
+          <p:cNvSpPr txBox="1"/>
+          <p:nvPr/>
+        </p:nvSpPr>
+        <p:spPr>
+          <a:xfrm>
+            <a:off x="5070549" y="1984981"/>
+            <a:ext cx="7018532" cy="2708434"/>
+          </a:xfrm>
+          <a:prstGeom prst="rect">
+            <a:avLst/>
+          </a:prstGeom>
+          <a:noFill/>
+        </p:spPr>
+        <p:txBody>
+          <a:bodyPr wrap="square" rtlCol="0">
+            <a:spAutoFit/>
+          </a:bodyPr>
+          <a:lstStyle/>
+          <a:p>
+            <a:pPr marL="285750" indent="-285750">
+              <a:spcAft>
+                <a:spcPts val="1200"/>
+              </a:spcAft>
+              <a:buFont typeface="Arial" panose="020B0604020202020204" pitchFamily="34" charset="0"/>
+              <a:buChar char="•"/>
+            </a:pPr>
+            <a:r>
+              <a:rPr lang="en-US" sz="2000" dirty="0"/>
+              <a:t>SVM accuracy for Cohort 2 predictions about 2% higher than MLR model (75% vs 73%)</a:t>
+            </a:r>
+          </a:p>
+          <a:p>
+            <a:pPr marL="285750" indent="-285750">
+              <a:spcAft>
+                <a:spcPts val="1200"/>
+              </a:spcAft>
+              <a:buFont typeface="Arial" panose="020B0604020202020204" pitchFamily="34" charset="0"/>
+              <a:buChar char="•"/>
+            </a:pPr>
+            <a:r>
+              <a:rPr lang="en-US" sz="2000" dirty="0"/>
+              <a:t>Addition of ACE variables decreased model accuracy by ~1%</a:t>
+            </a:r>
+          </a:p>
+          <a:p>
+            <a:pPr marL="285750" indent="-285750">
+              <a:spcAft>
+                <a:spcPts val="1200"/>
+              </a:spcAft>
+              <a:buFont typeface="Arial" panose="020B0604020202020204" pitchFamily="34" charset="0"/>
+              <a:buChar char="•"/>
+            </a:pPr>
+            <a:r>
+              <a:rPr lang="en-US" sz="2000" dirty="0"/>
+              <a:t>SVM had slightly higher recall for negative class (77% vs 75%) and slightly lower for positive class (60% vs 62%).</a:t>
+            </a:r>
+          </a:p>
+          <a:p>
+            <a:pPr marL="285750" indent="-285750">
+              <a:spcAft>
+                <a:spcPts val="1200"/>
+              </a:spcAft>
+              <a:buFont typeface="Arial" panose="020B0604020202020204" pitchFamily="34" charset="0"/>
+              <a:buChar char="•"/>
+            </a:pPr>
+            <a:r>
+              <a:rPr lang="en-US" sz="2000" dirty="0"/>
+              <a:t>SVM had slightly lower precision for both negative class </a:t>
+            </a:r>
+            <a:br>
+              <a:rPr lang="en-US" sz="2000" dirty="0"/>
+            </a:br>
+            <a:r>
+              <a:rPr lang="en-US" sz="2000" dirty="0"/>
+              <a:t>(93% vs 94%) and approximately equal for positive class (25%)</a:t>
+            </a:r>
+          </a:p>
+        </p:txBody>
+      </p:sp>
+      <p:pic>
+        <p:nvPicPr>
+          <p:cNvPr id="4" name="Picture 3">
+            <a:extLst>
+              <a:ext uri="{FF2B5EF4-FFF2-40B4-BE49-F238E27FC236}">
+                <a16:creationId xmlns:a16="http://schemas.microsoft.com/office/drawing/2014/main" id="{3742BE8B-A391-A668-442E-028630CB5E06}"/>
+              </a:ext>
+            </a:extLst>
+          </p:cNvPr>
+          <p:cNvPicPr>
+            <a:picLocks noChangeAspect="1"/>
+          </p:cNvPicPr>
+          <p:nvPr/>
+        </p:nvPicPr>
+        <p:blipFill>
+          <a:blip r:embed="rId2"/>
+          <a:stretch>
+            <a:fillRect/>
+          </a:stretch>
+        </p:blipFill>
+        <p:spPr>
+          <a:xfrm>
+            <a:off x="604148" y="1803416"/>
+            <a:ext cx="3789722" cy="3154533"/>
+          </a:xfrm>
+          <a:prstGeom prst="rect">
+            <a:avLst/>
+          </a:prstGeom>
+        </p:spPr>
+      </p:pic>
+      <p:pic>
+        <p:nvPicPr>
+          <p:cNvPr id="11" name="Picture 10">
+            <a:extLst>
+              <a:ext uri="{FF2B5EF4-FFF2-40B4-BE49-F238E27FC236}">
+                <a16:creationId xmlns:a16="http://schemas.microsoft.com/office/drawing/2014/main" id="{D6F461D8-7D96-999C-A6D5-AE37A0DAC2B9}"/>
+              </a:ext>
+            </a:extLst>
+          </p:cNvPr>
+          <p:cNvPicPr>
+            <a:picLocks noChangeAspect="1"/>
+          </p:cNvPicPr>
+          <p:nvPr/>
+        </p:nvPicPr>
+        <p:blipFill>
+          <a:blip r:embed="rId3"/>
+          <a:stretch>
+            <a:fillRect/>
+          </a:stretch>
+        </p:blipFill>
+        <p:spPr>
+          <a:xfrm>
+            <a:off x="568524" y="5486400"/>
+            <a:ext cx="3614192" cy="933589"/>
+          </a:xfrm>
+          <a:prstGeom prst="rect">
+            <a:avLst/>
+          </a:prstGeom>
+        </p:spPr>
+      </p:pic>
+    </p:spTree>
+    <p:extLst>
+      <p:ext uri="{BB962C8B-B14F-4D97-AF65-F5344CB8AC3E}">
+        <p14:creationId xmlns:p14="http://schemas.microsoft.com/office/powerpoint/2010/main" val="2837955497"/>
+      </p:ext>
+    </p:extLst>
+  </p:cSld>
+  <p:clrMapOvr>
+    <a:masterClrMapping/>
+  </p:clrMapOvr>
+</p:sld>
+</file>
+
+<file path=ppt/slides/slide15.xml><?xml version="1.0" encoding="utf-8"?>
+<p:sld xmlns:a="http://schemas.openxmlformats.org/drawingml/2006/main" xmlns:r="http://schemas.openxmlformats.org/officeDocument/2006/relationships" xmlns:p="http://schemas.openxmlformats.org/presentationml/2006/main">
+  <p:cSld>
+    <p:spTree>
+      <p:nvGrpSpPr>
+        <p:cNvPr id="1" name=""/>
+        <p:cNvGrpSpPr/>
+        <p:nvPr/>
+      </p:nvGrpSpPr>
+      <p:grpSpPr>
+        <a:xfrm>
+          <a:off x="0" y="0"/>
+          <a:ext cx="0" cy="0"/>
+          <a:chOff x="0" y="0"/>
+          <a:chExt cx="0" cy="0"/>
+        </a:xfrm>
+      </p:grpSpPr>
+      <p:sp>
+        <p:nvSpPr>
+          <p:cNvPr id="2" name="Title 1">
+            <a:extLst>
+              <a:ext uri="{FF2B5EF4-FFF2-40B4-BE49-F238E27FC236}">
                 <a16:creationId xmlns:a16="http://schemas.microsoft.com/office/drawing/2014/main" id="{7998C1A2-E365-4EAD-A777-10EF9BD2588C}"/>
               </a:ext>
             </a:extLst>
@@ -3573,7 +4670,7 @@
           <a:p>
             <a:r>
               <a:rPr lang="en-US" dirty="0"/>
-              <a:t>Act</a:t>
+              <a:t>Report: Next Steps</a:t>
             </a:r>
           </a:p>
         </p:txBody>
@@ -3608,9 +4705,40 @@
                 <a:latin typeface="Times New Roman" panose="02020603050405020304" pitchFamily="18" charset="0"/>
                 <a:ea typeface="Times New Roman" panose="02020603050405020304" pitchFamily="18" charset="0"/>
               </a:rPr>
-              <a:t>&lt;apply results, connect results with the chosen problem statement or business question&gt;</a:t>
-            </a:r>
-            <a:endParaRPr lang="en-US" dirty="0"/>
+              <a:t>Additional machine learning models will be considered in </a:t>
+            </a:r>
+            <a:r>
+              <a:rPr lang="en-US" sz="1800" u="sng" dirty="0">
+                <a:solidFill>
+                  <a:srgbClr val="000000"/>
+                </a:solidFill>
+                <a:effectLst/>
+                <a:latin typeface="Times New Roman" panose="02020603050405020304" pitchFamily="18" charset="0"/>
+                <a:ea typeface="Times New Roman" panose="02020603050405020304" pitchFamily="18" charset="0"/>
+              </a:rPr>
+              <a:t>Micro Project #4</a:t>
+            </a:r>
+          </a:p>
+          <a:p>
+            <a:r>
+              <a:rPr lang="en-US" sz="1800" dirty="0">
+                <a:solidFill>
+                  <a:srgbClr val="000000"/>
+                </a:solidFill>
+                <a:latin typeface="Times New Roman" panose="02020603050405020304" pitchFamily="18" charset="0"/>
+              </a:rPr>
+              <a:t>Comparison between models and final model selection will be provided in </a:t>
+            </a:r>
+            <a:r>
+              <a:rPr lang="en-US" sz="1800" u="sng" dirty="0">
+                <a:solidFill>
+                  <a:srgbClr val="000000"/>
+                </a:solidFill>
+                <a:latin typeface="Times New Roman" panose="02020603050405020304" pitchFamily="18" charset="0"/>
+              </a:rPr>
+              <a:t>Micro Project #4</a:t>
+            </a:r>
+            <a:endParaRPr lang="en-US" u="sng" dirty="0"/>
           </a:p>
         </p:txBody>
       </p:sp>
@@ -3627,7 +4755,101 @@
 </p:sld>
 </file>
 
-<file path=ppt/slides/slide12.xml><?xml version="1.0" encoding="utf-8"?>
+<file path=ppt/slides/slide16.xml><?xml version="1.0" encoding="utf-8"?>
+<p:sld xmlns:a="http://schemas.openxmlformats.org/drawingml/2006/main" xmlns:r="http://schemas.openxmlformats.org/officeDocument/2006/relationships" xmlns:p="http://schemas.openxmlformats.org/presentationml/2006/main">
+  <p:cSld>
+    <p:spTree>
+      <p:nvGrpSpPr>
+        <p:cNvPr id="1" name=""/>
+        <p:cNvGrpSpPr/>
+        <p:nvPr/>
+      </p:nvGrpSpPr>
+      <p:grpSpPr>
+        <a:xfrm>
+          <a:off x="0" y="0"/>
+          <a:ext cx="0" cy="0"/>
+          <a:chOff x="0" y="0"/>
+          <a:chExt cx="0" cy="0"/>
+        </a:xfrm>
+      </p:grpSpPr>
+      <p:sp>
+        <p:nvSpPr>
+          <p:cNvPr id="2" name="Title 1">
+            <a:extLst>
+              <a:ext uri="{FF2B5EF4-FFF2-40B4-BE49-F238E27FC236}">
+                <a16:creationId xmlns:a16="http://schemas.microsoft.com/office/drawing/2014/main" id="{7998C1A2-E365-4EAD-A777-10EF9BD2588C}"/>
+              </a:ext>
+            </a:extLst>
+          </p:cNvPr>
+          <p:cNvSpPr>
+            <a:spLocks noGrp="1"/>
+          </p:cNvSpPr>
+          <p:nvPr>
+            <p:ph type="title"/>
+          </p:nvPr>
+        </p:nvSpPr>
+        <p:spPr/>
+        <p:txBody>
+          <a:bodyPr/>
+          <a:lstStyle/>
+          <a:p>
+            <a:r>
+              <a:rPr lang="en-US" dirty="0"/>
+              <a:t>Act</a:t>
+            </a:r>
+          </a:p>
+        </p:txBody>
+      </p:sp>
+      <p:sp>
+        <p:nvSpPr>
+          <p:cNvPr id="3" name="Content Placeholder 2">
+            <a:extLst>
+              <a:ext uri="{FF2B5EF4-FFF2-40B4-BE49-F238E27FC236}">
+                <a16:creationId xmlns:a16="http://schemas.microsoft.com/office/drawing/2014/main" id="{83DC0D0A-FDCC-4561-A8EB-1F836A94AACC}"/>
+              </a:ext>
+            </a:extLst>
+          </p:cNvPr>
+          <p:cNvSpPr>
+            <a:spLocks noGrp="1"/>
+          </p:cNvSpPr>
+          <p:nvPr>
+            <p:ph idx="1"/>
+          </p:nvPr>
+        </p:nvSpPr>
+        <p:spPr/>
+        <p:txBody>
+          <a:bodyPr/>
+          <a:lstStyle/>
+          <a:p>
+            <a:r>
+              <a:rPr lang="en-US" sz="1800" dirty="0">
+                <a:solidFill>
+                  <a:srgbClr val="000000"/>
+                </a:solidFill>
+                <a:effectLst/>
+                <a:latin typeface="Times New Roman" panose="02020603050405020304" pitchFamily="18" charset="0"/>
+                <a:ea typeface="Times New Roman" panose="02020603050405020304" pitchFamily="18" charset="0"/>
+              </a:rPr>
+              <a:t>&lt;apply results, connect results with the chosen problem statement or business question&gt;</a:t>
+            </a:r>
+            <a:endParaRPr lang="en-US" dirty="0"/>
+          </a:p>
+        </p:txBody>
+      </p:sp>
+    </p:spTree>
+    <p:extLst>
+      <p:ext uri="{BB962C8B-B14F-4D97-AF65-F5344CB8AC3E}">
+        <p14:creationId xmlns:p14="http://schemas.microsoft.com/office/powerpoint/2010/main" val="1902738376"/>
+      </p:ext>
+    </p:extLst>
+  </p:cSld>
+  <p:clrMapOvr>
+    <a:masterClrMapping/>
+  </p:clrMapOvr>
+</p:sld>
+</file>
+
+<file path=ppt/slides/slide17.xml><?xml version="1.0" encoding="utf-8"?>
 <p:sld xmlns:a="http://schemas.openxmlformats.org/drawingml/2006/main" xmlns:r="http://schemas.openxmlformats.org/officeDocument/2006/relationships" xmlns:p="http://schemas.openxmlformats.org/presentationml/2006/main">
   <p:cSld>
     <p:spTree>
@@ -4368,11 +5590,12 @@
             </a:r>
           </a:p>
           <a:p>
-            <a:pPr marL="0" indent="0">
+            <a:pPr marL="285750" indent="-285750">
               <a:spcBef>
                 <a:spcPts val="0"/>
               </a:spcBef>
-              <a:buNone/>
+              <a:buFont typeface="Arial" panose="020B0604020202020204" pitchFamily="34" charset="0"/>
+              <a:buChar char="•"/>
             </a:pPr>
             <a:endParaRPr lang="en-US" sz="2000" dirty="0">
               <a:latin typeface="Times New Roman" panose="02020603050405020304" pitchFamily="18" charset="0"/>
@@ -4381,69 +5604,7 @@
           </a:p>
           <a:p>
             <a:pPr marL="0" indent="0">
-              <a:spcBef>
-                <a:spcPts val="0"/>
-              </a:spcBef>
-              <a:buNone/>
-            </a:pPr>
-            <a:endParaRPr lang="en-US" sz="2000" u="sng" dirty="0">
-              <a:latin typeface="Times New Roman" panose="02020603050405020304" pitchFamily="18" charset="0"/>
-              <a:cs typeface="Times New Roman" panose="02020603050405020304" pitchFamily="18" charset="0"/>
-            </a:endParaRPr>
-          </a:p>
-          <a:p>
-            <a:pPr marL="0" indent="0">
-              <a:spcBef>
-                <a:spcPts val="0"/>
-              </a:spcBef>
-              <a:buNone/>
-            </a:pPr>
-            <a:endParaRPr lang="en-US" sz="2000" u="sng" dirty="0">
-              <a:latin typeface="Times New Roman" panose="02020603050405020304" pitchFamily="18" charset="0"/>
-              <a:cs typeface="Times New Roman" panose="02020603050405020304" pitchFamily="18" charset="0"/>
-            </a:endParaRPr>
-          </a:p>
-          <a:p>
-            <a:pPr marL="0" indent="0">
-              <a:spcBef>
-                <a:spcPts val="0"/>
-              </a:spcBef>
-              <a:buNone/>
-            </a:pPr>
-            <a:endParaRPr lang="en-US" sz="2000" u="sng" dirty="0">
-              <a:latin typeface="Times New Roman" panose="02020603050405020304" pitchFamily="18" charset="0"/>
-              <a:cs typeface="Times New Roman" panose="02020603050405020304" pitchFamily="18" charset="0"/>
-            </a:endParaRPr>
-          </a:p>
-          <a:p>
-            <a:pPr marL="0" indent="0">
-              <a:spcBef>
-                <a:spcPts val="0"/>
-              </a:spcBef>
-              <a:buNone/>
-            </a:pPr>
-            <a:endParaRPr lang="en-US" sz="2000" u="sng" dirty="0">
-              <a:latin typeface="Times New Roman" panose="02020603050405020304" pitchFamily="18" charset="0"/>
-              <a:cs typeface="Times New Roman" panose="02020603050405020304" pitchFamily="18" charset="0"/>
-            </a:endParaRPr>
-          </a:p>
-          <a:p>
-            <a:pPr marL="0" indent="0">
-              <a:spcBef>
-                <a:spcPts val="0"/>
-              </a:spcBef>
-              <a:buNone/>
-            </a:pPr>
-            <a:endParaRPr lang="en-US" sz="2000" u="sng" dirty="0">
-              <a:latin typeface="Times New Roman" panose="02020603050405020304" pitchFamily="18" charset="0"/>
-              <a:cs typeface="Times New Roman" panose="02020603050405020304" pitchFamily="18" charset="0"/>
-            </a:endParaRPr>
-          </a:p>
-          <a:p>
-            <a:pPr marL="0" indent="0">
-              <a:spcBef>
-                <a:spcPts val="0"/>
-              </a:spcBef>
+              <a:buFont typeface="Arial" panose="020B0604020202020204" pitchFamily="34" charset="0"/>
               <a:buNone/>
             </a:pPr>
             <a:r>
@@ -4451,7 +5612,7 @@
                 <a:latin typeface="Times New Roman" panose="02020603050405020304" pitchFamily="18" charset="0"/>
                 <a:cs typeface="Times New Roman" panose="02020603050405020304" pitchFamily="18" charset="0"/>
               </a:rPr>
-              <a:t>Social</a:t>
+              <a:t>Socioeconomic</a:t>
             </a:r>
           </a:p>
           <a:p>
@@ -4467,7 +5628,58 @@
                 <a:latin typeface="Times New Roman" panose="02020603050405020304" pitchFamily="18" charset="0"/>
                 <a:cs typeface="Times New Roman" panose="02020603050405020304" pitchFamily="18" charset="0"/>
               </a:rPr>
-              <a:t>Educational attainment</a:t>
+              <a:t>Household income</a:t>
+            </a:r>
+          </a:p>
+          <a:p>
+            <a:pPr marL="0" indent="0">
+              <a:spcBef>
+                <a:spcPts val="0"/>
+              </a:spcBef>
+              <a:buNone/>
+            </a:pPr>
+            <a:endParaRPr lang="en-US" sz="2000" dirty="0">
+              <a:latin typeface="Times New Roman" panose="02020603050405020304" pitchFamily="18" charset="0"/>
+              <a:cs typeface="Times New Roman" panose="02020603050405020304" pitchFamily="18" charset="0"/>
+            </a:endParaRPr>
+          </a:p>
+          <a:p>
+            <a:pPr marL="0" indent="0">
+              <a:spcBef>
+                <a:spcPts val="0"/>
+              </a:spcBef>
+              <a:buNone/>
+            </a:pPr>
+            <a:endParaRPr lang="en-US" sz="2000" u="sng" dirty="0">
+              <a:latin typeface="Times New Roman" panose="02020603050405020304" pitchFamily="18" charset="0"/>
+              <a:cs typeface="Times New Roman" panose="02020603050405020304" pitchFamily="18" charset="0"/>
+            </a:endParaRPr>
+          </a:p>
+          <a:p>
+            <a:pPr marL="0" indent="0">
+              <a:spcBef>
+                <a:spcPts val="0"/>
+              </a:spcBef>
+              <a:buNone/>
+            </a:pPr>
+            <a:endParaRPr lang="en-US" sz="2000" u="sng" dirty="0">
+              <a:latin typeface="Times New Roman" panose="02020603050405020304" pitchFamily="18" charset="0"/>
+              <a:cs typeface="Times New Roman" panose="02020603050405020304" pitchFamily="18" charset="0"/>
+            </a:endParaRPr>
+          </a:p>
+          <a:p>
+            <a:pPr marL="0" indent="0">
+              <a:spcBef>
+                <a:spcPts val="0"/>
+              </a:spcBef>
+              <a:buNone/>
+            </a:pPr>
+            <a:r>
+              <a:rPr lang="en-US" sz="2000" u="sng" dirty="0">
+                <a:latin typeface="Times New Roman" panose="02020603050405020304" pitchFamily="18" charset="0"/>
+                <a:cs typeface="Times New Roman" panose="02020603050405020304" pitchFamily="18" charset="0"/>
+              </a:rPr>
+              <a:t>Social</a:t>
             </a:r>
           </a:p>
           <a:p>
@@ -4483,7 +5695,7 @@
                 <a:latin typeface="Times New Roman" panose="02020603050405020304" pitchFamily="18" charset="0"/>
                 <a:cs typeface="Times New Roman" panose="02020603050405020304" pitchFamily="18" charset="0"/>
               </a:rPr>
-              <a:t>Marital Status</a:t>
+              <a:t>Educational attainment</a:t>
             </a:r>
           </a:p>
           <a:p>
@@ -4499,7 +5711,7 @@
                 <a:latin typeface="Times New Roman" panose="02020603050405020304" pitchFamily="18" charset="0"/>
                 <a:cs typeface="Times New Roman" panose="02020603050405020304" pitchFamily="18" charset="0"/>
               </a:rPr>
-              <a:t>Active duty veteran</a:t>
+              <a:t>Marital Status</a:t>
             </a:r>
           </a:p>
           <a:p>
@@ -4515,31 +5727,7 @@
                 <a:latin typeface="Times New Roman" panose="02020603050405020304" pitchFamily="18" charset="0"/>
                 <a:cs typeface="Times New Roman" panose="02020603050405020304" pitchFamily="18" charset="0"/>
               </a:rPr>
-              <a:t>Feelings of social isolation</a:t>
-            </a:r>
-          </a:p>
-          <a:p>
-            <a:pPr>
-              <a:spcBef>
-                <a:spcPts val="0"/>
-              </a:spcBef>
-            </a:pPr>
-            <a:endParaRPr lang="en-US" sz="2000" dirty="0">
-              <a:latin typeface="Times New Roman" panose="02020603050405020304" pitchFamily="18" charset="0"/>
-              <a:cs typeface="Times New Roman" panose="02020603050405020304" pitchFamily="18" charset="0"/>
-            </a:endParaRPr>
-          </a:p>
-          <a:p>
-            <a:pPr marL="0" indent="0">
-              <a:buFont typeface="Arial" panose="020B0604020202020204" pitchFamily="34" charset="0"/>
-              <a:buNone/>
-            </a:pPr>
-            <a:r>
-              <a:rPr lang="en-US" sz="2000" u="sng" dirty="0">
-                <a:latin typeface="Times New Roman" panose="02020603050405020304" pitchFamily="18" charset="0"/>
-                <a:cs typeface="Times New Roman" panose="02020603050405020304" pitchFamily="18" charset="0"/>
-              </a:rPr>
-              <a:t>Socioeconomic</a:t>
+              <a:t>Active duty veteran</a:t>
             </a:r>
           </a:p>
           <a:p>
@@ -4555,8 +5743,19 @@
                 <a:latin typeface="Times New Roman" panose="02020603050405020304" pitchFamily="18" charset="0"/>
                 <a:cs typeface="Times New Roman" panose="02020603050405020304" pitchFamily="18" charset="0"/>
               </a:rPr>
-              <a:t>Household income</a:t>
-            </a:r>
+              <a:t>Feelings of social isolation</a:t>
+            </a:r>
+          </a:p>
+          <a:p>
+            <a:pPr>
+              <a:spcBef>
+                <a:spcPts val="0"/>
+              </a:spcBef>
+            </a:pPr>
+            <a:endParaRPr lang="en-US" sz="2000" dirty="0">
+              <a:latin typeface="Times New Roman" panose="02020603050405020304" pitchFamily="18" charset="0"/>
+              <a:cs typeface="Times New Roman" panose="02020603050405020304" pitchFamily="18" charset="0"/>
+            </a:endParaRPr>
           </a:p>
         </p:txBody>
       </p:sp>
@@ -4691,7 +5890,7 @@
         <p:spPr>
           <a:xfrm>
             <a:off x="838200" y="2353469"/>
-            <a:ext cx="11008426" cy="3785652"/>
+            <a:ext cx="3045031" cy="3785652"/>
           </a:xfrm>
           <a:prstGeom prst="rect">
             <a:avLst/>
@@ -4699,7 +5898,7 @@
           <a:noFill/>
         </p:spPr>
         <p:txBody>
-          <a:bodyPr wrap="square" numCol="2" rtlCol="0">
+          <a:bodyPr wrap="square" numCol="1" rtlCol="0">
             <a:spAutoFit/>
           </a:bodyPr>
           <a:lstStyle/>
@@ -4886,6 +6085,35 @@
               <a:t>Past-month exercise</a:t>
             </a:r>
           </a:p>
+        </p:txBody>
+      </p:sp>
+      <p:sp>
+        <p:nvSpPr>
+          <p:cNvPr id="5" name="TextBox 4">
+            <a:extLst>
+              <a:ext uri="{FF2B5EF4-FFF2-40B4-BE49-F238E27FC236}">
+                <a16:creationId xmlns:a16="http://schemas.microsoft.com/office/drawing/2014/main" id="{E52D9F33-EE40-565C-0D8A-7206EE8ED4E9}"/>
+              </a:ext>
+            </a:extLst>
+          </p:cNvPr>
+          <p:cNvSpPr txBox="1"/>
+          <p:nvPr/>
+        </p:nvSpPr>
+        <p:spPr>
+          <a:xfrm>
+            <a:off x="5118264" y="2353469"/>
+            <a:ext cx="5605154" cy="2246769"/>
+          </a:xfrm>
+          <a:prstGeom prst="rect">
+            <a:avLst/>
+          </a:prstGeom>
+          <a:noFill/>
+        </p:spPr>
+        <p:txBody>
+          <a:bodyPr wrap="square">
+            <a:spAutoFit/>
+          </a:bodyPr>
+          <a:lstStyle/>
           <a:p>
             <a:pPr marL="0" marR="0" lvl="0" indent="0" algn="l" defTabSz="914400" rtl="0" eaLnBrk="1" fontAlgn="auto" latinLnBrk="0" hangingPunct="1">
               <a:lnSpc>
@@ -5092,17 +6320,6 @@
               <a:uFillTx/>
               <a:latin typeface="Times New Roman" panose="02020603050405020304" pitchFamily="18" charset="0"/>
               <a:ea typeface="+mn-ea"/>
-              <a:cs typeface="Times New Roman" panose="02020603050405020304" pitchFamily="18" charset="0"/>
-            </a:endParaRPr>
-          </a:p>
-          <a:p>
-            <a:pPr>
-              <a:spcBef>
-                <a:spcPts val="0"/>
-              </a:spcBef>
-            </a:pPr>
-            <a:endParaRPr lang="en-US" sz="2000" dirty="0">
-              <a:latin typeface="Times New Roman" panose="02020603050405020304" pitchFamily="18" charset="0"/>
               <a:cs typeface="Times New Roman" panose="02020603050405020304" pitchFamily="18" charset="0"/>
             </a:endParaRPr>
           </a:p>
@@ -5184,8 +6401,8 @@
         </p:nvSpPr>
         <p:spPr>
           <a:xfrm>
-            <a:off x="838200" y="1825625"/>
-            <a:ext cx="4488809" cy="3887277"/>
+            <a:off x="838200" y="1690688"/>
+            <a:ext cx="4488809" cy="4551424"/>
           </a:xfrm>
         </p:spPr>
         <p:txBody>
@@ -5217,6 +6434,34 @@
                 <a:ea typeface="Times New Roman" panose="02020603050405020304" pitchFamily="18" charset="0"/>
               </a:rPr>
               <a:t>Missing values were replaced utilizing mode imputation for categorical values and mean imputation for continuous variables.</a:t>
+            </a:r>
+          </a:p>
+          <a:p>
+            <a:pPr lvl="1"/>
+            <a:r>
+              <a:rPr lang="en-US" sz="1600" dirty="0">
+                <a:solidFill>
+                  <a:srgbClr val="000000"/>
+                </a:solidFill>
+                <a:effectLst/>
+                <a:latin typeface="Times New Roman" panose="02020603050405020304" pitchFamily="18" charset="0"/>
+                <a:ea typeface="Times New Roman" panose="02020603050405020304" pitchFamily="18" charset="0"/>
+              </a:rPr>
+              <a:t>This maintains data integrity while ensuring consistent analysis.</a:t>
+            </a:r>
+          </a:p>
+          <a:p>
+            <a:pPr lvl="1"/>
+            <a:r>
+              <a:rPr lang="en-US" sz="1600" dirty="0">
+                <a:solidFill>
+                  <a:srgbClr val="000000"/>
+                </a:solidFill>
+                <a:effectLst/>
+                <a:latin typeface="Times New Roman" panose="02020603050405020304" pitchFamily="18" charset="0"/>
+                <a:ea typeface="Times New Roman" panose="02020603050405020304" pitchFamily="18" charset="0"/>
+              </a:rPr>
+              <a:t>Minimizes the impact of missing data on the results.</a:t>
             </a:r>
           </a:p>
           <a:p>
@@ -5328,8 +6573,12 @@
           <a:lstStyle/>
           <a:p>
             <a:r>
+              <a:rPr lang="en-US" b="1" dirty="0"/>
+              <a:t>Analyze data: </a:t>
+            </a:r>
+            <a:r>
               <a:rPr lang="en-US" dirty="0"/>
-              <a:t>Analyze data</a:t>
+              <a:t>Age &amp; Sex</a:t>
             </a:r>
           </a:p>
         </p:txBody>
@@ -5437,10 +6686,10 @@
       </p:sp>
       <p:pic>
         <p:nvPicPr>
-          <p:cNvPr id="5" name="Picture 4">
-            <a:extLst>
-              <a:ext uri="{FF2B5EF4-FFF2-40B4-BE49-F238E27FC236}">
-                <a16:creationId xmlns:a16="http://schemas.microsoft.com/office/drawing/2014/main" id="{E8192F76-182B-4568-A3B0-BDD9404ABAEA}"/>
+          <p:cNvPr id="6" name="Picture 5">
+            <a:extLst>
+              <a:ext uri="{FF2B5EF4-FFF2-40B4-BE49-F238E27FC236}">
+                <a16:creationId xmlns:a16="http://schemas.microsoft.com/office/drawing/2014/main" id="{2CB2818B-3AB3-6D80-6867-07D5A37225B4}"/>
               </a:ext>
             </a:extLst>
           </p:cNvPr>
@@ -5457,8 +6706,8 @@
         </p:blipFill>
         <p:spPr>
           <a:xfrm>
-            <a:off x="5529918" y="1586985"/>
-            <a:ext cx="5437935" cy="4096107"/>
+            <a:off x="5135935" y="1690688"/>
+            <a:ext cx="5601482" cy="4363059"/>
           </a:xfrm>
           <a:prstGeom prst="rect">
             <a:avLst/>
@@ -5560,7 +6809,7 @@
                 <a:latin typeface="Times New Roman" panose="02020603050405020304" pitchFamily="18" charset="0"/>
                 <a:ea typeface="Times New Roman" panose="02020603050405020304" pitchFamily="18" charset="0"/>
               </a:rPr>
-              <a:t>Several variables are positively correlated with worsening memory and/or confusion (ADDEPEV3). </a:t>
+              <a:t>Several variables are positively correlated with worsening memory and/or confusion (CIMEMLOS). </a:t>
             </a:r>
           </a:p>
         </p:txBody>
@@ -5758,10 +7007,10 @@
       </p:sp>
       <p:pic>
         <p:nvPicPr>
-          <p:cNvPr id="8" name="Picture 7">
-            <a:extLst>
-              <a:ext uri="{FF2B5EF4-FFF2-40B4-BE49-F238E27FC236}">
-                <a16:creationId xmlns:a16="http://schemas.microsoft.com/office/drawing/2014/main" id="{F572812F-1B00-00D9-479A-325061E3BAC8}"/>
+          <p:cNvPr id="5" name="Picture 4">
+            <a:extLst>
+              <a:ext uri="{FF2B5EF4-FFF2-40B4-BE49-F238E27FC236}">
+                <a16:creationId xmlns:a16="http://schemas.microsoft.com/office/drawing/2014/main" id="{BE9BB622-F332-4DB3-A854-0DAC1700C0CE}"/>
               </a:ext>
             </a:extLst>
           </p:cNvPr>
@@ -5778,8 +7027,8 @@
         </p:blipFill>
         <p:spPr>
           <a:xfrm>
-            <a:off x="928811" y="2822673"/>
-            <a:ext cx="4084715" cy="3338614"/>
+            <a:off x="674053" y="2822673"/>
+            <a:ext cx="4231130" cy="3618345"/>
           </a:xfrm>
           <a:prstGeom prst="rect">
             <a:avLst/>
@@ -5832,7 +7081,12 @@
             <p:ph type="title"/>
           </p:nvPr>
         </p:nvSpPr>
-        <p:spPr/>
+        <p:spPr>
+          <a:xfrm>
+            <a:off x="731322" y="178644"/>
+            <a:ext cx="10515600" cy="1325563"/>
+          </a:xfrm>
+        </p:spPr>
         <p:txBody>
           <a:bodyPr/>
           <a:lstStyle/>
@@ -5862,8 +7116,8 @@
         </p:nvSpPr>
         <p:spPr>
           <a:xfrm>
-            <a:off x="838200" y="1610686"/>
-            <a:ext cx="9699433" cy="1500650"/>
+            <a:off x="731322" y="1460665"/>
+            <a:ext cx="9699433" cy="2854436"/>
           </a:xfrm>
         </p:spPr>
         <p:txBody>
@@ -5893,8 +7147,100 @@
                 <a:latin typeface="Times New Roman" panose="02020603050405020304" pitchFamily="18" charset="0"/>
                 <a:ea typeface="Times New Roman" panose="02020603050405020304" pitchFamily="18" charset="0"/>
               </a:rPr>
-              <a:t>Some predictors appear less correlated in older age groups.</a:t>
-            </a:r>
+              <a:t>Several predictors appear to have a greater bearing on memory problems and confusion in younger respondents compared with older respondents, including: </a:t>
+            </a:r>
+            <a:endParaRPr lang="en-US" sz="2000" dirty="0">
+              <a:solidFill>
+                <a:srgbClr val="000000"/>
+              </a:solidFill>
+              <a:latin typeface="Times New Roman" panose="02020603050405020304" pitchFamily="18" charset="0"/>
+              <a:ea typeface="Times New Roman" panose="02020603050405020304" pitchFamily="18" charset="0"/>
+            </a:endParaRPr>
+          </a:p>
+          <a:p>
+            <a:pPr lvl="1"/>
+            <a:r>
+              <a:rPr lang="en-US" sz="1600" dirty="0">
+                <a:solidFill>
+                  <a:srgbClr val="000000"/>
+                </a:solidFill>
+                <a:effectLst/>
+                <a:latin typeface="Times New Roman" panose="02020603050405020304" pitchFamily="18" charset="0"/>
+                <a:ea typeface="Times New Roman" panose="02020603050405020304" pitchFamily="18" charset="0"/>
+              </a:rPr>
+              <a:t>Respondent gender</a:t>
+            </a:r>
+          </a:p>
+          <a:p>
+            <a:pPr lvl="1"/>
+            <a:r>
+              <a:rPr lang="en-US" sz="1600" dirty="0">
+                <a:solidFill>
+                  <a:srgbClr val="000000"/>
+                </a:solidFill>
+                <a:effectLst/>
+                <a:latin typeface="Times New Roman" panose="02020603050405020304" pitchFamily="18" charset="0"/>
+                <a:ea typeface="Times New Roman" panose="02020603050405020304" pitchFamily="18" charset="0"/>
+              </a:rPr>
+              <a:t>Overall physical health</a:t>
+            </a:r>
+          </a:p>
+          <a:p>
+            <a:pPr lvl="1"/>
+            <a:r>
+              <a:rPr lang="en-US" sz="1600" dirty="0">
+                <a:solidFill>
+                  <a:srgbClr val="000000"/>
+                </a:solidFill>
+                <a:latin typeface="Times New Roman" panose="02020603050405020304" pitchFamily="18" charset="0"/>
+                <a:ea typeface="Times New Roman" panose="02020603050405020304" pitchFamily="18" charset="0"/>
+              </a:rPr>
+              <a:t>Overall </a:t>
+            </a:r>
+            <a:r>
+              <a:rPr lang="en-US" sz="1600" dirty="0">
+                <a:solidFill>
+                  <a:srgbClr val="000000"/>
+                </a:solidFill>
+                <a:effectLst/>
+                <a:latin typeface="Times New Roman" panose="02020603050405020304" pitchFamily="18" charset="0"/>
+                <a:ea typeface="Times New Roman" panose="02020603050405020304" pitchFamily="18" charset="0"/>
+              </a:rPr>
+              <a:t>mental health</a:t>
+            </a:r>
+          </a:p>
+          <a:p>
+            <a:pPr lvl="1"/>
+            <a:r>
+              <a:rPr lang="en-US" sz="1600" dirty="0">
+                <a:solidFill>
+                  <a:srgbClr val="000000"/>
+                </a:solidFill>
+                <a:effectLst/>
+                <a:latin typeface="Times New Roman" panose="02020603050405020304" pitchFamily="18" charset="0"/>
+                <a:ea typeface="Times New Roman" panose="02020603050405020304" pitchFamily="18" charset="0"/>
+              </a:rPr>
+              <a:t>Adverse childhood experiences</a:t>
+            </a:r>
+            <a:endParaRPr lang="en-US" sz="2000" dirty="0">
+              <a:solidFill>
+                <a:srgbClr val="000000"/>
+              </a:solidFill>
+              <a:effectLst/>
+              <a:latin typeface="Times New Roman" panose="02020603050405020304" pitchFamily="18" charset="0"/>
+              <a:ea typeface="Times New Roman" panose="02020603050405020304" pitchFamily="18" charset="0"/>
+            </a:endParaRPr>
+          </a:p>
+          <a:p>
+            <a:pPr lvl="1"/>
+            <a:endParaRPr lang="en-US" sz="1600" dirty="0">
+              <a:solidFill>
+                <a:srgbClr val="000000"/>
+              </a:solidFill>
+              <a:effectLst/>
+              <a:latin typeface="Times New Roman" panose="02020603050405020304" pitchFamily="18" charset="0"/>
+              <a:ea typeface="Times New Roman" panose="02020603050405020304" pitchFamily="18" charset="0"/>
+            </a:endParaRPr>
           </a:p>
         </p:txBody>
       </p:sp>
@@ -5920,8 +7266,38 @@
         </p:blipFill>
         <p:spPr>
           <a:xfrm>
-            <a:off x="1739252" y="2936249"/>
-            <a:ext cx="7897327" cy="3439005"/>
+            <a:off x="220683" y="4085077"/>
+            <a:ext cx="5611145" cy="2443454"/>
+          </a:xfrm>
+          <a:prstGeom prst="rect">
+            <a:avLst/>
+          </a:prstGeom>
+        </p:spPr>
+      </p:pic>
+      <p:pic>
+        <p:nvPicPr>
+          <p:cNvPr id="6" name="Picture 5">
+            <a:extLst>
+              <a:ext uri="{FF2B5EF4-FFF2-40B4-BE49-F238E27FC236}">
+                <a16:creationId xmlns:a16="http://schemas.microsoft.com/office/drawing/2014/main" id="{259E7B1F-2C37-6780-2DC6-2607B4F30F92}"/>
+              </a:ext>
+            </a:extLst>
+          </p:cNvPr>
+          <p:cNvPicPr>
+            <a:picLocks noChangeAspect="1"/>
+          </p:cNvPicPr>
+          <p:nvPr/>
+        </p:nvPicPr>
+        <p:blipFill>
+          <a:blip r:embed="rId3"/>
+          <a:stretch>
+            <a:fillRect/>
+          </a:stretch>
+        </p:blipFill>
+        <p:spPr>
+          <a:xfrm>
+            <a:off x="5687916" y="4085077"/>
+            <a:ext cx="5932537" cy="2579364"/>
           </a:xfrm>
           <a:prstGeom prst="rect">
             <a:avLst/>
